--- a/trunk/docs/presentations/OBI tutorial July 2011 ICBO/eagle-i-ICBO-tutorial-draft.pptx
+++ b/trunk/docs/presentations/OBI tutorial July 2011 ICBO/eagle-i-ICBO-tutorial-draft.pptx
@@ -5,28 +5,30 @@
     <p:sldMasterId id="2147483648" r:id="rId1"/>
   </p:sldMasterIdLst>
   <p:notesMasterIdLst>
-    <p:notesMasterId r:id="rId21"/>
+    <p:notesMasterId r:id="rId23"/>
   </p:notesMasterIdLst>
   <p:sldIdLst>
     <p:sldId id="256" r:id="rId2"/>
     <p:sldId id="266" r:id="rId3"/>
     <p:sldId id="267" r:id="rId4"/>
     <p:sldId id="268" r:id="rId5"/>
-    <p:sldId id="269" r:id="rId6"/>
-    <p:sldId id="271" r:id="rId7"/>
-    <p:sldId id="270" r:id="rId8"/>
-    <p:sldId id="272" r:id="rId9"/>
-    <p:sldId id="274" r:id="rId10"/>
-    <p:sldId id="275" r:id="rId11"/>
-    <p:sldId id="276" r:id="rId12"/>
-    <p:sldId id="277" r:id="rId13"/>
-    <p:sldId id="278" r:id="rId14"/>
-    <p:sldId id="279" r:id="rId15"/>
-    <p:sldId id="281" r:id="rId16"/>
-    <p:sldId id="283" r:id="rId17"/>
-    <p:sldId id="284" r:id="rId18"/>
-    <p:sldId id="265" r:id="rId19"/>
-    <p:sldId id="282" r:id="rId20"/>
+    <p:sldId id="285" r:id="rId6"/>
+    <p:sldId id="269" r:id="rId7"/>
+    <p:sldId id="271" r:id="rId8"/>
+    <p:sldId id="270" r:id="rId9"/>
+    <p:sldId id="272" r:id="rId10"/>
+    <p:sldId id="274" r:id="rId11"/>
+    <p:sldId id="275" r:id="rId12"/>
+    <p:sldId id="286" r:id="rId13"/>
+    <p:sldId id="276" r:id="rId14"/>
+    <p:sldId id="277" r:id="rId15"/>
+    <p:sldId id="278" r:id="rId16"/>
+    <p:sldId id="279" r:id="rId17"/>
+    <p:sldId id="281" r:id="rId18"/>
+    <p:sldId id="283" r:id="rId19"/>
+    <p:sldId id="284" r:id="rId20"/>
+    <p:sldId id="265" r:id="rId21"/>
+    <p:sldId id="282" r:id="rId22"/>
   </p:sldIdLst>
   <p:sldSz cx="9144000" cy="6858000" type="screen4x3"/>
   <p:notesSz cx="6858000" cy="9144000"/>
@@ -314,7 +316,7 @@
             <a:fld id="{98B3A191-87E3-594C-8716-71102D88414C}" type="datetimeFigureOut">
               <a:rPr lang="en-US" smtClean="0"/>
               <a:pPr/>
-              <a:t>7/17/11</a:t>
+              <a:t>7/18/11</a:t>
             </a:fld>
             <a:endParaRPr lang="en-US"/>
           </a:p>
@@ -874,6 +876,13 @@
           </a:bodyPr>
           <a:lstStyle/>
           <a:p>
+            <a:r>
+              <a:rPr lang="en-US" dirty="0" smtClean="0"/>
+              <a:t>Maybe I will have just the slides with the figures</a:t>
+            </a:r>
+            <a:endParaRPr lang="en-US" baseline="0" dirty="0" smtClean="0"/>
+          </a:p>
+          <a:p>
             <a:endParaRPr lang="en-US" dirty="0"/>
           </a:p>
         </p:txBody>
@@ -956,18 +965,102 @@
           </a:bodyPr>
           <a:lstStyle/>
           <a:p>
-            <a:r>
-              <a:rPr lang="en-US" dirty="0" smtClean="0"/>
-              <a:t>because sometimes you want complexity and sometime</a:t>
-            </a:r>
-            <a:r>
-              <a:rPr lang="en-US" baseline="0" dirty="0" smtClean="0"/>
-              <a:t> </a:t>
-            </a:r>
-            <a:r>
-              <a:rPr lang="en-US" dirty="0" smtClean="0"/>
-              <a:t>you don’t but you want to go things right</a:t>
-            </a:r>
+            <a:pPr marL="0" marR="0" indent="0" algn="l" defTabSz="457200" rtl="0" eaLnBrk="1" fontAlgn="auto" latinLnBrk="0" hangingPunct="1">
+              <a:lnSpc>
+                <a:spcPct val="100000"/>
+              </a:lnSpc>
+              <a:spcBef>
+                <a:spcPts val="0"/>
+              </a:spcBef>
+              <a:spcAft>
+                <a:spcPts val="0"/>
+              </a:spcAft>
+              <a:buClrTx/>
+              <a:buSzTx/>
+              <a:buFontTx/>
+              <a:buNone/>
+              <a:tabLst/>
+              <a:defRPr/>
+            </a:pPr>
+            <a:r>
+              <a:rPr lang="en-US" sz="1200" kern="1200" dirty="0" smtClean="0">
+                <a:solidFill>
+                  <a:schemeClr val="tx1"/>
+                </a:solidFill>
+                <a:latin typeface="+mn-lt"/>
+                <a:ea typeface="+mn-ea"/>
+                <a:cs typeface="+mn-cs"/>
+              </a:rPr>
+              <a:t>Services are typically offered by core laboratories, which perform some planned process (for example, an assay or a material production) for a customer. Like planned processes, services are also linked to entities such as protocols, instruments, specimens, reagents, and objectives. However, key features that distinguish services from the planned processes they perform are the additional processes entailed in a service (order placement, billing, etc.). In addition, services necessarily have service providers and service consumers as participants. To capture these distinctions and allow query using these search facets, a design pattern was used in which a service </a:t>
+            </a:r>
+            <a:r>
+              <a:rPr lang="en-US" sz="1200" i="1" kern="1200" dirty="0" err="1" smtClean="0">
+                <a:solidFill>
+                  <a:schemeClr val="tx1"/>
+                </a:solidFill>
+                <a:latin typeface="+mn-lt"/>
+                <a:ea typeface="+mn-ea"/>
+                <a:cs typeface="+mn-cs"/>
+              </a:rPr>
+              <a:t>has_part</a:t>
+            </a:r>
+            <a:r>
+              <a:rPr lang="en-US" sz="1200" kern="1200" dirty="0" smtClean="0">
+                <a:solidFill>
+                  <a:schemeClr val="tx1"/>
+                </a:solidFill>
+                <a:latin typeface="+mn-lt"/>
+                <a:ea typeface="+mn-ea"/>
+                <a:cs typeface="+mn-cs"/>
+              </a:rPr>
+              <a:t> some planned process and </a:t>
+            </a:r>
+            <a:r>
+              <a:rPr lang="en-US" sz="1200" i="1" kern="1200" dirty="0" smtClean="0">
+                <a:solidFill>
+                  <a:schemeClr val="tx1"/>
+                </a:solidFill>
+                <a:latin typeface="+mn-lt"/>
+                <a:ea typeface="+mn-ea"/>
+                <a:cs typeface="+mn-cs"/>
+              </a:rPr>
+              <a:t>realizes</a:t>
+            </a:r>
+            <a:r>
+              <a:rPr lang="en-US" sz="1200" kern="1200" dirty="0" smtClean="0">
+                <a:solidFill>
+                  <a:schemeClr val="tx1"/>
+                </a:solidFill>
+                <a:latin typeface="+mn-lt"/>
+                <a:ea typeface="+mn-ea"/>
+                <a:cs typeface="+mn-cs"/>
+              </a:rPr>
+              <a:t> some ‘service consumer role’ and ‘service provider role’ which </a:t>
+            </a:r>
+            <a:r>
+              <a:rPr lang="en-US" sz="1200" i="1" kern="1200" dirty="0" err="1" smtClean="0">
+                <a:solidFill>
+                  <a:schemeClr val="tx1"/>
+                </a:solidFill>
+                <a:latin typeface="+mn-lt"/>
+                <a:ea typeface="+mn-ea"/>
+                <a:cs typeface="+mn-cs"/>
+              </a:rPr>
+              <a:t>inheres_in</a:t>
+            </a:r>
+            <a:r>
+              <a:rPr lang="en-US" sz="1200" kern="1200" dirty="0" smtClean="0">
+                <a:solidFill>
+                  <a:schemeClr val="tx1"/>
+                </a:solidFill>
+                <a:latin typeface="+mn-lt"/>
+                <a:ea typeface="+mn-ea"/>
+                <a:cs typeface="+mn-cs"/>
+              </a:rPr>
+              <a:t> a person or organization.</a:t>
+            </a:r>
+          </a:p>
+          <a:p>
             <a:endParaRPr lang="en-US" dirty="0"/>
           </a:p>
         </p:txBody>
@@ -1050,18 +1143,6 @@
           </a:bodyPr>
           <a:lstStyle/>
           <a:p>
-            <a:r>
-              <a:rPr lang="en-US" dirty="0" smtClean="0"/>
-              <a:t>because sometimes you want complexity and sometime</a:t>
-            </a:r>
-            <a:r>
-              <a:rPr lang="en-US" baseline="0" dirty="0" smtClean="0"/>
-              <a:t> </a:t>
-            </a:r>
-            <a:r>
-              <a:rPr lang="en-US" dirty="0" smtClean="0"/>
-              <a:t>you don’t but you want to go things right</a:t>
-            </a:r>
             <a:endParaRPr lang="en-US" dirty="0"/>
           </a:p>
         </p:txBody>
@@ -1146,11 +1227,16 @@
           <a:p>
             <a:r>
               <a:rPr lang="en-US" dirty="0" smtClean="0"/>
-              <a:t>Shall we say that we will have a possible different asserted hierarchy in eagle-?Maybe just mention that.</a:t>
-            </a:r>
-            <a:endParaRPr lang="en-US" baseline="0" dirty="0" smtClean="0"/>
-          </a:p>
-          <a:p>
+              <a:t>because sometimes you want complexity and sometime</a:t>
+            </a:r>
+            <a:r>
+              <a:rPr lang="en-US" baseline="0" dirty="0" smtClean="0"/>
+              <a:t> </a:t>
+            </a:r>
+            <a:r>
+              <a:rPr lang="en-US" dirty="0" smtClean="0"/>
+              <a:t>you don’t but you want to go things right</a:t>
+            </a:r>
             <a:endParaRPr lang="en-US" dirty="0"/>
           </a:p>
         </p:txBody>
@@ -1173,7 +1259,190 @@
             <a:fld id="{05DCAFAB-C1B6-8F43-AF9F-90086CE1BACC}" type="slidenum">
               <a:rPr lang="en-US" smtClean="0"/>
               <a:pPr/>
+              <a:t>18</a:t>
+            </a:fld>
+            <a:endParaRPr lang="en-US"/>
+          </a:p>
+        </p:txBody>
+      </p:sp>
+    </p:spTree>
+  </p:cSld>
+  <p:clrMapOvr>
+    <a:masterClrMapping/>
+  </p:clrMapOvr>
+</p:notes>
+</file>
+
+<file path=ppt/notesSlides/notesSlide14.xml><?xml version="1.0" encoding="utf-8"?>
+<p:notes xmlns:a="http://schemas.openxmlformats.org/drawingml/2006/main" xmlns:r="http://schemas.openxmlformats.org/officeDocument/2006/relationships" xmlns:mc="http://schemas.openxmlformats.org/markup-compatibility/2006" xmlns:mv="urn:schemas-microsoft-com:mac:vml" xmlns:p="http://schemas.openxmlformats.org/presentationml/2006/main" mc:Ignorable="mv" mc:PreserveAttributes="mv:*">
+  <p:cSld>
+    <p:spTree>
+      <p:nvGrpSpPr>
+        <p:cNvPr id="1" name=""/>
+        <p:cNvGrpSpPr/>
+        <p:nvPr/>
+      </p:nvGrpSpPr>
+      <p:grpSpPr>
+        <a:xfrm>
+          <a:off x="0" y="0"/>
+          <a:ext cx="0" cy="0"/>
+          <a:chOff x="0" y="0"/>
+          <a:chExt cx="0" cy="0"/>
+        </a:xfrm>
+      </p:grpSpPr>
+      <p:sp>
+        <p:nvSpPr>
+          <p:cNvPr id="2" name="Slide Image Placeholder 1"/>
+          <p:cNvSpPr>
+            <a:spLocks noGrp="1" noRot="1" noChangeAspect="1"/>
+          </p:cNvSpPr>
+          <p:nvPr>
+            <p:ph type="sldImg"/>
+          </p:nvPr>
+        </p:nvSpPr>
+        <p:spPr/>
+      </p:sp>
+      <p:sp>
+        <p:nvSpPr>
+          <p:cNvPr id="3" name="Notes Placeholder 2"/>
+          <p:cNvSpPr>
+            <a:spLocks noGrp="1"/>
+          </p:cNvSpPr>
+          <p:nvPr>
+            <p:ph type="body" idx="1"/>
+          </p:nvPr>
+        </p:nvSpPr>
+        <p:spPr/>
+        <p:txBody>
+          <a:bodyPr>
+            <a:normAutofit/>
+          </a:bodyPr>
+          <a:lstStyle/>
+          <a:p>
+            <a:r>
+              <a:rPr lang="en-US" dirty="0" smtClean="0"/>
+              <a:t>because sometimes you want complexity and sometime</a:t>
+            </a:r>
+            <a:r>
+              <a:rPr lang="en-US" baseline="0" dirty="0" smtClean="0"/>
+              <a:t> </a:t>
+            </a:r>
+            <a:r>
+              <a:rPr lang="en-US" dirty="0" smtClean="0"/>
+              <a:t>you don’t but you want to go things right</a:t>
+            </a:r>
+            <a:endParaRPr lang="en-US" dirty="0"/>
+          </a:p>
+        </p:txBody>
+      </p:sp>
+      <p:sp>
+        <p:nvSpPr>
+          <p:cNvPr id="4" name="Slide Number Placeholder 3"/>
+          <p:cNvSpPr>
+            <a:spLocks noGrp="1"/>
+          </p:cNvSpPr>
+          <p:nvPr>
+            <p:ph type="sldNum" sz="quarter" idx="10"/>
+          </p:nvPr>
+        </p:nvSpPr>
+        <p:spPr/>
+        <p:txBody>
+          <a:bodyPr/>
+          <a:lstStyle/>
+          <a:p>
+            <a:fld id="{05DCAFAB-C1B6-8F43-AF9F-90086CE1BACC}" type="slidenum">
+              <a:rPr lang="en-US" smtClean="0"/>
+              <a:pPr/>
               <a:t>19</a:t>
+            </a:fld>
+            <a:endParaRPr lang="en-US"/>
+          </a:p>
+        </p:txBody>
+      </p:sp>
+    </p:spTree>
+  </p:cSld>
+  <p:clrMapOvr>
+    <a:masterClrMapping/>
+  </p:clrMapOvr>
+</p:notes>
+</file>
+
+<file path=ppt/notesSlides/notesSlide15.xml><?xml version="1.0" encoding="utf-8"?>
+<p:notes xmlns:a="http://schemas.openxmlformats.org/drawingml/2006/main" xmlns:r="http://schemas.openxmlformats.org/officeDocument/2006/relationships" xmlns:mc="http://schemas.openxmlformats.org/markup-compatibility/2006" xmlns:mv="urn:schemas-microsoft-com:mac:vml" xmlns:p="http://schemas.openxmlformats.org/presentationml/2006/main" mc:Ignorable="mv" mc:PreserveAttributes="mv:*">
+  <p:cSld>
+    <p:spTree>
+      <p:nvGrpSpPr>
+        <p:cNvPr id="1" name=""/>
+        <p:cNvGrpSpPr/>
+        <p:nvPr/>
+      </p:nvGrpSpPr>
+      <p:grpSpPr>
+        <a:xfrm>
+          <a:off x="0" y="0"/>
+          <a:ext cx="0" cy="0"/>
+          <a:chOff x="0" y="0"/>
+          <a:chExt cx="0" cy="0"/>
+        </a:xfrm>
+      </p:grpSpPr>
+      <p:sp>
+        <p:nvSpPr>
+          <p:cNvPr id="2" name="Slide Image Placeholder 1"/>
+          <p:cNvSpPr>
+            <a:spLocks noGrp="1" noRot="1" noChangeAspect="1"/>
+          </p:cNvSpPr>
+          <p:nvPr>
+            <p:ph type="sldImg"/>
+          </p:nvPr>
+        </p:nvSpPr>
+        <p:spPr/>
+      </p:sp>
+      <p:sp>
+        <p:nvSpPr>
+          <p:cNvPr id="3" name="Notes Placeholder 2"/>
+          <p:cNvSpPr>
+            <a:spLocks noGrp="1"/>
+          </p:cNvSpPr>
+          <p:nvPr>
+            <p:ph type="body" idx="1"/>
+          </p:nvPr>
+        </p:nvSpPr>
+        <p:spPr/>
+        <p:txBody>
+          <a:bodyPr>
+            <a:normAutofit/>
+          </a:bodyPr>
+          <a:lstStyle/>
+          <a:p>
+            <a:r>
+              <a:rPr lang="en-US" dirty="0" smtClean="0"/>
+              <a:t>Shall we say that we will have a possible different asserted hierarchy in eagle-?Maybe just mention that.</a:t>
+            </a:r>
+            <a:endParaRPr lang="en-US" baseline="0" dirty="0" smtClean="0"/>
+          </a:p>
+          <a:p>
+            <a:endParaRPr lang="en-US" dirty="0"/>
+          </a:p>
+        </p:txBody>
+      </p:sp>
+      <p:sp>
+        <p:nvSpPr>
+          <p:cNvPr id="4" name="Slide Number Placeholder 3"/>
+          <p:cNvSpPr>
+            <a:spLocks noGrp="1"/>
+          </p:cNvSpPr>
+          <p:nvPr>
+            <p:ph type="sldNum" sz="quarter" idx="10"/>
+          </p:nvPr>
+        </p:nvSpPr>
+        <p:spPr/>
+        <p:txBody>
+          <a:bodyPr/>
+          <a:lstStyle/>
+          <a:p>
+            <a:fld id="{05DCAFAB-C1B6-8F43-AF9F-90086CE1BACC}" type="slidenum">
+              <a:rPr lang="en-US" smtClean="0"/>
+              <a:pPr/>
+              <a:t>21</a:t>
             </a:fld>
             <a:endParaRPr lang="en-US"/>
           </a:p>
@@ -1233,34 +1502,6 @@
           </a:bodyPr>
           <a:lstStyle/>
           <a:p>
-            <a:r>
-              <a:rPr lang="en-US" dirty="0" smtClean="0"/>
-              <a:t>Few things about structure (BFO MIREOT and so on) and the coverage</a:t>
-            </a:r>
-          </a:p>
-          <a:p>
-            <a:pPr lvl="1"/>
-            <a:r>
-              <a:rPr lang="en-US" sz="2400" dirty="0" smtClean="0"/>
-              <a:t>Picture form the ICBO paper</a:t>
-            </a:r>
-          </a:p>
-          <a:p>
-            <a:pPr lvl="1"/>
-            <a:r>
-              <a:rPr lang="en-US" sz="2400" dirty="0" smtClean="0"/>
-              <a:t>Driving designing </a:t>
-            </a:r>
-            <a:r>
-              <a:rPr lang="en-US" sz="2400" dirty="0" err="1" smtClean="0"/>
-              <a:t>principles(reuse</a:t>
-            </a:r>
-            <a:r>
-              <a:rPr lang="en-US" sz="2400" dirty="0" smtClean="0"/>
-              <a:t> what is available)</a:t>
-            </a:r>
-          </a:p>
-          <a:p>
             <a:pPr lvl="1">
               <a:buNone/>
             </a:pPr>
@@ -1352,14 +1593,16 @@
           </a:bodyPr>
           <a:lstStyle/>
           <a:p>
-            <a:r>
-              <a:rPr lang="en-US" dirty="0" smtClean="0"/>
-              <a:t>Maybe I will have just the slides with the figures</a:t>
-            </a:r>
-            <a:endParaRPr lang="en-US" baseline="0" dirty="0" smtClean="0"/>
-          </a:p>
-          <a:p>
-            <a:endParaRPr lang="en-US" dirty="0"/>
+            <a:pPr lvl="1">
+              <a:buNone/>
+            </a:pPr>
+            <a:endParaRPr lang="en-US" dirty="0" smtClean="0"/>
+          </a:p>
+          <a:p>
+            <a:pPr lvl="1">
+              <a:buNone/>
+            </a:pPr>
+            <a:endParaRPr lang="en-US" dirty="0" smtClean="0"/>
           </a:p>
         </p:txBody>
       </p:sp>
@@ -1381,7 +1624,7 @@
             <a:fld id="{05DCAFAB-C1B6-8F43-AF9F-90086CE1BACC}" type="slidenum">
               <a:rPr lang="en-US" smtClean="0"/>
               <a:pPr/>
-              <a:t>8</a:t>
+              <a:t>5</a:t>
             </a:fld>
             <a:endParaRPr lang="en-US"/>
           </a:p>
@@ -1443,17 +1686,12 @@
           <a:p>
             <a:r>
               <a:rPr lang="en-US" dirty="0" smtClean="0"/>
-              <a:t>Here</a:t>
-            </a:r>
-            <a:r>
-              <a:rPr lang="en-US" baseline="0" dirty="0" smtClean="0"/>
-              <a:t> I may want </a:t>
-            </a:r>
-            <a:r>
-              <a:rPr lang="en-US" baseline="0" smtClean="0"/>
-              <a:t>to need </a:t>
-            </a:r>
-            <a:endParaRPr lang="en-US"/>
+              <a:t>Maybe I will have just the slides with the figures</a:t>
+            </a:r>
+            <a:endParaRPr lang="en-US" baseline="0" dirty="0" smtClean="0"/>
+          </a:p>
+          <a:p>
+            <a:endParaRPr lang="en-US" dirty="0"/>
           </a:p>
         </p:txBody>
       </p:sp>
@@ -1541,13 +1779,17 @@
             </a:r>
             <a:r>
               <a:rPr lang="en-US" baseline="0" dirty="0" smtClean="0"/>
-              <a:t> I may want </a:t>
-            </a:r>
-            <a:r>
-              <a:rPr lang="en-US" baseline="0" smtClean="0"/>
-              <a:t>to need </a:t>
-            </a:r>
-            <a:endParaRPr lang="en-US"/>
+              <a:t> say that we actually created our own instrument </a:t>
+            </a:r>
+            <a:r>
+              <a:rPr lang="en-US" baseline="0" dirty="0" err="1" smtClean="0"/>
+              <a:t>calss</a:t>
+            </a:r>
+            <a:r>
+              <a:rPr lang="en-US" baseline="0" dirty="0" smtClean="0"/>
+              <a:t> because </a:t>
+            </a:r>
+            <a:endParaRPr lang="en-US" dirty="0"/>
           </a:p>
         </p:txBody>
       </p:sp>
@@ -1631,12 +1873,17 @@
           <a:p>
             <a:r>
               <a:rPr lang="en-US" dirty="0" smtClean="0"/>
-              <a:t>Maybe I will have just the slides with the figures</a:t>
-            </a:r>
-            <a:endParaRPr lang="en-US" baseline="0" dirty="0" smtClean="0"/>
-          </a:p>
-          <a:p>
-            <a:endParaRPr lang="en-US" dirty="0"/>
+              <a:t>Here</a:t>
+            </a:r>
+            <a:r>
+              <a:rPr lang="en-US" baseline="0" dirty="0" smtClean="0"/>
+              <a:t> I may want </a:t>
+            </a:r>
+            <a:r>
+              <a:rPr lang="en-US" baseline="0" smtClean="0"/>
+              <a:t>to need </a:t>
+            </a:r>
+            <a:endParaRPr lang="en-US"/>
           </a:p>
         </p:txBody>
       </p:sp>
@@ -1896,100 +2143,11 @@
           </a:bodyPr>
           <a:lstStyle/>
           <a:p>
-            <a:pPr marL="0" marR="0" indent="0" algn="l" defTabSz="457200" rtl="0" eaLnBrk="1" fontAlgn="auto" latinLnBrk="0" hangingPunct="1">
-              <a:lnSpc>
-                <a:spcPct val="100000"/>
-              </a:lnSpc>
-              <a:spcBef>
-                <a:spcPts val="0"/>
-              </a:spcBef>
-              <a:spcAft>
-                <a:spcPts val="0"/>
-              </a:spcAft>
-              <a:buClrTx/>
-              <a:buSzTx/>
-              <a:buFontTx/>
-              <a:buNone/>
-              <a:tabLst/>
-              <a:defRPr/>
-            </a:pPr>
-            <a:r>
-              <a:rPr lang="en-US" sz="1200" kern="1200" dirty="0" smtClean="0">
-                <a:solidFill>
-                  <a:schemeClr val="tx1"/>
-                </a:solidFill>
-                <a:latin typeface="+mn-lt"/>
-                <a:ea typeface="+mn-ea"/>
-                <a:cs typeface="+mn-cs"/>
-              </a:rPr>
-              <a:t>Services are typically offered by core laboratories, which perform some planned process (for example, an assay or a material production) for a customer. Like planned processes, services are also linked to entities such as protocols, instruments, specimens, reagents, and objectives. However, key features that distinguish services from the planned processes they perform are the additional processes entailed in a service (order placement, billing, etc.). In addition, services necessarily have service providers and service consumers as participants. To capture these distinctions and allow query using these search facets, a design pattern was used in which a service </a:t>
-            </a:r>
-            <a:r>
-              <a:rPr lang="en-US" sz="1200" i="1" kern="1200" dirty="0" err="1" smtClean="0">
-                <a:solidFill>
-                  <a:schemeClr val="tx1"/>
-                </a:solidFill>
-                <a:latin typeface="+mn-lt"/>
-                <a:ea typeface="+mn-ea"/>
-                <a:cs typeface="+mn-cs"/>
-              </a:rPr>
-              <a:t>has_part</a:t>
-            </a:r>
-            <a:r>
-              <a:rPr lang="en-US" sz="1200" kern="1200" dirty="0" smtClean="0">
-                <a:solidFill>
-                  <a:schemeClr val="tx1"/>
-                </a:solidFill>
-                <a:latin typeface="+mn-lt"/>
-                <a:ea typeface="+mn-ea"/>
-                <a:cs typeface="+mn-cs"/>
-              </a:rPr>
-              <a:t> some planned process and </a:t>
-            </a:r>
-            <a:r>
-              <a:rPr lang="en-US" sz="1200" i="1" kern="1200" dirty="0" smtClean="0">
-                <a:solidFill>
-                  <a:schemeClr val="tx1"/>
-                </a:solidFill>
-                <a:latin typeface="+mn-lt"/>
-                <a:ea typeface="+mn-ea"/>
-                <a:cs typeface="+mn-cs"/>
-              </a:rPr>
-              <a:t>realizes</a:t>
-            </a:r>
-            <a:r>
-              <a:rPr lang="en-US" sz="1200" kern="1200" dirty="0" smtClean="0">
-                <a:solidFill>
-                  <a:schemeClr val="tx1"/>
-                </a:solidFill>
-                <a:latin typeface="+mn-lt"/>
-                <a:ea typeface="+mn-ea"/>
-                <a:cs typeface="+mn-cs"/>
-              </a:rPr>
-              <a:t> some ‘service consumer role’ and ‘service provider role’ which </a:t>
-            </a:r>
-            <a:r>
-              <a:rPr lang="en-US" sz="1200" i="1" kern="1200" dirty="0" err="1" smtClean="0">
-                <a:solidFill>
-                  <a:schemeClr val="tx1"/>
-                </a:solidFill>
-                <a:latin typeface="+mn-lt"/>
-                <a:ea typeface="+mn-ea"/>
-                <a:cs typeface="+mn-cs"/>
-              </a:rPr>
-              <a:t>inheres_in</a:t>
-            </a:r>
-            <a:r>
-              <a:rPr lang="en-US" sz="1200" kern="1200" dirty="0" smtClean="0">
-                <a:solidFill>
-                  <a:schemeClr val="tx1"/>
-                </a:solidFill>
-                <a:latin typeface="+mn-lt"/>
-                <a:ea typeface="+mn-ea"/>
-                <a:cs typeface="+mn-cs"/>
-              </a:rPr>
-              <a:t> a person or organization.</a:t>
-            </a:r>
+            <a:r>
+              <a:rPr lang="en-US" dirty="0" smtClean="0"/>
+              <a:t>Maybe I will have just the slides with the figures</a:t>
+            </a:r>
+            <a:endParaRPr lang="en-US" baseline="0" dirty="0" smtClean="0"/>
           </a:p>
           <a:p>
             <a:endParaRPr lang="en-US" dirty="0"/>
@@ -2210,7 +2368,7 @@
             <a:fld id="{4C311AC2-2DB2-834A-9167-5CF8DE8EA1AF}" type="datetimeFigureOut">
               <a:rPr lang="en-US" smtClean="0"/>
               <a:pPr/>
-              <a:t>7/17/11</a:t>
+              <a:t>7/18/11</a:t>
             </a:fld>
             <a:endParaRPr lang="en-US"/>
           </a:p>
@@ -2377,7 +2535,7 @@
             <a:fld id="{4C311AC2-2DB2-834A-9167-5CF8DE8EA1AF}" type="datetimeFigureOut">
               <a:rPr lang="en-US" smtClean="0"/>
               <a:pPr/>
-              <a:t>7/17/11</a:t>
+              <a:t>7/18/11</a:t>
             </a:fld>
             <a:endParaRPr lang="en-US"/>
           </a:p>
@@ -2554,7 +2712,7 @@
             <a:fld id="{4C311AC2-2DB2-834A-9167-5CF8DE8EA1AF}" type="datetimeFigureOut">
               <a:rPr lang="en-US" smtClean="0"/>
               <a:pPr/>
-              <a:t>7/17/11</a:t>
+              <a:t>7/18/11</a:t>
             </a:fld>
             <a:endParaRPr lang="en-US"/>
           </a:p>
@@ -2721,7 +2879,7 @@
             <a:fld id="{4C311AC2-2DB2-834A-9167-5CF8DE8EA1AF}" type="datetimeFigureOut">
               <a:rPr lang="en-US" smtClean="0"/>
               <a:pPr/>
-              <a:t>7/17/11</a:t>
+              <a:t>7/18/11</a:t>
             </a:fld>
             <a:endParaRPr lang="en-US"/>
           </a:p>
@@ -2964,7 +3122,7 @@
             <a:fld id="{4C311AC2-2DB2-834A-9167-5CF8DE8EA1AF}" type="datetimeFigureOut">
               <a:rPr lang="en-US" smtClean="0"/>
               <a:pPr/>
-              <a:t>7/17/11</a:t>
+              <a:t>7/18/11</a:t>
             </a:fld>
             <a:endParaRPr lang="en-US"/>
           </a:p>
@@ -3249,7 +3407,7 @@
             <a:fld id="{4C311AC2-2DB2-834A-9167-5CF8DE8EA1AF}" type="datetimeFigureOut">
               <a:rPr lang="en-US" smtClean="0"/>
               <a:pPr/>
-              <a:t>7/17/11</a:t>
+              <a:t>7/18/11</a:t>
             </a:fld>
             <a:endParaRPr lang="en-US"/>
           </a:p>
@@ -3668,7 +3826,7 @@
             <a:fld id="{4C311AC2-2DB2-834A-9167-5CF8DE8EA1AF}" type="datetimeFigureOut">
               <a:rPr lang="en-US" smtClean="0"/>
               <a:pPr/>
-              <a:t>7/17/11</a:t>
+              <a:t>7/18/11</a:t>
             </a:fld>
             <a:endParaRPr lang="en-US"/>
           </a:p>
@@ -3783,7 +3941,7 @@
             <a:fld id="{4C311AC2-2DB2-834A-9167-5CF8DE8EA1AF}" type="datetimeFigureOut">
               <a:rPr lang="en-US" smtClean="0"/>
               <a:pPr/>
-              <a:t>7/17/11</a:t>
+              <a:t>7/18/11</a:t>
             </a:fld>
             <a:endParaRPr lang="en-US"/>
           </a:p>
@@ -3875,7 +4033,7 @@
             <a:fld id="{4C311AC2-2DB2-834A-9167-5CF8DE8EA1AF}" type="datetimeFigureOut">
               <a:rPr lang="en-US" smtClean="0"/>
               <a:pPr/>
-              <a:t>7/17/11</a:t>
+              <a:t>7/18/11</a:t>
             </a:fld>
             <a:endParaRPr lang="en-US"/>
           </a:p>
@@ -4149,7 +4307,7 @@
             <a:fld id="{4C311AC2-2DB2-834A-9167-5CF8DE8EA1AF}" type="datetimeFigureOut">
               <a:rPr lang="en-US" smtClean="0"/>
               <a:pPr/>
-              <a:t>7/17/11</a:t>
+              <a:t>7/18/11</a:t>
             </a:fld>
             <a:endParaRPr lang="en-US"/>
           </a:p>
@@ -4399,7 +4557,7 @@
             <a:fld id="{4C311AC2-2DB2-834A-9167-5CF8DE8EA1AF}" type="datetimeFigureOut">
               <a:rPr lang="en-US" smtClean="0"/>
               <a:pPr/>
-              <a:t>7/17/11</a:t>
+              <a:t>7/18/11</a:t>
             </a:fld>
             <a:endParaRPr lang="en-US"/>
           </a:p>
@@ -4609,7 +4767,7 @@
             <a:fld id="{4C311AC2-2DB2-834A-9167-5CF8DE8EA1AF}" type="datetimeFigureOut">
               <a:rPr lang="en-US" smtClean="0"/>
               <a:pPr/>
-              <a:t>7/17/11</a:t>
+              <a:t>7/18/11</a:t>
             </a:fld>
             <a:endParaRPr lang="en-US"/>
           </a:p>
@@ -5492,7 +5650,7 @@
         </p:nvSpPr>
         <p:spPr>
           <a:xfrm>
-            <a:off x="457200" y="1029540"/>
+            <a:off x="457200" y="1058406"/>
             <a:ext cx="8229600" cy="1160829"/>
           </a:xfrm>
         </p:spPr>
@@ -5507,8 +5665,14 @@
             </a:pPr>
             <a:r>
               <a:rPr lang="en-US" dirty="0" smtClean="0"/>
-              <a:t>Generate new terms to be implemented in OBI by	 using Quick Term Template (QTT)</a:t>
-            </a:r>
+              <a:t>Align eagle-i instruments with OBI devices and NIF instruments</a:t>
+            </a:r>
+          </a:p>
+          <a:p>
+            <a:pPr marL="514350" indent="-514350">
+              <a:buAutoNum type="arabicParenR"/>
+            </a:pPr>
+            <a:endParaRPr lang="en-US" dirty="0" smtClean="0"/>
           </a:p>
           <a:p>
             <a:pPr marL="514350" indent="-514350">
@@ -5650,7 +5814,7 @@
                 <a:ea typeface="ＭＳ Ｐゴシック" pitchFamily="34" charset="-128"/>
                 <a:cs typeface="Arial Bold" pitchFamily="-106" charset="0"/>
               </a:rPr>
-              <a:t>Instrument implementation: QTT</a:t>
+              <a:t>Instrument implementation</a:t>
             </a:r>
             <a:endParaRPr lang="en-US" sz="4400" b="1" dirty="0" smtClean="0">
               <a:solidFill>
@@ -5664,7 +5828,7 @@
       </p:sp>
       <p:pic>
         <p:nvPicPr>
-          <p:cNvPr id="13" name="Picture 12"/>
+          <p:cNvPr id="11" name="Picture 10"/>
           <p:cNvPicPr>
             <a:picLocks noChangeAspect="1"/>
           </p:cNvPicPr>
@@ -5678,14 +5842,649 @@
         </p:blipFill>
         <p:spPr>
           <a:xfrm>
-            <a:off x="635903" y="2275104"/>
-            <a:ext cx="7931150" cy="3837061"/>
+            <a:off x="1358708" y="2174562"/>
+            <a:ext cx="6036592" cy="3114704"/>
           </a:xfrm>
           <a:prstGeom prst="rect">
             <a:avLst/>
           </a:prstGeom>
         </p:spPr>
       </p:pic>
+      <p:sp>
+        <p:nvSpPr>
+          <p:cNvPr id="12" name="Content Placeholder 2"/>
+          <p:cNvSpPr txBox="1">
+            <a:spLocks/>
+          </p:cNvSpPr>
+          <p:nvPr/>
+        </p:nvSpPr>
+        <p:spPr>
+          <a:xfrm>
+            <a:off x="609600" y="5255854"/>
+            <a:ext cx="8229600" cy="1260231"/>
+          </a:xfrm>
+          <a:prstGeom prst="rect">
+            <a:avLst/>
+          </a:prstGeom>
+        </p:spPr>
+        <p:txBody>
+          <a:bodyPr vert="horz" lIns="91440" tIns="45720" rIns="91440" bIns="45720" rtlCol="0">
+            <a:normAutofit/>
+          </a:bodyPr>
+          <a:lstStyle/>
+          <a:p>
+            <a:pPr marL="514350" lvl="0" indent="-514350">
+              <a:spcBef>
+                <a:spcPct val="20000"/>
+              </a:spcBef>
+            </a:pPr>
+            <a:r>
+              <a:rPr lang="en-US" sz="3200" dirty="0" smtClean="0"/>
+              <a:t>2) MIREOT the device classes already present OBI (</a:t>
+            </a:r>
+            <a:r>
+              <a:rPr lang="en-US" sz="3200" dirty="0" err="1" smtClean="0"/>
+              <a:t>eg</a:t>
+            </a:r>
+            <a:r>
+              <a:rPr lang="en-US" sz="3200" dirty="0" smtClean="0"/>
+              <a:t>. DNA sequencer, centrifuge)</a:t>
+            </a:r>
+          </a:p>
+          <a:p>
+            <a:pPr marL="514350" marR="0" lvl="0" indent="-514350" algn="l" defTabSz="457200" rtl="0" eaLnBrk="1" fontAlgn="auto" latinLnBrk="0" hangingPunct="1">
+              <a:lnSpc>
+                <a:spcPct val="100000"/>
+              </a:lnSpc>
+              <a:spcBef>
+                <a:spcPct val="20000"/>
+              </a:spcBef>
+              <a:spcAft>
+                <a:spcPts val="0"/>
+              </a:spcAft>
+              <a:buClrTx/>
+              <a:buSzTx/>
+              <a:tabLst/>
+              <a:defRPr/>
+            </a:pPr>
+            <a:endParaRPr kumimoji="0" lang="en-US" sz="3200" b="0" i="0" u="none" strike="noStrike" kern="1200" cap="none" spc="0" normalizeH="0" baseline="0" noProof="0" dirty="0" smtClean="0">
+              <a:ln>
+                <a:noFill/>
+              </a:ln>
+              <a:solidFill>
+                <a:schemeClr val="tx1"/>
+              </a:solidFill>
+              <a:effectLst/>
+              <a:uLnTx/>
+              <a:uFillTx/>
+              <a:latin typeface="+mn-lt"/>
+              <a:ea typeface="+mn-ea"/>
+              <a:cs typeface="+mn-cs"/>
+            </a:endParaRPr>
+          </a:p>
+          <a:p>
+            <a:pPr marL="514350" marR="0" lvl="0" indent="-514350" algn="l" defTabSz="457200" rtl="0" eaLnBrk="1" fontAlgn="auto" latinLnBrk="0" hangingPunct="1">
+              <a:lnSpc>
+                <a:spcPct val="100000"/>
+              </a:lnSpc>
+              <a:spcBef>
+                <a:spcPct val="20000"/>
+              </a:spcBef>
+              <a:spcAft>
+                <a:spcPts val="0"/>
+              </a:spcAft>
+              <a:buClrTx/>
+              <a:buSzTx/>
+              <a:buFont typeface="Arial"/>
+              <a:buAutoNum type="arabicParenR"/>
+              <a:tabLst/>
+              <a:defRPr/>
+            </a:pPr>
+            <a:endParaRPr kumimoji="0" lang="en-US" sz="3200" b="0" i="0" u="none" strike="noStrike" kern="1200" cap="none" spc="0" normalizeH="0" baseline="0" noProof="0" dirty="0" smtClean="0">
+              <a:ln>
+                <a:noFill/>
+              </a:ln>
+              <a:solidFill>
+                <a:schemeClr val="tx1"/>
+              </a:solidFill>
+              <a:effectLst/>
+              <a:uLnTx/>
+              <a:uFillTx/>
+              <a:latin typeface="+mn-lt"/>
+              <a:ea typeface="+mn-ea"/>
+              <a:cs typeface="+mn-cs"/>
+            </a:endParaRPr>
+          </a:p>
+          <a:p>
+            <a:pPr marL="514350" marR="0" lvl="0" indent="-514350" algn="l" defTabSz="457200" rtl="0" eaLnBrk="1" fontAlgn="auto" latinLnBrk="0" hangingPunct="1">
+              <a:lnSpc>
+                <a:spcPct val="100000"/>
+              </a:lnSpc>
+              <a:spcBef>
+                <a:spcPct val="20000"/>
+              </a:spcBef>
+              <a:spcAft>
+                <a:spcPts val="0"/>
+              </a:spcAft>
+              <a:buClrTx/>
+              <a:buSzTx/>
+              <a:buFont typeface="Arial"/>
+              <a:buAutoNum type="arabicParenR"/>
+              <a:tabLst/>
+              <a:defRPr/>
+            </a:pPr>
+            <a:endParaRPr kumimoji="0" lang="en-US" sz="3200" b="0" i="0" u="none" strike="noStrike" kern="1200" cap="none" spc="0" normalizeH="0" baseline="0" noProof="0" dirty="0" smtClean="0">
+              <a:ln>
+                <a:noFill/>
+              </a:ln>
+              <a:solidFill>
+                <a:schemeClr val="tx1"/>
+              </a:solidFill>
+              <a:effectLst/>
+              <a:uLnTx/>
+              <a:uFillTx/>
+              <a:latin typeface="+mn-lt"/>
+              <a:ea typeface="+mn-ea"/>
+              <a:cs typeface="+mn-cs"/>
+            </a:endParaRPr>
+          </a:p>
+          <a:p>
+            <a:pPr marL="514350" marR="0" lvl="0" indent="-514350" algn="l" defTabSz="457200" rtl="0" eaLnBrk="1" fontAlgn="auto" latinLnBrk="0" hangingPunct="1">
+              <a:lnSpc>
+                <a:spcPct val="100000"/>
+              </a:lnSpc>
+              <a:spcBef>
+                <a:spcPct val="20000"/>
+              </a:spcBef>
+              <a:spcAft>
+                <a:spcPts val="0"/>
+              </a:spcAft>
+              <a:buClrTx/>
+              <a:buSzTx/>
+              <a:buFont typeface="Arial"/>
+              <a:buNone/>
+              <a:tabLst/>
+              <a:defRPr/>
+            </a:pPr>
+            <a:endParaRPr kumimoji="0" lang="en-US" sz="3200" b="0" i="0" u="none" strike="noStrike" kern="1200" cap="none" spc="0" normalizeH="0" baseline="0" noProof="0" dirty="0" smtClean="0">
+              <a:ln>
+                <a:noFill/>
+              </a:ln>
+              <a:solidFill>
+                <a:schemeClr val="tx1"/>
+              </a:solidFill>
+              <a:effectLst/>
+              <a:uLnTx/>
+              <a:uFillTx/>
+              <a:latin typeface="+mn-lt"/>
+              <a:ea typeface="+mn-ea"/>
+              <a:cs typeface="+mn-cs"/>
+            </a:endParaRPr>
+          </a:p>
+          <a:p>
+            <a:pPr marL="514350" marR="0" lvl="0" indent="-514350" algn="l" defTabSz="457200" rtl="0" eaLnBrk="1" fontAlgn="auto" latinLnBrk="0" hangingPunct="1">
+              <a:lnSpc>
+                <a:spcPct val="100000"/>
+              </a:lnSpc>
+              <a:spcBef>
+                <a:spcPct val="20000"/>
+              </a:spcBef>
+              <a:spcAft>
+                <a:spcPts val="0"/>
+              </a:spcAft>
+              <a:buClrTx/>
+              <a:buSzTx/>
+              <a:buFont typeface="Arial"/>
+              <a:buNone/>
+              <a:tabLst/>
+              <a:defRPr/>
+            </a:pPr>
+            <a:endParaRPr kumimoji="0" lang="en-US" sz="3200" b="0" i="0" u="none" strike="noStrike" kern="1200" cap="none" spc="0" normalizeH="0" baseline="0" noProof="0" dirty="0" smtClean="0">
+              <a:ln>
+                <a:noFill/>
+              </a:ln>
+              <a:solidFill>
+                <a:schemeClr val="tx1"/>
+              </a:solidFill>
+              <a:effectLst/>
+              <a:uLnTx/>
+              <a:uFillTx/>
+              <a:latin typeface="+mn-lt"/>
+              <a:ea typeface="+mn-ea"/>
+              <a:cs typeface="+mn-cs"/>
+            </a:endParaRPr>
+          </a:p>
+          <a:p>
+            <a:pPr marL="514350" marR="0" lvl="0" indent="-514350" algn="l" defTabSz="457200" rtl="0" eaLnBrk="1" fontAlgn="auto" latinLnBrk="0" hangingPunct="1">
+              <a:lnSpc>
+                <a:spcPct val="100000"/>
+              </a:lnSpc>
+              <a:spcBef>
+                <a:spcPct val="20000"/>
+              </a:spcBef>
+              <a:spcAft>
+                <a:spcPts val="0"/>
+              </a:spcAft>
+              <a:buClrTx/>
+              <a:buSzTx/>
+              <a:buFont typeface="Arial"/>
+              <a:buNone/>
+              <a:tabLst/>
+              <a:defRPr/>
+            </a:pPr>
+            <a:endParaRPr kumimoji="0" lang="en-US" sz="3200" b="0" i="0" u="none" strike="noStrike" kern="1200" cap="none" spc="0" normalizeH="0" baseline="0" noProof="0" dirty="0" smtClean="0">
+              <a:ln>
+                <a:noFill/>
+              </a:ln>
+              <a:solidFill>
+                <a:schemeClr val="tx1"/>
+              </a:solidFill>
+              <a:effectLst/>
+              <a:uLnTx/>
+              <a:uFillTx/>
+              <a:latin typeface="+mn-lt"/>
+              <a:ea typeface="+mn-ea"/>
+              <a:cs typeface="+mn-cs"/>
+            </a:endParaRPr>
+          </a:p>
+          <a:p>
+            <a:pPr marL="514350" marR="0" lvl="0" indent="-514350" algn="l" defTabSz="457200" rtl="0" eaLnBrk="1" fontAlgn="auto" latinLnBrk="0" hangingPunct="1">
+              <a:lnSpc>
+                <a:spcPct val="100000"/>
+              </a:lnSpc>
+              <a:spcBef>
+                <a:spcPct val="20000"/>
+              </a:spcBef>
+              <a:spcAft>
+                <a:spcPts val="0"/>
+              </a:spcAft>
+              <a:buClrTx/>
+              <a:buSzTx/>
+              <a:buFont typeface="Arial"/>
+              <a:buNone/>
+              <a:tabLst/>
+              <a:defRPr/>
+            </a:pPr>
+            <a:endParaRPr kumimoji="0" lang="en-US" sz="3200" b="0" i="0" u="none" strike="noStrike" kern="1200" cap="none" spc="0" normalizeH="0" baseline="0" noProof="0" dirty="0" smtClean="0">
+              <a:ln>
+                <a:noFill/>
+              </a:ln>
+              <a:solidFill>
+                <a:schemeClr val="tx1"/>
+              </a:solidFill>
+              <a:effectLst/>
+              <a:uLnTx/>
+              <a:uFillTx/>
+              <a:latin typeface="+mn-lt"/>
+              <a:ea typeface="+mn-ea"/>
+              <a:cs typeface="+mn-cs"/>
+            </a:endParaRPr>
+          </a:p>
+          <a:p>
+            <a:pPr marL="514350" marR="0" lvl="0" indent="-514350" algn="l" defTabSz="457200" rtl="0" eaLnBrk="1" fontAlgn="auto" latinLnBrk="0" hangingPunct="1">
+              <a:lnSpc>
+                <a:spcPct val="100000"/>
+              </a:lnSpc>
+              <a:spcBef>
+                <a:spcPct val="20000"/>
+              </a:spcBef>
+              <a:spcAft>
+                <a:spcPts val="0"/>
+              </a:spcAft>
+              <a:buClrTx/>
+              <a:buSzTx/>
+              <a:buFont typeface="Arial"/>
+              <a:buNone/>
+              <a:tabLst/>
+              <a:defRPr/>
+            </a:pPr>
+            <a:endParaRPr kumimoji="0" lang="en-US" sz="3200" b="0" i="0" u="none" strike="noStrike" kern="1200" cap="none" spc="0" normalizeH="0" baseline="0" noProof="0" dirty="0" smtClean="0">
+              <a:ln>
+                <a:noFill/>
+              </a:ln>
+              <a:solidFill>
+                <a:schemeClr val="tx1"/>
+              </a:solidFill>
+              <a:effectLst/>
+              <a:uLnTx/>
+              <a:uFillTx/>
+              <a:latin typeface="+mn-lt"/>
+              <a:ea typeface="+mn-ea"/>
+              <a:cs typeface="+mn-cs"/>
+            </a:endParaRPr>
+          </a:p>
+          <a:p>
+            <a:pPr marL="514350" marR="0" lvl="0" indent="-514350" algn="l" defTabSz="457200" rtl="0" eaLnBrk="1" fontAlgn="auto" latinLnBrk="0" hangingPunct="1">
+              <a:lnSpc>
+                <a:spcPct val="100000"/>
+              </a:lnSpc>
+              <a:spcBef>
+                <a:spcPct val="20000"/>
+              </a:spcBef>
+              <a:spcAft>
+                <a:spcPts val="0"/>
+              </a:spcAft>
+              <a:buClrTx/>
+              <a:buSzTx/>
+              <a:buFont typeface="Arial"/>
+              <a:buNone/>
+              <a:tabLst/>
+              <a:defRPr/>
+            </a:pPr>
+            <a:endParaRPr kumimoji="0" lang="en-US" sz="3200" b="0" i="0" u="none" strike="noStrike" kern="1200" cap="none" spc="0" normalizeH="0" baseline="0" noProof="0" dirty="0" smtClean="0">
+              <a:ln>
+                <a:noFill/>
+              </a:ln>
+              <a:solidFill>
+                <a:schemeClr val="tx1"/>
+              </a:solidFill>
+              <a:effectLst/>
+              <a:uLnTx/>
+              <a:uFillTx/>
+              <a:latin typeface="+mn-lt"/>
+              <a:ea typeface="+mn-ea"/>
+              <a:cs typeface="+mn-cs"/>
+            </a:endParaRPr>
+          </a:p>
+          <a:p>
+            <a:pPr marL="514350" marR="0" lvl="0" indent="-514350" algn="l" defTabSz="457200" rtl="0" eaLnBrk="1" fontAlgn="auto" latinLnBrk="0" hangingPunct="1">
+              <a:lnSpc>
+                <a:spcPct val="100000"/>
+              </a:lnSpc>
+              <a:spcBef>
+                <a:spcPct val="20000"/>
+              </a:spcBef>
+              <a:spcAft>
+                <a:spcPts val="0"/>
+              </a:spcAft>
+              <a:buClrTx/>
+              <a:buSzTx/>
+              <a:buFont typeface="Arial"/>
+              <a:buAutoNum type="arabicParenR"/>
+              <a:tabLst/>
+              <a:defRPr/>
+            </a:pPr>
+            <a:endParaRPr kumimoji="0" lang="en-US" sz="3200" b="0" i="0" u="none" strike="noStrike" kern="1200" cap="none" spc="0" normalizeH="0" baseline="0" noProof="0" dirty="0" smtClean="0">
+              <a:ln>
+                <a:noFill/>
+              </a:ln>
+              <a:solidFill>
+                <a:schemeClr val="tx1"/>
+              </a:solidFill>
+              <a:effectLst/>
+              <a:uLnTx/>
+              <a:uFillTx/>
+              <a:latin typeface="+mn-lt"/>
+              <a:ea typeface="+mn-ea"/>
+              <a:cs typeface="+mn-cs"/>
+            </a:endParaRPr>
+          </a:p>
+          <a:p>
+            <a:pPr marL="514350" marR="0" lvl="0" indent="-514350" algn="l" defTabSz="457200" rtl="0" eaLnBrk="1" fontAlgn="auto" latinLnBrk="0" hangingPunct="1">
+              <a:lnSpc>
+                <a:spcPct val="100000"/>
+              </a:lnSpc>
+              <a:spcBef>
+                <a:spcPct val="20000"/>
+              </a:spcBef>
+              <a:spcAft>
+                <a:spcPts val="0"/>
+              </a:spcAft>
+              <a:buClrTx/>
+              <a:buSzTx/>
+              <a:buFont typeface="Arial"/>
+              <a:buAutoNum type="arabicParenR"/>
+              <a:tabLst/>
+              <a:defRPr/>
+            </a:pPr>
+            <a:endParaRPr kumimoji="0" lang="en-US" sz="3200" b="0" i="0" u="none" strike="noStrike" kern="1200" cap="none" spc="0" normalizeH="0" baseline="0" noProof="0" dirty="0" smtClean="0">
+              <a:ln>
+                <a:noFill/>
+              </a:ln>
+              <a:solidFill>
+                <a:schemeClr val="tx1"/>
+              </a:solidFill>
+              <a:effectLst/>
+              <a:uLnTx/>
+              <a:uFillTx/>
+              <a:latin typeface="+mn-lt"/>
+              <a:ea typeface="+mn-ea"/>
+              <a:cs typeface="+mn-cs"/>
+            </a:endParaRPr>
+          </a:p>
+          <a:p>
+            <a:pPr marL="514350" marR="0" lvl="0" indent="-514350" algn="l" defTabSz="457200" rtl="0" eaLnBrk="1" fontAlgn="auto" latinLnBrk="0" hangingPunct="1">
+              <a:lnSpc>
+                <a:spcPct val="100000"/>
+              </a:lnSpc>
+              <a:spcBef>
+                <a:spcPct val="20000"/>
+              </a:spcBef>
+              <a:spcAft>
+                <a:spcPts val="0"/>
+              </a:spcAft>
+              <a:buClrTx/>
+              <a:buSzTx/>
+              <a:buFont typeface="Arial"/>
+              <a:buAutoNum type="arabicParenR"/>
+              <a:tabLst/>
+              <a:defRPr/>
+            </a:pPr>
+            <a:endParaRPr kumimoji="0" lang="en-US" sz="3200" b="0" i="0" u="none" strike="noStrike" kern="1200" cap="none" spc="0" normalizeH="0" baseline="0" noProof="0" dirty="0" smtClean="0">
+              <a:ln>
+                <a:noFill/>
+              </a:ln>
+              <a:solidFill>
+                <a:schemeClr val="tx1"/>
+              </a:solidFill>
+              <a:effectLst/>
+              <a:uLnTx/>
+              <a:uFillTx/>
+              <a:latin typeface="+mn-lt"/>
+              <a:ea typeface="+mn-ea"/>
+              <a:cs typeface="+mn-cs"/>
+            </a:endParaRPr>
+          </a:p>
+          <a:p>
+            <a:pPr marL="514350" marR="0" lvl="0" indent="-514350" algn="l" defTabSz="457200" rtl="0" eaLnBrk="1" fontAlgn="auto" latinLnBrk="0" hangingPunct="1">
+              <a:lnSpc>
+                <a:spcPct val="100000"/>
+              </a:lnSpc>
+              <a:spcBef>
+                <a:spcPct val="20000"/>
+              </a:spcBef>
+              <a:spcAft>
+                <a:spcPts val="0"/>
+              </a:spcAft>
+              <a:buClrTx/>
+              <a:buSzTx/>
+              <a:buFont typeface="Arial"/>
+              <a:buAutoNum type="arabicParenR"/>
+              <a:tabLst/>
+              <a:defRPr/>
+            </a:pPr>
+            <a:endParaRPr kumimoji="0" lang="en-US" sz="3200" b="0" i="0" u="none" strike="noStrike" kern="1200" cap="none" spc="0" normalizeH="0" baseline="0" noProof="0" dirty="0" smtClean="0">
+              <a:ln>
+                <a:noFill/>
+              </a:ln>
+              <a:solidFill>
+                <a:schemeClr val="tx1"/>
+              </a:solidFill>
+              <a:effectLst/>
+              <a:uLnTx/>
+              <a:uFillTx/>
+              <a:latin typeface="+mn-lt"/>
+              <a:ea typeface="+mn-ea"/>
+              <a:cs typeface="+mn-cs"/>
+            </a:endParaRPr>
+          </a:p>
+          <a:p>
+            <a:pPr marL="514350" marR="0" lvl="0" indent="-514350" algn="l" defTabSz="457200" rtl="0" eaLnBrk="1" fontAlgn="auto" latinLnBrk="0" hangingPunct="1">
+              <a:lnSpc>
+                <a:spcPct val="100000"/>
+              </a:lnSpc>
+              <a:spcBef>
+                <a:spcPct val="20000"/>
+              </a:spcBef>
+              <a:spcAft>
+                <a:spcPts val="0"/>
+              </a:spcAft>
+              <a:buClrTx/>
+              <a:buSzTx/>
+              <a:buFont typeface="Arial"/>
+              <a:buAutoNum type="arabicParenR"/>
+              <a:tabLst/>
+              <a:defRPr/>
+            </a:pPr>
+            <a:endParaRPr kumimoji="0" lang="en-US" sz="3200" b="0" i="0" u="none" strike="noStrike" kern="1200" cap="none" spc="0" normalizeH="0" baseline="0" noProof="0" dirty="0" smtClean="0">
+              <a:ln>
+                <a:noFill/>
+              </a:ln>
+              <a:solidFill>
+                <a:schemeClr val="tx1"/>
+              </a:solidFill>
+              <a:effectLst/>
+              <a:uLnTx/>
+              <a:uFillTx/>
+              <a:latin typeface="+mn-lt"/>
+              <a:ea typeface="+mn-ea"/>
+              <a:cs typeface="+mn-cs"/>
+            </a:endParaRPr>
+          </a:p>
+          <a:p>
+            <a:pPr marL="514350" marR="0" lvl="0" indent="-514350" algn="l" defTabSz="457200" rtl="0" eaLnBrk="1" fontAlgn="auto" latinLnBrk="0" hangingPunct="1">
+              <a:lnSpc>
+                <a:spcPct val="100000"/>
+              </a:lnSpc>
+              <a:spcBef>
+                <a:spcPct val="20000"/>
+              </a:spcBef>
+              <a:spcAft>
+                <a:spcPts val="0"/>
+              </a:spcAft>
+              <a:buClrTx/>
+              <a:buSzTx/>
+              <a:buFont typeface="Arial"/>
+              <a:buAutoNum type="arabicParenR"/>
+              <a:tabLst/>
+              <a:defRPr/>
+            </a:pPr>
+            <a:endParaRPr kumimoji="0" lang="en-US" sz="3200" b="1" i="0" u="none" strike="noStrike" kern="1200" cap="none" spc="0" normalizeH="0" baseline="0" noProof="0" dirty="0" smtClean="0">
+              <a:ln>
+                <a:noFill/>
+              </a:ln>
+              <a:solidFill>
+                <a:schemeClr val="tx1"/>
+              </a:solidFill>
+              <a:effectLst/>
+              <a:uLnTx/>
+              <a:uFillTx/>
+              <a:latin typeface="+mn-lt"/>
+              <a:ea typeface="+mn-ea"/>
+              <a:cs typeface="+mn-cs"/>
+            </a:endParaRPr>
+          </a:p>
+          <a:p>
+            <a:pPr marL="1600200" marR="0" lvl="3" indent="-228600" algn="l" defTabSz="457200" rtl="0" eaLnBrk="1" fontAlgn="auto" latinLnBrk="0" hangingPunct="1">
+              <a:lnSpc>
+                <a:spcPct val="100000"/>
+              </a:lnSpc>
+              <a:spcBef>
+                <a:spcPct val="20000"/>
+              </a:spcBef>
+              <a:spcAft>
+                <a:spcPts val="0"/>
+              </a:spcAft>
+              <a:buClrTx/>
+              <a:buSzTx/>
+              <a:buFont typeface="Arial"/>
+              <a:buNone/>
+              <a:tabLst/>
+              <a:defRPr/>
+            </a:pPr>
+            <a:endParaRPr kumimoji="0" lang="en-US" sz="2000" b="0" i="0" u="none" strike="noStrike" kern="1200" cap="none" spc="0" normalizeH="0" baseline="0" noProof="0" dirty="0" smtClean="0">
+              <a:ln>
+                <a:noFill/>
+              </a:ln>
+              <a:solidFill>
+                <a:schemeClr val="tx1"/>
+              </a:solidFill>
+              <a:effectLst/>
+              <a:uLnTx/>
+              <a:uFillTx/>
+              <a:latin typeface="+mn-lt"/>
+              <a:ea typeface="+mn-ea"/>
+              <a:cs typeface="+mn-cs"/>
+            </a:endParaRPr>
+          </a:p>
+          <a:p>
+            <a:pPr marL="742950" marR="0" lvl="1" indent="-285750" algn="l" defTabSz="457200" rtl="0" eaLnBrk="1" fontAlgn="auto" latinLnBrk="0" hangingPunct="1">
+              <a:lnSpc>
+                <a:spcPct val="100000"/>
+              </a:lnSpc>
+              <a:spcBef>
+                <a:spcPct val="20000"/>
+              </a:spcBef>
+              <a:spcAft>
+                <a:spcPts val="0"/>
+              </a:spcAft>
+              <a:buClrTx/>
+              <a:buSzTx/>
+              <a:buFont typeface="Arial"/>
+              <a:buNone/>
+              <a:tabLst/>
+              <a:defRPr/>
+            </a:pPr>
+            <a:endParaRPr kumimoji="0" lang="en-US" sz="2800" b="0" i="0" u="none" strike="noStrike" kern="1200" cap="none" spc="0" normalizeH="0" baseline="0" noProof="0" dirty="0" smtClean="0">
+              <a:ln>
+                <a:noFill/>
+              </a:ln>
+              <a:solidFill>
+                <a:schemeClr val="tx1"/>
+              </a:solidFill>
+              <a:effectLst/>
+              <a:uLnTx/>
+              <a:uFillTx/>
+              <a:latin typeface="+mn-lt"/>
+              <a:ea typeface="+mn-ea"/>
+              <a:cs typeface="+mn-cs"/>
+            </a:endParaRPr>
+          </a:p>
+          <a:p>
+            <a:pPr marL="742950" marR="0" lvl="1" indent="-285750" algn="l" defTabSz="457200" rtl="0" eaLnBrk="1" fontAlgn="auto" latinLnBrk="0" hangingPunct="1">
+              <a:lnSpc>
+                <a:spcPct val="100000"/>
+              </a:lnSpc>
+              <a:spcBef>
+                <a:spcPct val="20000"/>
+              </a:spcBef>
+              <a:spcAft>
+                <a:spcPts val="0"/>
+              </a:spcAft>
+              <a:buClrTx/>
+              <a:buSzTx/>
+              <a:buFont typeface="Arial"/>
+              <a:buNone/>
+              <a:tabLst/>
+              <a:defRPr/>
+            </a:pPr>
+            <a:endParaRPr kumimoji="0" lang="en-US" sz="2800" b="0" i="0" u="none" strike="noStrike" kern="1200" cap="none" spc="0" normalizeH="0" baseline="0" noProof="0" dirty="0" smtClean="0">
+              <a:ln>
+                <a:noFill/>
+              </a:ln>
+              <a:solidFill>
+                <a:schemeClr val="tx1"/>
+              </a:solidFill>
+              <a:effectLst/>
+              <a:uLnTx/>
+              <a:uFillTx/>
+              <a:latin typeface="+mn-lt"/>
+              <a:ea typeface="+mn-ea"/>
+              <a:cs typeface="+mn-cs"/>
+            </a:endParaRPr>
+          </a:p>
+        </p:txBody>
+      </p:sp>
     </p:spTree>
   </p:cSld>
   <p:clrMapOvr>
@@ -6136,91 +6935,107 @@
         </p:nvSpPr>
         <p:spPr>
           <a:xfrm>
-            <a:off x="457200" y="1164248"/>
-            <a:ext cx="8229600" cy="4961915"/>
+            <a:off x="457200" y="1029540"/>
+            <a:ext cx="8229600" cy="1160829"/>
           </a:xfrm>
         </p:spPr>
         <p:txBody>
           <a:bodyPr>
-            <a:normAutofit fontScale="92500"/>
+            <a:normAutofit/>
           </a:bodyPr>
           <a:lstStyle/>
           <a:p>
-            <a:pPr>
-              <a:buFontTx/>
-              <a:buChar char="-"/>
+            <a:pPr marL="514350" indent="-514350">
+              <a:buAutoNum type="arabicParenR"/>
             </a:pPr>
             <a:r>
               <a:rPr lang="en-US" dirty="0" smtClean="0"/>
-              <a:t>Advantages in using already defined devices in OBI</a:t>
-            </a:r>
-          </a:p>
-          <a:p>
-            <a:pPr lvl="1">
-              <a:buFontTx/>
-              <a:buChar char="-"/>
-            </a:pPr>
-            <a:r>
-              <a:rPr lang="en-US" dirty="0" smtClean="0"/>
-              <a:t>Definitions and metadata already available and vetted by the community</a:t>
-            </a:r>
-          </a:p>
-          <a:p>
-            <a:pPr>
-              <a:buFontTx/>
-              <a:buChar char="-"/>
-            </a:pPr>
-            <a:r>
-              <a:rPr lang="en-US" dirty="0" smtClean="0"/>
-              <a:t>Advantages to align representations (EI/NIF/OBI)</a:t>
-            </a:r>
-          </a:p>
-          <a:p>
-            <a:pPr lvl="1">
-              <a:buFontTx/>
-              <a:buChar char="-"/>
-            </a:pPr>
-            <a:r>
-              <a:rPr lang="en-US" dirty="0" smtClean="0"/>
-              <a:t>Same URI facilitate data integration and interoperability</a:t>
-            </a:r>
-          </a:p>
-          <a:p>
-            <a:pPr>
-              <a:buFontTx/>
-              <a:buChar char="-"/>
-            </a:pPr>
-            <a:r>
-              <a:rPr lang="en-US" dirty="0" smtClean="0"/>
-              <a:t>Advantage of reusing an effective design pattern</a:t>
-            </a:r>
-          </a:p>
-          <a:p>
-            <a:pPr lvl="1">
-              <a:buFontTx/>
-              <a:buChar char="-"/>
-            </a:pPr>
-            <a:r>
-              <a:rPr lang="en-US" dirty="0" smtClean="0"/>
-              <a:t>Functional hierarchy for eagle-I instrument</a:t>
-            </a:r>
-          </a:p>
-          <a:p>
-            <a:pPr>
-              <a:buFontTx/>
-              <a:buChar char="-"/>
-            </a:pPr>
-            <a:r>
-              <a:rPr lang="en-US" dirty="0" smtClean="0"/>
-              <a:t>Contribution to OBI development</a:t>
-            </a:r>
-          </a:p>
-          <a:p>
-            <a:pPr lvl="1">
-              <a:buFontTx/>
-              <a:buChar char="-"/>
+              <a:t>Generate new terms to be implemented in OBI by	 using Quick Term Template (QTT)</a:t>
+            </a:r>
+          </a:p>
+          <a:p>
+            <a:pPr marL="514350" indent="-514350">
+              <a:buAutoNum type="arabicParenR"/>
             </a:pPr>
             <a:endParaRPr lang="en-US" dirty="0" smtClean="0"/>
+          </a:p>
+          <a:p>
+            <a:pPr marL="514350" indent="-514350">
+              <a:buAutoNum type="arabicParenR"/>
+            </a:pPr>
+            <a:endParaRPr lang="en-US" dirty="0" smtClean="0"/>
+          </a:p>
+          <a:p>
+            <a:pPr marL="514350" indent="-514350">
+              <a:buNone/>
+            </a:pPr>
+            <a:endParaRPr lang="en-US" dirty="0" smtClean="0"/>
+          </a:p>
+          <a:p>
+            <a:pPr marL="514350" indent="-514350">
+              <a:buNone/>
+            </a:pPr>
+            <a:endParaRPr lang="en-US" dirty="0" smtClean="0"/>
+          </a:p>
+          <a:p>
+            <a:pPr marL="514350" indent="-514350">
+              <a:buNone/>
+            </a:pPr>
+            <a:endParaRPr lang="en-US" dirty="0" smtClean="0"/>
+          </a:p>
+          <a:p>
+            <a:pPr marL="514350" indent="-514350">
+              <a:buNone/>
+            </a:pPr>
+            <a:endParaRPr lang="en-US" dirty="0" smtClean="0"/>
+          </a:p>
+          <a:p>
+            <a:pPr marL="514350" indent="-514350">
+              <a:buNone/>
+            </a:pPr>
+            <a:endParaRPr lang="en-US" dirty="0" smtClean="0"/>
+          </a:p>
+          <a:p>
+            <a:pPr marL="514350" indent="-514350">
+              <a:buNone/>
+            </a:pPr>
+            <a:endParaRPr lang="en-US" dirty="0" smtClean="0"/>
+          </a:p>
+          <a:p>
+            <a:pPr marL="514350" indent="-514350">
+              <a:buAutoNum type="arabicParenR"/>
+            </a:pPr>
+            <a:endParaRPr lang="en-US" dirty="0" smtClean="0"/>
+          </a:p>
+          <a:p>
+            <a:pPr marL="514350" indent="-514350">
+              <a:buAutoNum type="arabicParenR"/>
+            </a:pPr>
+            <a:endParaRPr lang="en-US" dirty="0" smtClean="0"/>
+          </a:p>
+          <a:p>
+            <a:pPr marL="514350" indent="-514350">
+              <a:buAutoNum type="arabicParenR"/>
+            </a:pPr>
+            <a:endParaRPr lang="en-US" dirty="0" smtClean="0"/>
+          </a:p>
+          <a:p>
+            <a:pPr marL="514350" indent="-514350">
+              <a:buAutoNum type="arabicParenR"/>
+            </a:pPr>
+            <a:endParaRPr lang="en-US" dirty="0" smtClean="0"/>
+          </a:p>
+          <a:p>
+            <a:pPr marL="514350" indent="-514350">
+              <a:buAutoNum type="arabicParenR"/>
+            </a:pPr>
+            <a:endParaRPr lang="en-US" dirty="0" smtClean="0"/>
+          </a:p>
+          <a:p>
+            <a:pPr marL="514350" indent="-514350">
+              <a:buAutoNum type="arabicParenR"/>
+            </a:pPr>
+            <a:endParaRPr lang="en-US" b="1" dirty="0" smtClean="0"/>
           </a:p>
           <a:p>
             <a:pPr lvl="3">
@@ -6260,7 +7075,7 @@
         </p:spPr>
         <p:txBody>
           <a:bodyPr>
-            <a:normAutofit fontScale="90000"/>
+            <a:normAutofit/>
           </a:bodyPr>
           <a:lstStyle/>
           <a:p>
@@ -6278,7 +7093,7 @@
                 <a:ea typeface="ＭＳ Ｐゴシック" pitchFamily="34" charset="-128"/>
                 <a:cs typeface="Arial Bold" pitchFamily="-106" charset="0"/>
               </a:rPr>
-              <a:t>Instrument implementation: Advantages</a:t>
+              <a:t>Instrument implementation: QTT</a:t>
             </a:r>
             <a:endParaRPr lang="en-US" sz="4400" b="1" dirty="0" smtClean="0">
               <a:solidFill>
@@ -6290,6 +7105,30 @@
           </a:p>
         </p:txBody>
       </p:sp>
+      <p:pic>
+        <p:nvPicPr>
+          <p:cNvPr id="13" name="Picture 12"/>
+          <p:cNvPicPr>
+            <a:picLocks noChangeAspect="1"/>
+          </p:cNvPicPr>
+          <p:nvPr/>
+        </p:nvPicPr>
+        <p:blipFill>
+          <a:blip r:embed="rId5"/>
+          <a:stretch>
+            <a:fillRect/>
+          </a:stretch>
+        </p:blipFill>
+        <p:spPr>
+          <a:xfrm>
+            <a:off x="635903" y="2275104"/>
+            <a:ext cx="7931150" cy="3837061"/>
+          </a:xfrm>
+          <a:prstGeom prst="rect">
+            <a:avLst/>
+          </a:prstGeom>
+        </p:spPr>
+      </p:pic>
     </p:spTree>
   </p:cSld>
   <p:clrMapOvr>
@@ -6751,60 +7590,17 @@
           <a:lstStyle/>
           <a:p>
             <a:pPr>
-              <a:buFontTx/>
-              <a:buChar char="-"/>
+              <a:buNone/>
             </a:pPr>
             <a:r>
               <a:rPr lang="en-US" dirty="0" smtClean="0"/>
-              <a:t>Goals:</a:t>
-            </a:r>
-          </a:p>
-          <a:p>
-            <a:pPr lvl="1">
-              <a:buFontTx/>
-              <a:buChar char="-"/>
-            </a:pPr>
-            <a:r>
-              <a:rPr lang="en-US" dirty="0" smtClean="0"/>
-              <a:t>Come up with a shared and agreed with representation of services</a:t>
-            </a:r>
-          </a:p>
-          <a:p>
-            <a:pPr lvl="1">
-              <a:buFontTx/>
-              <a:buChar char="-"/>
-            </a:pPr>
-            <a:r>
-              <a:rPr lang="en-US" dirty="0" smtClean="0"/>
-              <a:t>Align with NIF representation of services</a:t>
-            </a:r>
-          </a:p>
-          <a:p>
-            <a:pPr lvl="2">
-              <a:buFontTx/>
-              <a:buChar char="-"/>
-            </a:pPr>
-            <a:endParaRPr lang="en-US" dirty="0" smtClean="0"/>
-          </a:p>
-          <a:p>
-            <a:pPr>
-              <a:buFontTx/>
-              <a:buChar char="-"/>
-            </a:pPr>
-            <a:endParaRPr lang="en-US" dirty="0" smtClean="0"/>
-          </a:p>
-          <a:p>
-            <a:pPr lvl="1">
-              <a:buFontTx/>
-              <a:buChar char="-"/>
-            </a:pPr>
-            <a:endParaRPr lang="en-US" dirty="0" smtClean="0"/>
-          </a:p>
-          <a:p>
-            <a:pPr lvl="3">
-              <a:buNone/>
-            </a:pPr>
-            <a:endParaRPr lang="en-US" dirty="0" smtClean="0"/>
+              <a:t>Screenshot of Protégé or the glossary with the inferred hierarchy of </a:t>
+            </a:r>
+            <a:r>
+              <a:rPr lang="en-US" smtClean="0"/>
+              <a:t>measurement instrument</a:t>
+            </a:r>
+            <a:endParaRPr lang="en-US" smtClean="0"/>
           </a:p>
           <a:p>
             <a:pPr lvl="1">
@@ -6856,7 +7652,7 @@
                 <a:ea typeface="ＭＳ Ｐゴシック" pitchFamily="34" charset="-128"/>
                 <a:cs typeface="Arial Bold" pitchFamily="-106" charset="0"/>
               </a:rPr>
-              <a:t>Use case: Service</a:t>
+              <a:t>Instrument implementation</a:t>
             </a:r>
             <a:endParaRPr lang="en-US" sz="4400" b="1" dirty="0" smtClean="0">
               <a:solidFill>
@@ -7324,80 +8120,78 @@
         </p:spPr>
         <p:txBody>
           <a:bodyPr>
-            <a:normAutofit/>
+            <a:normAutofit fontScale="92500"/>
           </a:bodyPr>
           <a:lstStyle/>
-          <a:p>
-            <a:pPr>
-              <a:buNone/>
-            </a:pPr>
-            <a:r>
-              <a:rPr lang="en-US" dirty="0" smtClean="0"/>
-              <a:t>1) NIF and eagle-</a:t>
-            </a:r>
-            <a:r>
-              <a:rPr lang="en-US" dirty="0" err="1" smtClean="0"/>
-              <a:t>i</a:t>
-            </a:r>
-            <a:r>
-              <a:rPr lang="en-US" dirty="0" smtClean="0"/>
-              <a:t> requirements:</a:t>
-            </a:r>
-          </a:p>
-          <a:p>
-            <a:pPr lvl="2">
-              <a:buFontTx/>
-              <a:buChar char="-"/>
-            </a:pPr>
-            <a:r>
-              <a:rPr lang="en-US" dirty="0" smtClean="0"/>
-              <a:t>Collect service information (metadata about services)</a:t>
-            </a:r>
-          </a:p>
-          <a:p>
-            <a:pPr lvl="3">
-              <a:buFontTx/>
-              <a:buChar char="-"/>
-            </a:pPr>
-            <a:r>
-              <a:rPr lang="en-US" dirty="0" smtClean="0"/>
-              <a:t>Services are typically offered by core laboratories, which perform some planned for a customer. </a:t>
-            </a:r>
-          </a:p>
-          <a:p>
-            <a:pPr lvl="2">
-              <a:buFontTx/>
-              <a:buChar char="-"/>
-            </a:pPr>
-            <a:r>
-              <a:rPr lang="en-US" dirty="0" smtClean="0"/>
-              <a:t>Have a common representation of the high level services categories</a:t>
-            </a:r>
-          </a:p>
-          <a:p>
-            <a:pPr lvl="2">
-              <a:buFontTx/>
-              <a:buChar char="-"/>
-            </a:pPr>
-            <a:r>
-              <a:rPr lang="en-US" dirty="0" smtClean="0"/>
-              <a:t>Have service hierarchy that make sense for the eagle-</a:t>
-            </a:r>
-            <a:r>
-              <a:rPr lang="en-US" dirty="0" err="1" smtClean="0"/>
-              <a:t>i</a:t>
-            </a:r>
-            <a:r>
-              <a:rPr lang="en-US" dirty="0" smtClean="0"/>
-              <a:t> app purpose (identify services availability at institutions)</a:t>
-            </a:r>
-          </a:p>
           <a:p>
             <a:pPr>
               <a:buFontTx/>
               <a:buChar char="-"/>
             </a:pPr>
-            <a:endParaRPr lang="en-US" dirty="0" smtClean="0"/>
+            <a:r>
+              <a:rPr lang="en-US" dirty="0" smtClean="0"/>
+              <a:t>Advantages in using already defined devices in OBI</a:t>
+            </a:r>
+          </a:p>
+          <a:p>
+            <a:pPr lvl="1">
+              <a:buFontTx/>
+              <a:buChar char="-"/>
+            </a:pPr>
+            <a:r>
+              <a:rPr lang="en-US" dirty="0" smtClean="0"/>
+              <a:t>Definitions and metadata already available and vetted by the community</a:t>
+            </a:r>
+          </a:p>
+          <a:p>
+            <a:pPr>
+              <a:buFontTx/>
+              <a:buChar char="-"/>
+            </a:pPr>
+            <a:r>
+              <a:rPr lang="en-US" dirty="0" smtClean="0"/>
+              <a:t>Advantages to align representations (EI/NIF/OBI)</a:t>
+            </a:r>
+          </a:p>
+          <a:p>
+            <a:pPr lvl="1">
+              <a:buFontTx/>
+              <a:buChar char="-"/>
+            </a:pPr>
+            <a:r>
+              <a:rPr lang="en-US" dirty="0" smtClean="0"/>
+              <a:t>Same URI facilitate data integration and interoperability</a:t>
+            </a:r>
+          </a:p>
+          <a:p>
+            <a:pPr>
+              <a:buFontTx/>
+              <a:buChar char="-"/>
+            </a:pPr>
+            <a:r>
+              <a:rPr lang="en-US" dirty="0" smtClean="0"/>
+              <a:t>Advantage of reusing an effective design pattern</a:t>
+            </a:r>
+          </a:p>
+          <a:p>
+            <a:pPr lvl="1">
+              <a:buFontTx/>
+              <a:buChar char="-"/>
+            </a:pPr>
+            <a:r>
+              <a:rPr lang="en-US" dirty="0" smtClean="0"/>
+              <a:t>Functional hierarchy for eagle-I instrument</a:t>
+            </a:r>
+          </a:p>
+          <a:p>
+            <a:pPr>
+              <a:buFontTx/>
+              <a:buChar char="-"/>
+            </a:pPr>
+            <a:r>
+              <a:rPr lang="en-US" dirty="0" smtClean="0"/>
+              <a:t>Contribution to OBI development</a:t>
+            </a:r>
           </a:p>
           <a:p>
             <a:pPr lvl="1">
@@ -7444,7 +8238,7 @@
         </p:spPr>
         <p:txBody>
           <a:bodyPr>
-            <a:normAutofit/>
+            <a:normAutofit fontScale="90000"/>
           </a:bodyPr>
           <a:lstStyle/>
           <a:p>
@@ -7462,7 +8256,7 @@
                 <a:ea typeface="ＭＳ Ｐゴシック" pitchFamily="34" charset="-128"/>
                 <a:cs typeface="Arial Bold" pitchFamily="-106" charset="0"/>
               </a:rPr>
-              <a:t>Service: implementation</a:t>
+              <a:t>Instrument implementation: Advantages</a:t>
             </a:r>
             <a:endParaRPr lang="en-US" sz="4400" b="1" dirty="0" smtClean="0">
               <a:solidFill>
@@ -7924,13 +8718,13 @@
         </p:nvSpPr>
         <p:spPr>
           <a:xfrm>
-            <a:off x="452746" y="995494"/>
-            <a:ext cx="8229600" cy="1055430"/>
+            <a:off x="457200" y="1164248"/>
+            <a:ext cx="8229600" cy="4961915"/>
           </a:xfrm>
         </p:spPr>
         <p:txBody>
           <a:bodyPr>
-            <a:normAutofit lnSpcReduction="10000"/>
+            <a:normAutofit/>
           </a:bodyPr>
           <a:lstStyle/>
           <a:p>
@@ -7940,8 +8734,42 @@
             </a:pPr>
             <a:r>
               <a:rPr lang="en-US" dirty="0" smtClean="0"/>
-              <a:t>Participated in OBI workshop identifying the following</a:t>
-            </a:r>
+              <a:t>Goals:</a:t>
+            </a:r>
+          </a:p>
+          <a:p>
+            <a:pPr lvl="1">
+              <a:buFontTx/>
+              <a:buChar char="-"/>
+            </a:pPr>
+            <a:r>
+              <a:rPr lang="en-US" dirty="0" smtClean="0"/>
+              <a:t>Come up with a shared and agreed with representation of services</a:t>
+            </a:r>
+          </a:p>
+          <a:p>
+            <a:pPr lvl="1">
+              <a:buFontTx/>
+              <a:buChar char="-"/>
+            </a:pPr>
+            <a:r>
+              <a:rPr lang="en-US" dirty="0" smtClean="0"/>
+              <a:t>Align with NIF representation of services</a:t>
+            </a:r>
+          </a:p>
+          <a:p>
+            <a:pPr lvl="2">
+              <a:buFontTx/>
+              <a:buChar char="-"/>
+            </a:pPr>
+            <a:endParaRPr lang="en-US" dirty="0" smtClean="0"/>
+          </a:p>
+          <a:p>
+            <a:pPr>
+              <a:buFontTx/>
+              <a:buChar char="-"/>
+            </a:pPr>
+            <a:endParaRPr lang="en-US" dirty="0" smtClean="0"/>
           </a:p>
           <a:p>
             <a:pPr lvl="1">
@@ -8006,7 +8834,7 @@
                 <a:ea typeface="ＭＳ Ｐゴシック" pitchFamily="34" charset="-128"/>
                 <a:cs typeface="Arial Bold" pitchFamily="-106" charset="0"/>
               </a:rPr>
-              <a:t>Service: design pattern</a:t>
+              <a:t>Use case: Service</a:t>
             </a:r>
             <a:endParaRPr lang="en-US" sz="4400" b="1" dirty="0" smtClean="0">
               <a:solidFill>
@@ -8018,36 +8846,6 @@
           </a:p>
         </p:txBody>
       </p:sp>
-      <p:pic>
-        <p:nvPicPr>
-          <p:cNvPr id="11" name="Picture 10"/>
-          <p:cNvPicPr/>
-          <p:nvPr/>
-        </p:nvPicPr>
-        <p:blipFill>
-          <a:blip r:embed="rId5" cstate="print"/>
-          <a:srcRect/>
-          <a:stretch>
-            <a:fillRect/>
-          </a:stretch>
-        </p:blipFill>
-        <p:spPr bwMode="auto">
-          <a:xfrm>
-            <a:off x="1863062" y="2047749"/>
-            <a:ext cx="5590070" cy="4075239"/>
-          </a:xfrm>
-          <a:prstGeom prst="rect">
-            <a:avLst/>
-          </a:prstGeom>
-          <a:noFill/>
-          <a:ln w="9525">
-            <a:noFill/>
-            <a:miter lim="800000"/>
-            <a:headEnd/>
-            <a:tailEnd/>
-          </a:ln>
-        </p:spPr>
-      </p:pic>
     </p:spTree>
   </p:cSld>
   <p:clrMapOvr>
@@ -8082,7 +8880,7 @@
           <p:nvPr/>
         </p:nvPicPr>
         <p:blipFill>
-          <a:blip r:embed="rId4"/>
+          <a:blip r:embed="rId3"/>
           <a:srcRect/>
           <a:stretch>
             <a:fillRect/>
@@ -8172,7 +8970,7 @@
             <p:nvPr/>
           </p:nvPicPr>
           <p:blipFill>
-            <a:blip r:embed="rId5"/>
+            <a:blip r:embed="rId4"/>
             <a:srcRect/>
             <a:stretch>
               <a:fillRect/>
@@ -8498,8 +9296,8 @@
         </p:nvSpPr>
         <p:spPr>
           <a:xfrm>
-            <a:off x="457200" y="995494"/>
-            <a:ext cx="8229600" cy="5130669"/>
+            <a:off x="457200" y="1164248"/>
+            <a:ext cx="8229600" cy="4961915"/>
           </a:xfrm>
         </p:spPr>
         <p:txBody>
@@ -8513,24 +9311,76 @@
             </a:pPr>
             <a:r>
               <a:rPr lang="en-US" dirty="0" smtClean="0"/>
-              <a:t>Service hierarchy defined according to process input and output</a:t>
+              <a:t>1) NIF and eagle-</a:t>
+            </a:r>
+            <a:r>
+              <a:rPr lang="en-US" dirty="0" err="1" smtClean="0"/>
+              <a:t>i</a:t>
+            </a:r>
+            <a:r>
+              <a:rPr lang="en-US" dirty="0" smtClean="0"/>
+              <a:t> requirements:</a:t>
+            </a:r>
+          </a:p>
+          <a:p>
+            <a:pPr lvl="2">
+              <a:buFontTx/>
+              <a:buChar char="-"/>
+            </a:pPr>
+            <a:r>
+              <a:rPr lang="en-US" dirty="0" smtClean="0"/>
+              <a:t>Collect service information (metadata about services)</a:t>
+            </a:r>
+          </a:p>
+          <a:p>
+            <a:pPr lvl="3">
+              <a:buFontTx/>
+              <a:buChar char="-"/>
+            </a:pPr>
+            <a:r>
+              <a:rPr lang="en-US" dirty="0" smtClean="0"/>
+              <a:t>Services are typically offered by core laboratories, which perform some planned for a customer. </a:t>
+            </a:r>
+          </a:p>
+          <a:p>
+            <a:pPr lvl="2">
+              <a:buFontTx/>
+              <a:buChar char="-"/>
+            </a:pPr>
+            <a:r>
+              <a:rPr lang="en-US" dirty="0" smtClean="0"/>
+              <a:t>Have a common representation of the high level services categories</a:t>
+            </a:r>
+          </a:p>
+          <a:p>
+            <a:pPr lvl="2">
+              <a:buFontTx/>
+              <a:buChar char="-"/>
+            </a:pPr>
+            <a:r>
+              <a:rPr lang="en-US" dirty="0" smtClean="0"/>
+              <a:t>Have service hierarchy that make sense for the eagle-</a:t>
+            </a:r>
+            <a:r>
+              <a:rPr lang="en-US" dirty="0" err="1" smtClean="0"/>
+              <a:t>i</a:t>
+            </a:r>
+            <a:r>
+              <a:rPr lang="en-US" dirty="0" smtClean="0"/>
+              <a:t> app purpose (identify services availability at institutions)</a:t>
             </a:r>
           </a:p>
           <a:p>
             <a:pPr>
-              <a:buNone/>
+              <a:buFontTx/>
+              <a:buChar char="-"/>
             </a:pPr>
             <a:endParaRPr lang="en-US" dirty="0" smtClean="0"/>
           </a:p>
           <a:p>
-            <a:pPr>
-              <a:buNone/>
-            </a:pPr>
-            <a:endParaRPr lang="en-US" dirty="0" smtClean="0"/>
-          </a:p>
-          <a:p>
             <a:pPr lvl="1">
-              <a:buNone/>
+              <a:buFontTx/>
+              <a:buChar char="-"/>
             </a:pPr>
             <a:endParaRPr lang="en-US" dirty="0" smtClean="0"/>
           </a:p>
@@ -8590,7 +9440,7 @@
                 <a:ea typeface="ＭＳ Ｐゴシック" pitchFamily="34" charset="-128"/>
                 <a:cs typeface="Arial Bold" pitchFamily="-106" charset="0"/>
               </a:rPr>
-              <a:t>Service: hierarchy</a:t>
+              <a:t>Service: implementation</a:t>
             </a:r>
             <a:endParaRPr lang="en-US" sz="4400" b="1" dirty="0" smtClean="0">
               <a:solidFill>
@@ -8602,26 +9452,6 @@
           </a:p>
         </p:txBody>
       </p:sp>
-      <p:graphicFrame>
-        <p:nvGraphicFramePr>
-          <p:cNvPr id="51203" name="Object 3"/>
-          <p:cNvGraphicFramePr>
-            <a:graphicFrameLocks noChangeAspect="1"/>
-          </p:cNvGraphicFramePr>
-          <p:nvPr/>
-        </p:nvGraphicFramePr>
-        <p:xfrm>
-          <a:off x="1863062" y="2309253"/>
-          <a:ext cx="5486400" cy="3378200"/>
-        </p:xfrm>
-        <a:graphic>
-          <a:graphicData uri="http://schemas.openxmlformats.org/presentationml/2006/ole">
-            <p:oleObj spid="_x0000_s51203" name="Document" r:id="rId6" imgW="5486400" imgH="3378200" progId="Word.Document.12">
-              <p:link updateAutomatic="1"/>
-            </p:oleObj>
-          </a:graphicData>
-        </a:graphic>
-      </p:graphicFrame>
     </p:spTree>
   </p:cSld>
   <p:clrMapOvr>
@@ -9062,6 +9892,64 @@
       </p:sp>
       <p:sp>
         <p:nvSpPr>
+          <p:cNvPr id="9" name="Content Placeholder 2"/>
+          <p:cNvSpPr>
+            <a:spLocks noGrp="1"/>
+          </p:cNvSpPr>
+          <p:nvPr>
+            <p:ph idx="1"/>
+          </p:nvPr>
+        </p:nvSpPr>
+        <p:spPr>
+          <a:xfrm>
+            <a:off x="452746" y="995494"/>
+            <a:ext cx="8229600" cy="1055430"/>
+          </a:xfrm>
+        </p:spPr>
+        <p:txBody>
+          <a:bodyPr>
+            <a:normAutofit lnSpcReduction="10000"/>
+          </a:bodyPr>
+          <a:lstStyle/>
+          <a:p>
+            <a:pPr>
+              <a:buFontTx/>
+              <a:buChar char="-"/>
+            </a:pPr>
+            <a:r>
+              <a:rPr lang="en-US" dirty="0" smtClean="0"/>
+              <a:t>Participated in OBI workshop identifying the following</a:t>
+            </a:r>
+          </a:p>
+          <a:p>
+            <a:pPr lvl="1">
+              <a:buFontTx/>
+              <a:buChar char="-"/>
+            </a:pPr>
+            <a:endParaRPr lang="en-US" dirty="0" smtClean="0"/>
+          </a:p>
+          <a:p>
+            <a:pPr lvl="3">
+              <a:buNone/>
+            </a:pPr>
+            <a:endParaRPr lang="en-US" dirty="0" smtClean="0"/>
+          </a:p>
+          <a:p>
+            <a:pPr lvl="1">
+              <a:buNone/>
+            </a:pPr>
+            <a:endParaRPr lang="en-US" dirty="0" smtClean="0"/>
+          </a:p>
+          <a:p>
+            <a:pPr lvl="1">
+              <a:buNone/>
+            </a:pPr>
+            <a:endParaRPr lang="en-US" dirty="0" smtClean="0"/>
+          </a:p>
+        </p:txBody>
+      </p:sp>
+      <p:sp>
+        <p:nvSpPr>
           <p:cNvPr id="10" name="Title 1"/>
           <p:cNvSpPr>
             <a:spLocks noGrp="1"/>
@@ -9096,7 +9984,7 @@
                 <a:ea typeface="ＭＳ Ｐゴシック" pitchFamily="34" charset="-128"/>
                 <a:cs typeface="Arial Bold" pitchFamily="-106" charset="0"/>
               </a:rPr>
-              <a:t>Service: advantages</a:t>
+              <a:t>Service: design pattern</a:t>
             </a:r>
             <a:endParaRPr lang="en-US" sz="4400" b="1" dirty="0" smtClean="0">
               <a:solidFill>
@@ -9108,9 +9996,477 @@
           </a:p>
         </p:txBody>
       </p:sp>
+      <p:pic>
+        <p:nvPicPr>
+          <p:cNvPr id="11" name="Picture 10"/>
+          <p:cNvPicPr/>
+          <p:nvPr/>
+        </p:nvPicPr>
+        <p:blipFill>
+          <a:blip r:embed="rId5" cstate="print"/>
+          <a:srcRect/>
+          <a:stretch>
+            <a:fillRect/>
+          </a:stretch>
+        </p:blipFill>
+        <p:spPr bwMode="auto">
+          <a:xfrm>
+            <a:off x="1863062" y="2047749"/>
+            <a:ext cx="5590070" cy="4075239"/>
+          </a:xfrm>
+          <a:prstGeom prst="rect">
+            <a:avLst/>
+          </a:prstGeom>
+          <a:noFill/>
+          <a:ln w="9525">
+            <a:noFill/>
+            <a:miter lim="800000"/>
+            <a:headEnd/>
+            <a:tailEnd/>
+          </a:ln>
+        </p:spPr>
+      </p:pic>
+    </p:spTree>
+  </p:cSld>
+  <p:clrMapOvr>
+    <a:masterClrMapping/>
+  </p:clrMapOvr>
+</p:sld>
+</file>
+
+<file path=ppt/slides/slide17.xml><?xml version="1.0" encoding="utf-8"?>
+<p:sld xmlns:a="http://schemas.openxmlformats.org/drawingml/2006/main" xmlns:r="http://schemas.openxmlformats.org/officeDocument/2006/relationships" xmlns:mc="http://schemas.openxmlformats.org/markup-compatibility/2006" xmlns:mv="urn:schemas-microsoft-com:mac:vml" xmlns:p="http://schemas.openxmlformats.org/presentationml/2006/main" mc:Ignorable="mv" mc:PreserveAttributes="mv:*">
+  <p:cSld>
+    <p:spTree>
+      <p:nvGrpSpPr>
+        <p:cNvPr id="1" name=""/>
+        <p:cNvGrpSpPr/>
+        <p:nvPr/>
+      </p:nvGrpSpPr>
+      <p:grpSpPr>
+        <a:xfrm>
+          <a:off x="0" y="0"/>
+          <a:ext cx="0" cy="0"/>
+          <a:chOff x="0" y="0"/>
+          <a:chExt cx="0" cy="0"/>
+        </a:xfrm>
+      </p:grpSpPr>
+      <p:pic>
+        <p:nvPicPr>
+          <p:cNvPr id="5" name="Picture 2" descr="H:\Eagle-i\Office\OHSU Library Logo.transparent.tif"/>
+          <p:cNvPicPr>
+            <a:picLocks noChangeAspect="1" noChangeArrowheads="1"/>
+          </p:cNvPicPr>
+          <p:nvPr/>
+        </p:nvPicPr>
+        <p:blipFill>
+          <a:blip r:embed="rId4"/>
+          <a:srcRect/>
+          <a:stretch>
+            <a:fillRect/>
+          </a:stretch>
+        </p:blipFill>
+        <p:spPr bwMode="auto">
+          <a:xfrm>
+            <a:off x="8305800" y="6122988"/>
+            <a:ext cx="882650" cy="735012"/>
+          </a:xfrm>
+          <a:prstGeom prst="rect">
+            <a:avLst/>
+          </a:prstGeom>
+          <a:noFill/>
+          <a:ln w="9525">
+            <a:noFill/>
+            <a:miter lim="800000"/>
+            <a:headEnd/>
+            <a:tailEnd/>
+          </a:ln>
+        </p:spPr>
+      </p:pic>
+      <p:grpSp>
+        <p:nvGrpSpPr>
+          <p:cNvPr id="2" name="Group 8"/>
+          <p:cNvGrpSpPr>
+            <a:grpSpLocks/>
+          </p:cNvGrpSpPr>
+          <p:nvPr/>
+        </p:nvGrpSpPr>
+        <p:grpSpPr bwMode="auto">
+          <a:xfrm>
+            <a:off x="115888" y="6183313"/>
+            <a:ext cx="2011362" cy="649287"/>
+            <a:chOff x="696913" y="6069621"/>
+            <a:chExt cx="2011616" cy="649602"/>
+          </a:xfrm>
+        </p:grpSpPr>
+        <p:sp>
+          <p:nvSpPr>
+            <p:cNvPr id="7" name="TextBox 4"/>
+            <p:cNvSpPr txBox="1">
+              <a:spLocks noChangeArrowheads="1"/>
+            </p:cNvSpPr>
+            <p:nvPr/>
+          </p:nvSpPr>
+          <p:spPr bwMode="auto">
+            <a:xfrm>
+              <a:off x="1470916" y="6473002"/>
+              <a:ext cx="1237613" cy="246221"/>
+            </a:xfrm>
+            <a:prstGeom prst="rect">
+              <a:avLst/>
+            </a:prstGeom>
+            <a:noFill/>
+            <a:ln w="9525">
+              <a:noFill/>
+              <a:miter lim="800000"/>
+              <a:headEnd/>
+              <a:tailEnd/>
+            </a:ln>
+          </p:spPr>
+          <p:txBody>
+            <a:bodyPr>
+              <a:prstTxWarp prst="textNoShape">
+                <a:avLst/>
+              </a:prstTxWarp>
+              <a:spAutoFit/>
+            </a:bodyPr>
+            <a:lstStyle/>
+            <a:p>
+              <a:r>
+                <a:rPr lang="en-US" sz="1000" b="1">
+                  <a:latin typeface="Corbel" charset="0"/>
+                </a:rPr>
+                <a:t>c o n s o r t i u m</a:t>
+              </a:r>
+            </a:p>
+          </p:txBody>
+        </p:sp>
+        <p:pic>
+          <p:nvPicPr>
+            <p:cNvPr id="8" name="Picture 6" descr="C:\Documents and Settings\rgg9\Desktop\eagle-i\Images\U24_Logos\EI_Logo_Final_BW.png"/>
+            <p:cNvPicPr>
+              <a:picLocks noChangeAspect="1" noChangeArrowheads="1"/>
+            </p:cNvPicPr>
+            <p:nvPr/>
+          </p:nvPicPr>
+          <p:blipFill>
+            <a:blip r:embed="rId5"/>
+            <a:srcRect/>
+            <a:stretch>
+              <a:fillRect/>
+            </a:stretch>
+          </p:blipFill>
+          <p:spPr bwMode="auto">
+            <a:xfrm>
+              <a:off x="696913" y="6069621"/>
+              <a:ext cx="1747395" cy="605925"/>
+            </a:xfrm>
+            <a:prstGeom prst="rect">
+              <a:avLst/>
+            </a:prstGeom>
+            <a:noFill/>
+            <a:ln w="9525">
+              <a:noFill/>
+              <a:miter lim="800000"/>
+              <a:headEnd/>
+              <a:tailEnd/>
+            </a:ln>
+          </p:spPr>
+        </p:pic>
+      </p:grpSp>
       <p:sp>
         <p:nvSpPr>
-          <p:cNvPr id="13" name="Content Placeholder 2"/>
+          <p:cNvPr id="14" name="Content Placeholder 2"/>
+          <p:cNvSpPr>
+            <a:spLocks noGrp="1"/>
+          </p:cNvSpPr>
+          <p:nvPr/>
+        </p:nvSpPr>
+        <p:spPr>
+          <a:xfrm>
+            <a:off x="472959" y="1758647"/>
+            <a:ext cx="8209387" cy="4525963"/>
+          </a:xfrm>
+          <a:prstGeom prst="rect">
+            <a:avLst/>
+          </a:prstGeom>
+          <a:effectLst/>
+        </p:spPr>
+        <p:txBody>
+          <a:bodyPr anchor="ctr">
+            <a:scene3d>
+              <a:camera prst="orthographicFront"/>
+              <a:lightRig rig="chilly" dir="t"/>
+            </a:scene3d>
+            <a:sp3d extrusionH="6350">
+              <a:extrusionClr>
+                <a:schemeClr val="bg1"/>
+              </a:extrusionClr>
+            </a:sp3d>
+          </a:bodyPr>
+          <a:lstStyle>
+            <a:lvl1pPr marL="342900" indent="-342900" algn="l" defTabSz="914400" rtl="0" eaLnBrk="1" latinLnBrk="0" hangingPunct="1">
+              <a:spcBef>
+                <a:spcPts val="2000"/>
+              </a:spcBef>
+              <a:buSzPct val="80000"/>
+              <a:buFont typeface="Wingdings" pitchFamily="2" charset="2"/>
+              <a:buChar char="l"/>
+              <a:defRPr sz="2400" kern="1200">
+                <a:gradFill>
+                  <a:gsLst>
+                    <a:gs pos="50000">
+                      <a:schemeClr val="tx1">
+                        <a:lumMod val="65000"/>
+                        <a:lumOff val="35000"/>
+                      </a:schemeClr>
+                    </a:gs>
+                    <a:gs pos="100000">
+                      <a:schemeClr val="tx1">
+                        <a:lumMod val="85000"/>
+                        <a:lumOff val="15000"/>
+                      </a:schemeClr>
+                    </a:gs>
+                  </a:gsLst>
+                  <a:lin ang="5400000" scaled="0"/>
+                </a:gradFill>
+                <a:effectLst/>
+                <a:latin typeface="+mn-lt"/>
+                <a:ea typeface="+mn-ea"/>
+                <a:cs typeface="+mn-cs"/>
+              </a:defRPr>
+            </a:lvl1pPr>
+            <a:lvl2pPr marL="685800" indent="-336550" algn="l" defTabSz="914400" rtl="0" eaLnBrk="1" latinLnBrk="0" hangingPunct="1">
+              <a:spcBef>
+                <a:spcPct val="20000"/>
+              </a:spcBef>
+              <a:buSzPct val="80000"/>
+              <a:buFont typeface="Wingdings" pitchFamily="2" charset="2"/>
+              <a:buChar char="l"/>
+              <a:defRPr sz="2200" kern="1200">
+                <a:gradFill>
+                  <a:gsLst>
+                    <a:gs pos="50000">
+                      <a:schemeClr val="tx1">
+                        <a:lumMod val="65000"/>
+                        <a:lumOff val="35000"/>
+                      </a:schemeClr>
+                    </a:gs>
+                    <a:gs pos="100000">
+                      <a:schemeClr val="tx1">
+                        <a:lumMod val="85000"/>
+                        <a:lumOff val="15000"/>
+                      </a:schemeClr>
+                    </a:gs>
+                  </a:gsLst>
+                  <a:lin ang="5400000" scaled="0"/>
+                </a:gradFill>
+                <a:effectLst/>
+                <a:latin typeface="+mn-lt"/>
+                <a:ea typeface="+mn-ea"/>
+                <a:cs typeface="+mn-cs"/>
+              </a:defRPr>
+            </a:lvl2pPr>
+            <a:lvl3pPr marL="1035050" indent="-349250" algn="l" defTabSz="914400" rtl="0" eaLnBrk="1" latinLnBrk="0" hangingPunct="1">
+              <a:spcBef>
+                <a:spcPct val="20000"/>
+              </a:spcBef>
+              <a:buSzPct val="80000"/>
+              <a:buFont typeface="Wingdings" pitchFamily="2" charset="2"/>
+              <a:buChar char="l"/>
+              <a:defRPr sz="2000" kern="1200">
+                <a:gradFill>
+                  <a:gsLst>
+                    <a:gs pos="50000">
+                      <a:schemeClr val="tx1">
+                        <a:lumMod val="65000"/>
+                        <a:lumOff val="35000"/>
+                      </a:schemeClr>
+                    </a:gs>
+                    <a:gs pos="100000">
+                      <a:schemeClr val="tx1">
+                        <a:lumMod val="85000"/>
+                        <a:lumOff val="15000"/>
+                      </a:schemeClr>
+                    </a:gs>
+                  </a:gsLst>
+                  <a:lin ang="5400000" scaled="0"/>
+                </a:gradFill>
+                <a:effectLst/>
+                <a:latin typeface="+mn-lt"/>
+                <a:ea typeface="+mn-ea"/>
+                <a:cs typeface="+mn-cs"/>
+              </a:defRPr>
+            </a:lvl3pPr>
+            <a:lvl4pPr marL="1371600" indent="-336550" algn="l" defTabSz="914400" rtl="0" eaLnBrk="1" latinLnBrk="0" hangingPunct="1">
+              <a:spcBef>
+                <a:spcPct val="20000"/>
+              </a:spcBef>
+              <a:buSzPct val="80000"/>
+              <a:buFont typeface="Wingdings" pitchFamily="2" charset="2"/>
+              <a:buChar char="l"/>
+              <a:defRPr sz="1800" kern="1200">
+                <a:gradFill>
+                  <a:gsLst>
+                    <a:gs pos="50000">
+                      <a:schemeClr val="tx1">
+                        <a:lumMod val="65000"/>
+                        <a:lumOff val="35000"/>
+                      </a:schemeClr>
+                    </a:gs>
+                    <a:gs pos="100000">
+                      <a:schemeClr val="tx1">
+                        <a:lumMod val="85000"/>
+                        <a:lumOff val="15000"/>
+                      </a:schemeClr>
+                    </a:gs>
+                  </a:gsLst>
+                  <a:lin ang="5400000" scaled="0"/>
+                </a:gradFill>
+                <a:effectLst/>
+                <a:latin typeface="+mn-lt"/>
+                <a:ea typeface="+mn-ea"/>
+                <a:cs typeface="+mn-cs"/>
+              </a:defRPr>
+            </a:lvl4pPr>
+            <a:lvl5pPr marL="1720850" indent="-349250" algn="l" defTabSz="914400" rtl="0" eaLnBrk="1" latinLnBrk="0" hangingPunct="1">
+              <a:spcBef>
+                <a:spcPct val="20000"/>
+              </a:spcBef>
+              <a:buSzPct val="80000"/>
+              <a:buFont typeface="Wingdings" pitchFamily="2" charset="2"/>
+              <a:buChar char="l"/>
+              <a:defRPr sz="1800" kern="1200">
+                <a:gradFill>
+                  <a:gsLst>
+                    <a:gs pos="50000">
+                      <a:schemeClr val="tx1">
+                        <a:lumMod val="65000"/>
+                        <a:lumOff val="35000"/>
+                      </a:schemeClr>
+                    </a:gs>
+                    <a:gs pos="100000">
+                      <a:schemeClr val="tx1">
+                        <a:lumMod val="85000"/>
+                        <a:lumOff val="15000"/>
+                      </a:schemeClr>
+                    </a:gs>
+                  </a:gsLst>
+                  <a:lin ang="5400000" scaled="0"/>
+                </a:gradFill>
+                <a:effectLst/>
+                <a:latin typeface="+mn-lt"/>
+                <a:ea typeface="+mn-ea"/>
+                <a:cs typeface="+mn-cs"/>
+              </a:defRPr>
+            </a:lvl5pPr>
+            <a:lvl6pPr marL="2514600" indent="-228600" algn="l" defTabSz="914400" rtl="0" eaLnBrk="1" latinLnBrk="0" hangingPunct="1">
+              <a:spcBef>
+                <a:spcPct val="20000"/>
+              </a:spcBef>
+              <a:buFont typeface="Arial" pitchFamily="34" charset="0"/>
+              <a:buChar char="•"/>
+              <a:defRPr sz="2000" kern="1200">
+                <a:solidFill>
+                  <a:schemeClr val="tx1"/>
+                </a:solidFill>
+                <a:latin typeface="+mn-lt"/>
+                <a:ea typeface="+mn-ea"/>
+                <a:cs typeface="+mn-cs"/>
+              </a:defRPr>
+            </a:lvl6pPr>
+            <a:lvl7pPr marL="2971800" indent="-228600" algn="l" defTabSz="914400" rtl="0" eaLnBrk="1" latinLnBrk="0" hangingPunct="1">
+              <a:spcBef>
+                <a:spcPct val="20000"/>
+              </a:spcBef>
+              <a:buFont typeface="Arial" pitchFamily="34" charset="0"/>
+              <a:buChar char="•"/>
+              <a:defRPr sz="2000" kern="1200">
+                <a:solidFill>
+                  <a:schemeClr val="tx1"/>
+                </a:solidFill>
+                <a:latin typeface="+mn-lt"/>
+                <a:ea typeface="+mn-ea"/>
+                <a:cs typeface="+mn-cs"/>
+              </a:defRPr>
+            </a:lvl7pPr>
+            <a:lvl8pPr marL="3429000" indent="-228600" algn="l" defTabSz="914400" rtl="0" eaLnBrk="1" latinLnBrk="0" hangingPunct="1">
+              <a:spcBef>
+                <a:spcPct val="20000"/>
+              </a:spcBef>
+              <a:buFont typeface="Arial" pitchFamily="34" charset="0"/>
+              <a:buChar char="•"/>
+              <a:defRPr sz="2000" kern="1200">
+                <a:solidFill>
+                  <a:schemeClr val="tx1"/>
+                </a:solidFill>
+                <a:latin typeface="+mn-lt"/>
+                <a:ea typeface="+mn-ea"/>
+                <a:cs typeface="+mn-cs"/>
+              </a:defRPr>
+            </a:lvl8pPr>
+            <a:lvl9pPr marL="3886200" indent="-228600" algn="l" defTabSz="914400" rtl="0" eaLnBrk="1" latinLnBrk="0" hangingPunct="1">
+              <a:spcBef>
+                <a:spcPct val="20000"/>
+              </a:spcBef>
+              <a:buFont typeface="Arial" pitchFamily="34" charset="0"/>
+              <a:buChar char="•"/>
+              <a:defRPr sz="2000" kern="1200">
+                <a:solidFill>
+                  <a:schemeClr val="tx1"/>
+                </a:solidFill>
+                <a:latin typeface="+mn-lt"/>
+                <a:ea typeface="+mn-ea"/>
+                <a:cs typeface="+mn-cs"/>
+              </a:defRPr>
+            </a:lvl9pPr>
+          </a:lstStyle>
+          <a:p>
+            <a:pPr marL="234950" indent="-234950" fontAlgn="auto">
+              <a:spcAft>
+                <a:spcPts val="0"/>
+              </a:spcAft>
+              <a:buSzPct val="125000"/>
+              <a:buFont typeface="Wingdings" pitchFamily="2" charset="2"/>
+              <a:buNone/>
+              <a:defRPr/>
+            </a:pPr>
+            <a:endParaRPr lang="en-US" sz="2600" i="1" dirty="0" smtClean="0">
+              <a:solidFill>
+                <a:schemeClr val="tx1"/>
+              </a:solidFill>
+              <a:latin typeface="Trebuchet MS"/>
+              <a:ea typeface="ＭＳ Ｐゴシック" pitchFamily="34" charset="-128"/>
+              <a:cs typeface="Trebuchet MS"/>
+            </a:endParaRPr>
+          </a:p>
+          <a:p>
+            <a:pPr marL="234950" indent="-234950" fontAlgn="auto">
+              <a:spcAft>
+                <a:spcPts val="0"/>
+              </a:spcAft>
+              <a:buSzPct val="125000"/>
+              <a:buFont typeface="Wingdings" pitchFamily="2" charset="2"/>
+              <a:buNone/>
+              <a:defRPr/>
+            </a:pPr>
+            <a:endParaRPr lang="en-US" sz="2800" b="1" dirty="0" smtClean="0">
+              <a:solidFill>
+                <a:schemeClr val="tx1">
+                  <a:lumMod val="75000"/>
+                  <a:lumOff val="25000"/>
+                </a:schemeClr>
+              </a:solidFill>
+              <a:latin typeface="Trebuchet MS"/>
+              <a:ea typeface="ＭＳ Ｐゴシック" pitchFamily="34" charset="-128"/>
+              <a:cs typeface="Trebuchet MS"/>
+            </a:endParaRPr>
+          </a:p>
+        </p:txBody>
+      </p:sp>
+      <p:sp>
+        <p:nvSpPr>
+          <p:cNvPr id="9" name="Content Placeholder 2"/>
           <p:cNvSpPr>
             <a:spLocks noGrp="1"/>
           </p:cNvSpPr>
@@ -9120,13 +10476,13 @@
         </p:nvSpPr>
         <p:spPr>
           <a:xfrm>
-            <a:off x="457200" y="1164248"/>
-            <a:ext cx="8229600" cy="5422250"/>
+            <a:off x="457200" y="995494"/>
+            <a:ext cx="8229600" cy="5130669"/>
           </a:xfrm>
         </p:spPr>
         <p:txBody>
           <a:bodyPr>
-            <a:normAutofit fontScale="92500" lnSpcReduction="20000"/>
+            <a:normAutofit/>
           </a:bodyPr>
           <a:lstStyle/>
           <a:p>
@@ -9135,89 +10491,24 @@
             </a:pPr>
             <a:r>
               <a:rPr lang="en-US" dirty="0" smtClean="0"/>
-              <a:t>1) Advantages to align representations (EI/NIF/OBI)</a:t>
-            </a:r>
+              <a:t>Service hierarchy defined according to process input and output</a:t>
+            </a:r>
+          </a:p>
+          <a:p>
+            <a:pPr>
+              <a:buNone/>
+            </a:pPr>
+            <a:endParaRPr lang="en-US" dirty="0" smtClean="0"/>
+          </a:p>
+          <a:p>
+            <a:pPr>
+              <a:buNone/>
+            </a:pPr>
+            <a:endParaRPr lang="en-US" dirty="0" smtClean="0"/>
           </a:p>
           <a:p>
             <a:pPr lvl="1">
-              <a:buFontTx/>
-              <a:buChar char="-"/>
-            </a:pPr>
-            <a:r>
-              <a:rPr lang="en-US" dirty="0" smtClean="0"/>
-              <a:t>Same URI facilitate data integration and interoperability</a:t>
-            </a:r>
-          </a:p>
-          <a:p>
-            <a:pPr>
-              <a:buNone/>
-            </a:pPr>
-            <a:r>
-              <a:rPr lang="en-US" dirty="0" smtClean="0"/>
-              <a:t>2) Identified a design pattern for service that the community can reuse</a:t>
-            </a:r>
-          </a:p>
-          <a:p>
-            <a:pPr>
-              <a:buNone/>
-            </a:pPr>
-            <a:r>
-              <a:rPr lang="en-US" dirty="0" smtClean="0"/>
-              <a:t>3) Identified additional requirement for OBI (and reference ontology in general)</a:t>
-            </a:r>
-          </a:p>
-          <a:p>
-            <a:pPr>
-              <a:buNone/>
-            </a:pPr>
-            <a:r>
-              <a:rPr lang="en-US" dirty="0" smtClean="0"/>
-              <a:t>			- shortcut relations</a:t>
-            </a:r>
-          </a:p>
-          <a:p>
-            <a:pPr>
-              <a:buNone/>
-            </a:pPr>
-            <a:r>
-              <a:rPr lang="en-US" dirty="0" smtClean="0"/>
-              <a:t>			- community views</a:t>
-            </a:r>
-          </a:p>
-          <a:p>
-            <a:pPr>
-              <a:buNone/>
-            </a:pPr>
-            <a:endParaRPr lang="en-US" dirty="0" smtClean="0"/>
-          </a:p>
-          <a:p>
-            <a:pPr>
-              <a:buNone/>
-            </a:pPr>
-            <a:r>
-              <a:rPr lang="en-US" sz="2162" dirty="0" smtClean="0"/>
-              <a:t>Note: eagle-I users requirements may want to have a hierarchy based on process type. Still we can </a:t>
-            </a:r>
-            <a:r>
-              <a:rPr lang="en-US" sz="2162" dirty="0" err="1" smtClean="0"/>
-              <a:t>resuse</a:t>
-            </a:r>
-            <a:r>
-              <a:rPr lang="en-US" sz="2162" dirty="0" smtClean="0"/>
-              <a:t> URI and have a different asserted hierarchy</a:t>
-            </a:r>
-          </a:p>
-          <a:p>
-            <a:pPr>
-              <a:buFontTx/>
-              <a:buChar char="-"/>
-            </a:pPr>
-            <a:endParaRPr lang="en-US" dirty="0" smtClean="0"/>
-          </a:p>
-          <a:p>
-            <a:pPr lvl="1">
-              <a:buFontTx/>
-              <a:buChar char="-"/>
+              <a:buNone/>
             </a:pPr>
             <a:endParaRPr lang="en-US" dirty="0" smtClean="0"/>
           </a:p>
@@ -9241,6 +10532,74 @@
           </a:p>
         </p:txBody>
       </p:sp>
+      <p:sp>
+        <p:nvSpPr>
+          <p:cNvPr id="10" name="Title 1"/>
+          <p:cNvSpPr>
+            <a:spLocks noGrp="1"/>
+          </p:cNvSpPr>
+          <p:nvPr>
+            <p:ph type="title" idx="4294967295"/>
+          </p:nvPr>
+        </p:nvSpPr>
+        <p:spPr>
+          <a:xfrm>
+            <a:off x="0" y="-147506"/>
+            <a:ext cx="9144000" cy="1143000"/>
+          </a:xfrm>
+        </p:spPr>
+        <p:txBody>
+          <a:bodyPr>
+            <a:normAutofit/>
+          </a:bodyPr>
+          <a:lstStyle/>
+          <a:p>
+            <a:pPr fontAlgn="auto">
+              <a:spcAft>
+                <a:spcPts val="0"/>
+              </a:spcAft>
+              <a:defRPr/>
+            </a:pPr>
+            <a:r>
+              <a:rPr lang="en-US" b="1" dirty="0" smtClean="0">
+                <a:solidFill>
+                  <a:srgbClr val="800000"/>
+                </a:solidFill>
+                <a:ea typeface="ＭＳ Ｐゴシック" pitchFamily="34" charset="-128"/>
+                <a:cs typeface="Arial Bold" pitchFamily="-106" charset="0"/>
+              </a:rPr>
+              <a:t>Service: hierarchy</a:t>
+            </a:r>
+            <a:endParaRPr lang="en-US" sz="4400" b="1" dirty="0" smtClean="0">
+              <a:solidFill>
+                <a:srgbClr val="800000"/>
+              </a:solidFill>
+              <a:ea typeface="ＭＳ Ｐゴシック" pitchFamily="34" charset="-128"/>
+              <a:cs typeface="Arial Bold" pitchFamily="-106" charset="0"/>
+            </a:endParaRPr>
+          </a:p>
+        </p:txBody>
+      </p:sp>
+      <p:graphicFrame>
+        <p:nvGraphicFramePr>
+          <p:cNvPr id="51203" name="Object 3"/>
+          <p:cNvGraphicFramePr>
+            <a:graphicFrameLocks noChangeAspect="1"/>
+          </p:cNvGraphicFramePr>
+          <p:nvPr/>
+        </p:nvGraphicFramePr>
+        <p:xfrm>
+          <a:off x="1863062" y="2309253"/>
+          <a:ext cx="5486400" cy="3378200"/>
+        </p:xfrm>
+        <a:graphic>
+          <a:graphicData uri="http://schemas.openxmlformats.org/presentationml/2006/ole">
+            <p:oleObj spid="_x0000_s51203" name="Document" r:id="rId6" imgW="5486400" imgH="3378200" progId="Word.Document.12">
+              <p:link updateAutomatic="1"/>
+            </p:oleObj>
+          </a:graphicData>
+        </a:graphic>
+      </p:graphicFrame>
     </p:spTree>
   </p:cSld>
   <p:clrMapOvr>
@@ -9249,7 +10608,7 @@
 </p:sld>
 </file>
 
-<file path=ppt/slides/slide17.xml><?xml version="1.0" encoding="utf-8"?>
+<file path=ppt/slides/slide18.xml><?xml version="1.0" encoding="utf-8"?>
 <p:sld xmlns:a="http://schemas.openxmlformats.org/drawingml/2006/main" xmlns:r="http://schemas.openxmlformats.org/officeDocument/2006/relationships" xmlns:mc="http://schemas.openxmlformats.org/markup-compatibility/2006" xmlns:mv="urn:schemas-microsoft-com:mac:vml" xmlns:p="http://schemas.openxmlformats.org/presentationml/2006/main" mc:Ignorable="mv" mc:PreserveAttributes="mv:*">
   <p:cSld>
     <p:spTree>
@@ -9715,6 +11074,625 @@
                 <a:ea typeface="ＭＳ Ｐゴシック" pitchFamily="34" charset="-128"/>
                 <a:cs typeface="Arial Bold" pitchFamily="-106" charset="0"/>
               </a:rPr>
+              <a:t>Service: advantages</a:t>
+            </a:r>
+            <a:endParaRPr lang="en-US" sz="4400" b="1" dirty="0" smtClean="0">
+              <a:solidFill>
+                <a:srgbClr val="800000"/>
+              </a:solidFill>
+              <a:ea typeface="ＭＳ Ｐゴシック" pitchFamily="34" charset="-128"/>
+              <a:cs typeface="Arial Bold" pitchFamily="-106" charset="0"/>
+            </a:endParaRPr>
+          </a:p>
+        </p:txBody>
+      </p:sp>
+      <p:sp>
+        <p:nvSpPr>
+          <p:cNvPr id="13" name="Content Placeholder 2"/>
+          <p:cNvSpPr>
+            <a:spLocks noGrp="1"/>
+          </p:cNvSpPr>
+          <p:nvPr>
+            <p:ph idx="1"/>
+          </p:nvPr>
+        </p:nvSpPr>
+        <p:spPr>
+          <a:xfrm>
+            <a:off x="457200" y="1164248"/>
+            <a:ext cx="8229600" cy="5422250"/>
+          </a:xfrm>
+        </p:spPr>
+        <p:txBody>
+          <a:bodyPr>
+            <a:normAutofit fontScale="92500" lnSpcReduction="20000"/>
+          </a:bodyPr>
+          <a:lstStyle/>
+          <a:p>
+            <a:pPr>
+              <a:buNone/>
+            </a:pPr>
+            <a:r>
+              <a:rPr lang="en-US" dirty="0" smtClean="0"/>
+              <a:t>1) Advantages to align representations (EI/NIF/OBI)</a:t>
+            </a:r>
+          </a:p>
+          <a:p>
+            <a:pPr lvl="1">
+              <a:buFontTx/>
+              <a:buChar char="-"/>
+            </a:pPr>
+            <a:r>
+              <a:rPr lang="en-US" dirty="0" smtClean="0"/>
+              <a:t>Same URI facilitate data integration and interoperability</a:t>
+            </a:r>
+          </a:p>
+          <a:p>
+            <a:pPr>
+              <a:buNone/>
+            </a:pPr>
+            <a:r>
+              <a:rPr lang="en-US" dirty="0" smtClean="0"/>
+              <a:t>2) Identified a design pattern for service that the community can reuse</a:t>
+            </a:r>
+          </a:p>
+          <a:p>
+            <a:pPr>
+              <a:buNone/>
+            </a:pPr>
+            <a:r>
+              <a:rPr lang="en-US" dirty="0" smtClean="0"/>
+              <a:t>3) Identified additional requirement for OBI (and reference ontology in general)</a:t>
+            </a:r>
+          </a:p>
+          <a:p>
+            <a:pPr>
+              <a:buNone/>
+            </a:pPr>
+            <a:r>
+              <a:rPr lang="en-US" dirty="0" smtClean="0"/>
+              <a:t>			- shortcut relations</a:t>
+            </a:r>
+          </a:p>
+          <a:p>
+            <a:pPr>
+              <a:buNone/>
+            </a:pPr>
+            <a:r>
+              <a:rPr lang="en-US" dirty="0" smtClean="0"/>
+              <a:t>			- community views</a:t>
+            </a:r>
+          </a:p>
+          <a:p>
+            <a:pPr>
+              <a:buNone/>
+            </a:pPr>
+            <a:endParaRPr lang="en-US" dirty="0" smtClean="0"/>
+          </a:p>
+          <a:p>
+            <a:pPr>
+              <a:buNone/>
+            </a:pPr>
+            <a:r>
+              <a:rPr lang="en-US" sz="2162" dirty="0" smtClean="0"/>
+              <a:t>Note: eagle-I users requirements may want to have a hierarchy based on process type. Still we can </a:t>
+            </a:r>
+            <a:r>
+              <a:rPr lang="en-US" sz="2162" dirty="0" err="1" smtClean="0"/>
+              <a:t>resuse</a:t>
+            </a:r>
+            <a:r>
+              <a:rPr lang="en-US" sz="2162" dirty="0" smtClean="0"/>
+              <a:t> URI and have a different asserted hierarchy</a:t>
+            </a:r>
+          </a:p>
+          <a:p>
+            <a:pPr>
+              <a:buFontTx/>
+              <a:buChar char="-"/>
+            </a:pPr>
+            <a:endParaRPr lang="en-US" dirty="0" smtClean="0"/>
+          </a:p>
+          <a:p>
+            <a:pPr lvl="1">
+              <a:buFontTx/>
+              <a:buChar char="-"/>
+            </a:pPr>
+            <a:endParaRPr lang="en-US" dirty="0" smtClean="0"/>
+          </a:p>
+          <a:p>
+            <a:pPr lvl="3">
+              <a:buNone/>
+            </a:pPr>
+            <a:endParaRPr lang="en-US" dirty="0" smtClean="0"/>
+          </a:p>
+          <a:p>
+            <a:pPr lvl="1">
+              <a:buNone/>
+            </a:pPr>
+            <a:endParaRPr lang="en-US" dirty="0" smtClean="0"/>
+          </a:p>
+          <a:p>
+            <a:pPr lvl="1">
+              <a:buNone/>
+            </a:pPr>
+            <a:endParaRPr lang="en-US" dirty="0" smtClean="0"/>
+          </a:p>
+        </p:txBody>
+      </p:sp>
+    </p:spTree>
+  </p:cSld>
+  <p:clrMapOvr>
+    <a:masterClrMapping/>
+  </p:clrMapOvr>
+</p:sld>
+</file>
+
+<file path=ppt/slides/slide19.xml><?xml version="1.0" encoding="utf-8"?>
+<p:sld xmlns:a="http://schemas.openxmlformats.org/drawingml/2006/main" xmlns:r="http://schemas.openxmlformats.org/officeDocument/2006/relationships" xmlns:mc="http://schemas.openxmlformats.org/markup-compatibility/2006" xmlns:mv="urn:schemas-microsoft-com:mac:vml" xmlns:p="http://schemas.openxmlformats.org/presentationml/2006/main" mc:Ignorable="mv" mc:PreserveAttributes="mv:*">
+  <p:cSld>
+    <p:spTree>
+      <p:nvGrpSpPr>
+        <p:cNvPr id="1" name=""/>
+        <p:cNvGrpSpPr/>
+        <p:nvPr/>
+      </p:nvGrpSpPr>
+      <p:grpSpPr>
+        <a:xfrm>
+          <a:off x="0" y="0"/>
+          <a:ext cx="0" cy="0"/>
+          <a:chOff x="0" y="0"/>
+          <a:chExt cx="0" cy="0"/>
+        </a:xfrm>
+      </p:grpSpPr>
+      <p:pic>
+        <p:nvPicPr>
+          <p:cNvPr id="5" name="Picture 2" descr="H:\Eagle-i\Office\OHSU Library Logo.transparent.tif"/>
+          <p:cNvPicPr>
+            <a:picLocks noChangeAspect="1" noChangeArrowheads="1"/>
+          </p:cNvPicPr>
+          <p:nvPr/>
+        </p:nvPicPr>
+        <p:blipFill>
+          <a:blip r:embed="rId3"/>
+          <a:srcRect/>
+          <a:stretch>
+            <a:fillRect/>
+          </a:stretch>
+        </p:blipFill>
+        <p:spPr bwMode="auto">
+          <a:xfrm>
+            <a:off x="8305800" y="6122988"/>
+            <a:ext cx="882650" cy="735012"/>
+          </a:xfrm>
+          <a:prstGeom prst="rect">
+            <a:avLst/>
+          </a:prstGeom>
+          <a:noFill/>
+          <a:ln w="9525">
+            <a:noFill/>
+            <a:miter lim="800000"/>
+            <a:headEnd/>
+            <a:tailEnd/>
+          </a:ln>
+        </p:spPr>
+      </p:pic>
+      <p:grpSp>
+        <p:nvGrpSpPr>
+          <p:cNvPr id="2" name="Group 8"/>
+          <p:cNvGrpSpPr>
+            <a:grpSpLocks/>
+          </p:cNvGrpSpPr>
+          <p:nvPr/>
+        </p:nvGrpSpPr>
+        <p:grpSpPr bwMode="auto">
+          <a:xfrm>
+            <a:off x="115888" y="6183313"/>
+            <a:ext cx="2011362" cy="649287"/>
+            <a:chOff x="696913" y="6069621"/>
+            <a:chExt cx="2011616" cy="649602"/>
+          </a:xfrm>
+        </p:grpSpPr>
+        <p:sp>
+          <p:nvSpPr>
+            <p:cNvPr id="7" name="TextBox 4"/>
+            <p:cNvSpPr txBox="1">
+              <a:spLocks noChangeArrowheads="1"/>
+            </p:cNvSpPr>
+            <p:nvPr/>
+          </p:nvSpPr>
+          <p:spPr bwMode="auto">
+            <a:xfrm>
+              <a:off x="1470916" y="6473002"/>
+              <a:ext cx="1237613" cy="246221"/>
+            </a:xfrm>
+            <a:prstGeom prst="rect">
+              <a:avLst/>
+            </a:prstGeom>
+            <a:noFill/>
+            <a:ln w="9525">
+              <a:noFill/>
+              <a:miter lim="800000"/>
+              <a:headEnd/>
+              <a:tailEnd/>
+            </a:ln>
+          </p:spPr>
+          <p:txBody>
+            <a:bodyPr>
+              <a:prstTxWarp prst="textNoShape">
+                <a:avLst/>
+              </a:prstTxWarp>
+              <a:spAutoFit/>
+            </a:bodyPr>
+            <a:lstStyle/>
+            <a:p>
+              <a:r>
+                <a:rPr lang="en-US" sz="1000" b="1">
+                  <a:latin typeface="Corbel" charset="0"/>
+                </a:rPr>
+                <a:t>c o n s o r t i u m</a:t>
+              </a:r>
+            </a:p>
+          </p:txBody>
+        </p:sp>
+        <p:pic>
+          <p:nvPicPr>
+            <p:cNvPr id="8" name="Picture 6" descr="C:\Documents and Settings\rgg9\Desktop\eagle-i\Images\U24_Logos\EI_Logo_Final_BW.png"/>
+            <p:cNvPicPr>
+              <a:picLocks noChangeAspect="1" noChangeArrowheads="1"/>
+            </p:cNvPicPr>
+            <p:nvPr/>
+          </p:nvPicPr>
+          <p:blipFill>
+            <a:blip r:embed="rId4"/>
+            <a:srcRect/>
+            <a:stretch>
+              <a:fillRect/>
+            </a:stretch>
+          </p:blipFill>
+          <p:spPr bwMode="auto">
+            <a:xfrm>
+              <a:off x="696913" y="6069621"/>
+              <a:ext cx="1747395" cy="605925"/>
+            </a:xfrm>
+            <a:prstGeom prst="rect">
+              <a:avLst/>
+            </a:prstGeom>
+            <a:noFill/>
+            <a:ln w="9525">
+              <a:noFill/>
+              <a:miter lim="800000"/>
+              <a:headEnd/>
+              <a:tailEnd/>
+            </a:ln>
+          </p:spPr>
+        </p:pic>
+      </p:grpSp>
+      <p:sp>
+        <p:nvSpPr>
+          <p:cNvPr id="14" name="Content Placeholder 2"/>
+          <p:cNvSpPr>
+            <a:spLocks noGrp="1"/>
+          </p:cNvSpPr>
+          <p:nvPr/>
+        </p:nvSpPr>
+        <p:spPr>
+          <a:xfrm>
+            <a:off x="472959" y="1758647"/>
+            <a:ext cx="8209387" cy="4525963"/>
+          </a:xfrm>
+          <a:prstGeom prst="rect">
+            <a:avLst/>
+          </a:prstGeom>
+          <a:effectLst/>
+        </p:spPr>
+        <p:txBody>
+          <a:bodyPr anchor="ctr">
+            <a:scene3d>
+              <a:camera prst="orthographicFront"/>
+              <a:lightRig rig="chilly" dir="t"/>
+            </a:scene3d>
+            <a:sp3d extrusionH="6350">
+              <a:extrusionClr>
+                <a:schemeClr val="bg1"/>
+              </a:extrusionClr>
+            </a:sp3d>
+          </a:bodyPr>
+          <a:lstStyle>
+            <a:lvl1pPr marL="342900" indent="-342900" algn="l" defTabSz="914400" rtl="0" eaLnBrk="1" latinLnBrk="0" hangingPunct="1">
+              <a:spcBef>
+                <a:spcPts val="2000"/>
+              </a:spcBef>
+              <a:buSzPct val="80000"/>
+              <a:buFont typeface="Wingdings" pitchFamily="2" charset="2"/>
+              <a:buChar char="l"/>
+              <a:defRPr sz="2400" kern="1200">
+                <a:gradFill>
+                  <a:gsLst>
+                    <a:gs pos="50000">
+                      <a:schemeClr val="tx1">
+                        <a:lumMod val="65000"/>
+                        <a:lumOff val="35000"/>
+                      </a:schemeClr>
+                    </a:gs>
+                    <a:gs pos="100000">
+                      <a:schemeClr val="tx1">
+                        <a:lumMod val="85000"/>
+                        <a:lumOff val="15000"/>
+                      </a:schemeClr>
+                    </a:gs>
+                  </a:gsLst>
+                  <a:lin ang="5400000" scaled="0"/>
+                </a:gradFill>
+                <a:effectLst/>
+                <a:latin typeface="+mn-lt"/>
+                <a:ea typeface="+mn-ea"/>
+                <a:cs typeface="+mn-cs"/>
+              </a:defRPr>
+            </a:lvl1pPr>
+            <a:lvl2pPr marL="685800" indent="-336550" algn="l" defTabSz="914400" rtl="0" eaLnBrk="1" latinLnBrk="0" hangingPunct="1">
+              <a:spcBef>
+                <a:spcPct val="20000"/>
+              </a:spcBef>
+              <a:buSzPct val="80000"/>
+              <a:buFont typeface="Wingdings" pitchFamily="2" charset="2"/>
+              <a:buChar char="l"/>
+              <a:defRPr sz="2200" kern="1200">
+                <a:gradFill>
+                  <a:gsLst>
+                    <a:gs pos="50000">
+                      <a:schemeClr val="tx1">
+                        <a:lumMod val="65000"/>
+                        <a:lumOff val="35000"/>
+                      </a:schemeClr>
+                    </a:gs>
+                    <a:gs pos="100000">
+                      <a:schemeClr val="tx1">
+                        <a:lumMod val="85000"/>
+                        <a:lumOff val="15000"/>
+                      </a:schemeClr>
+                    </a:gs>
+                  </a:gsLst>
+                  <a:lin ang="5400000" scaled="0"/>
+                </a:gradFill>
+                <a:effectLst/>
+                <a:latin typeface="+mn-lt"/>
+                <a:ea typeface="+mn-ea"/>
+                <a:cs typeface="+mn-cs"/>
+              </a:defRPr>
+            </a:lvl2pPr>
+            <a:lvl3pPr marL="1035050" indent="-349250" algn="l" defTabSz="914400" rtl="0" eaLnBrk="1" latinLnBrk="0" hangingPunct="1">
+              <a:spcBef>
+                <a:spcPct val="20000"/>
+              </a:spcBef>
+              <a:buSzPct val="80000"/>
+              <a:buFont typeface="Wingdings" pitchFamily="2" charset="2"/>
+              <a:buChar char="l"/>
+              <a:defRPr sz="2000" kern="1200">
+                <a:gradFill>
+                  <a:gsLst>
+                    <a:gs pos="50000">
+                      <a:schemeClr val="tx1">
+                        <a:lumMod val="65000"/>
+                        <a:lumOff val="35000"/>
+                      </a:schemeClr>
+                    </a:gs>
+                    <a:gs pos="100000">
+                      <a:schemeClr val="tx1">
+                        <a:lumMod val="85000"/>
+                        <a:lumOff val="15000"/>
+                      </a:schemeClr>
+                    </a:gs>
+                  </a:gsLst>
+                  <a:lin ang="5400000" scaled="0"/>
+                </a:gradFill>
+                <a:effectLst/>
+                <a:latin typeface="+mn-lt"/>
+                <a:ea typeface="+mn-ea"/>
+                <a:cs typeface="+mn-cs"/>
+              </a:defRPr>
+            </a:lvl3pPr>
+            <a:lvl4pPr marL="1371600" indent="-336550" algn="l" defTabSz="914400" rtl="0" eaLnBrk="1" latinLnBrk="0" hangingPunct="1">
+              <a:spcBef>
+                <a:spcPct val="20000"/>
+              </a:spcBef>
+              <a:buSzPct val="80000"/>
+              <a:buFont typeface="Wingdings" pitchFamily="2" charset="2"/>
+              <a:buChar char="l"/>
+              <a:defRPr sz="1800" kern="1200">
+                <a:gradFill>
+                  <a:gsLst>
+                    <a:gs pos="50000">
+                      <a:schemeClr val="tx1">
+                        <a:lumMod val="65000"/>
+                        <a:lumOff val="35000"/>
+                      </a:schemeClr>
+                    </a:gs>
+                    <a:gs pos="100000">
+                      <a:schemeClr val="tx1">
+                        <a:lumMod val="85000"/>
+                        <a:lumOff val="15000"/>
+                      </a:schemeClr>
+                    </a:gs>
+                  </a:gsLst>
+                  <a:lin ang="5400000" scaled="0"/>
+                </a:gradFill>
+                <a:effectLst/>
+                <a:latin typeface="+mn-lt"/>
+                <a:ea typeface="+mn-ea"/>
+                <a:cs typeface="+mn-cs"/>
+              </a:defRPr>
+            </a:lvl4pPr>
+            <a:lvl5pPr marL="1720850" indent="-349250" algn="l" defTabSz="914400" rtl="0" eaLnBrk="1" latinLnBrk="0" hangingPunct="1">
+              <a:spcBef>
+                <a:spcPct val="20000"/>
+              </a:spcBef>
+              <a:buSzPct val="80000"/>
+              <a:buFont typeface="Wingdings" pitchFamily="2" charset="2"/>
+              <a:buChar char="l"/>
+              <a:defRPr sz="1800" kern="1200">
+                <a:gradFill>
+                  <a:gsLst>
+                    <a:gs pos="50000">
+                      <a:schemeClr val="tx1">
+                        <a:lumMod val="65000"/>
+                        <a:lumOff val="35000"/>
+                      </a:schemeClr>
+                    </a:gs>
+                    <a:gs pos="100000">
+                      <a:schemeClr val="tx1">
+                        <a:lumMod val="85000"/>
+                        <a:lumOff val="15000"/>
+                      </a:schemeClr>
+                    </a:gs>
+                  </a:gsLst>
+                  <a:lin ang="5400000" scaled="0"/>
+                </a:gradFill>
+                <a:effectLst/>
+                <a:latin typeface="+mn-lt"/>
+                <a:ea typeface="+mn-ea"/>
+                <a:cs typeface="+mn-cs"/>
+              </a:defRPr>
+            </a:lvl5pPr>
+            <a:lvl6pPr marL="2514600" indent="-228600" algn="l" defTabSz="914400" rtl="0" eaLnBrk="1" latinLnBrk="0" hangingPunct="1">
+              <a:spcBef>
+                <a:spcPct val="20000"/>
+              </a:spcBef>
+              <a:buFont typeface="Arial" pitchFamily="34" charset="0"/>
+              <a:buChar char="•"/>
+              <a:defRPr sz="2000" kern="1200">
+                <a:solidFill>
+                  <a:schemeClr val="tx1"/>
+                </a:solidFill>
+                <a:latin typeface="+mn-lt"/>
+                <a:ea typeface="+mn-ea"/>
+                <a:cs typeface="+mn-cs"/>
+              </a:defRPr>
+            </a:lvl6pPr>
+            <a:lvl7pPr marL="2971800" indent="-228600" algn="l" defTabSz="914400" rtl="0" eaLnBrk="1" latinLnBrk="0" hangingPunct="1">
+              <a:spcBef>
+                <a:spcPct val="20000"/>
+              </a:spcBef>
+              <a:buFont typeface="Arial" pitchFamily="34" charset="0"/>
+              <a:buChar char="•"/>
+              <a:defRPr sz="2000" kern="1200">
+                <a:solidFill>
+                  <a:schemeClr val="tx1"/>
+                </a:solidFill>
+                <a:latin typeface="+mn-lt"/>
+                <a:ea typeface="+mn-ea"/>
+                <a:cs typeface="+mn-cs"/>
+              </a:defRPr>
+            </a:lvl7pPr>
+            <a:lvl8pPr marL="3429000" indent="-228600" algn="l" defTabSz="914400" rtl="0" eaLnBrk="1" latinLnBrk="0" hangingPunct="1">
+              <a:spcBef>
+                <a:spcPct val="20000"/>
+              </a:spcBef>
+              <a:buFont typeface="Arial" pitchFamily="34" charset="0"/>
+              <a:buChar char="•"/>
+              <a:defRPr sz="2000" kern="1200">
+                <a:solidFill>
+                  <a:schemeClr val="tx1"/>
+                </a:solidFill>
+                <a:latin typeface="+mn-lt"/>
+                <a:ea typeface="+mn-ea"/>
+                <a:cs typeface="+mn-cs"/>
+              </a:defRPr>
+            </a:lvl8pPr>
+            <a:lvl9pPr marL="3886200" indent="-228600" algn="l" defTabSz="914400" rtl="0" eaLnBrk="1" latinLnBrk="0" hangingPunct="1">
+              <a:spcBef>
+                <a:spcPct val="20000"/>
+              </a:spcBef>
+              <a:buFont typeface="Arial" pitchFamily="34" charset="0"/>
+              <a:buChar char="•"/>
+              <a:defRPr sz="2000" kern="1200">
+                <a:solidFill>
+                  <a:schemeClr val="tx1"/>
+                </a:solidFill>
+                <a:latin typeface="+mn-lt"/>
+                <a:ea typeface="+mn-ea"/>
+                <a:cs typeface="+mn-cs"/>
+              </a:defRPr>
+            </a:lvl9pPr>
+          </a:lstStyle>
+          <a:p>
+            <a:pPr marL="234950" indent="-234950" fontAlgn="auto">
+              <a:spcAft>
+                <a:spcPts val="0"/>
+              </a:spcAft>
+              <a:buSzPct val="125000"/>
+              <a:buFont typeface="Wingdings" pitchFamily="2" charset="2"/>
+              <a:buNone/>
+              <a:defRPr/>
+            </a:pPr>
+            <a:endParaRPr lang="en-US" sz="2600" i="1" dirty="0" smtClean="0">
+              <a:solidFill>
+                <a:schemeClr val="tx1"/>
+              </a:solidFill>
+              <a:latin typeface="Trebuchet MS"/>
+              <a:ea typeface="ＭＳ Ｐゴシック" pitchFamily="34" charset="-128"/>
+              <a:cs typeface="Trebuchet MS"/>
+            </a:endParaRPr>
+          </a:p>
+          <a:p>
+            <a:pPr marL="234950" indent="-234950" fontAlgn="auto">
+              <a:spcAft>
+                <a:spcPts val="0"/>
+              </a:spcAft>
+              <a:buSzPct val="125000"/>
+              <a:buFont typeface="Wingdings" pitchFamily="2" charset="2"/>
+              <a:buNone/>
+              <a:defRPr/>
+            </a:pPr>
+            <a:endParaRPr lang="en-US" sz="2800" b="1" dirty="0" smtClean="0">
+              <a:solidFill>
+                <a:schemeClr val="tx1">
+                  <a:lumMod val="75000"/>
+                  <a:lumOff val="25000"/>
+                </a:schemeClr>
+              </a:solidFill>
+              <a:latin typeface="Trebuchet MS"/>
+              <a:ea typeface="ＭＳ Ｐゴシック" pitchFamily="34" charset="-128"/>
+              <a:cs typeface="Trebuchet MS"/>
+            </a:endParaRPr>
+          </a:p>
+        </p:txBody>
+      </p:sp>
+      <p:sp>
+        <p:nvSpPr>
+          <p:cNvPr id="10" name="Title 1"/>
+          <p:cNvSpPr>
+            <a:spLocks noGrp="1"/>
+          </p:cNvSpPr>
+          <p:nvPr>
+            <p:ph type="title" idx="4294967295"/>
+          </p:nvPr>
+        </p:nvSpPr>
+        <p:spPr>
+          <a:xfrm>
+            <a:off x="0" y="-147506"/>
+            <a:ext cx="9144000" cy="1143000"/>
+          </a:xfrm>
+        </p:spPr>
+        <p:txBody>
+          <a:bodyPr>
+            <a:normAutofit/>
+          </a:bodyPr>
+          <a:lstStyle/>
+          <a:p>
+            <a:pPr fontAlgn="auto">
+              <a:spcAft>
+                <a:spcPts val="0"/>
+              </a:spcAft>
+              <a:defRPr/>
+            </a:pPr>
+            <a:r>
+              <a:rPr lang="en-US" b="1" dirty="0" smtClean="0">
+                <a:solidFill>
+                  <a:srgbClr val="800000"/>
+                </a:solidFill>
+                <a:ea typeface="ＭＳ Ｐゴシック" pitchFamily="34" charset="-128"/>
+                <a:cs typeface="Arial Bold" pitchFamily="-106" charset="0"/>
+              </a:rPr>
               <a:t>Summary</a:t>
             </a:r>
             <a:endParaRPr lang="en-US" sz="4400" b="1" dirty="0" smtClean="0">
@@ -9855,7 +11833,806 @@
 </p:sld>
 </file>
 
-<file path=ppt/slides/slide18.xml><?xml version="1.0" encoding="utf-8"?>
+<file path=ppt/slides/slide2.xml><?xml version="1.0" encoding="utf-8"?>
+<p:sld xmlns:a="http://schemas.openxmlformats.org/drawingml/2006/main" xmlns:r="http://schemas.openxmlformats.org/officeDocument/2006/relationships" xmlns:mc="http://schemas.openxmlformats.org/markup-compatibility/2006" xmlns:mv="urn:schemas-microsoft-com:mac:vml" xmlns:p="http://schemas.openxmlformats.org/presentationml/2006/main" mc:Ignorable="mv" mc:PreserveAttributes="mv:*">
+  <p:cSld>
+    <p:spTree>
+      <p:nvGrpSpPr>
+        <p:cNvPr id="1" name=""/>
+        <p:cNvGrpSpPr/>
+        <p:nvPr/>
+      </p:nvGrpSpPr>
+      <p:grpSpPr>
+        <a:xfrm>
+          <a:off x="0" y="0"/>
+          <a:ext cx="0" cy="0"/>
+          <a:chOff x="0" y="0"/>
+          <a:chExt cx="0" cy="0"/>
+        </a:xfrm>
+      </p:grpSpPr>
+      <p:sp>
+        <p:nvSpPr>
+          <p:cNvPr id="4" name="Title 1"/>
+          <p:cNvSpPr>
+            <a:spLocks noGrp="1"/>
+          </p:cNvSpPr>
+          <p:nvPr>
+            <p:ph type="title" idx="4294967295"/>
+          </p:nvPr>
+        </p:nvSpPr>
+        <p:spPr>
+          <a:xfrm>
+            <a:off x="0" y="-147506"/>
+            <a:ext cx="9144000" cy="1143000"/>
+          </a:xfrm>
+        </p:spPr>
+        <p:txBody>
+          <a:bodyPr>
+            <a:normAutofit/>
+          </a:bodyPr>
+          <a:lstStyle/>
+          <a:p>
+            <a:pPr fontAlgn="auto">
+              <a:spcAft>
+                <a:spcPts val="0"/>
+              </a:spcAft>
+              <a:defRPr/>
+            </a:pPr>
+            <a:r>
+              <a:rPr lang="en-US" b="1" dirty="0" smtClean="0">
+                <a:solidFill>
+                  <a:srgbClr val="800000"/>
+                </a:solidFill>
+                <a:ea typeface="ＭＳ Ｐゴシック" pitchFamily="34" charset="-128"/>
+                <a:cs typeface="Arial Bold" pitchFamily="-106" charset="0"/>
+              </a:rPr>
+              <a:t>eagle-</a:t>
+            </a:r>
+            <a:r>
+              <a:rPr lang="en-US" b="1" dirty="0" err="1" smtClean="0">
+                <a:solidFill>
+                  <a:srgbClr val="800000"/>
+                </a:solidFill>
+                <a:ea typeface="ＭＳ Ｐゴシック" pitchFamily="34" charset="-128"/>
+                <a:cs typeface="Arial Bold" pitchFamily="-106" charset="0"/>
+              </a:rPr>
+              <a:t>i</a:t>
+            </a:r>
+            <a:endParaRPr lang="en-US" sz="4400" b="1" dirty="0" smtClean="0">
+              <a:solidFill>
+                <a:srgbClr val="800000"/>
+              </a:solidFill>
+              <a:ea typeface="ＭＳ Ｐゴシック" pitchFamily="34" charset="-128"/>
+              <a:cs typeface="Arial Bold" pitchFamily="-106" charset="0"/>
+            </a:endParaRPr>
+          </a:p>
+        </p:txBody>
+      </p:sp>
+      <p:pic>
+        <p:nvPicPr>
+          <p:cNvPr id="5" name="Picture 2" descr="H:\Eagle-i\Office\OHSU Library Logo.transparent.tif"/>
+          <p:cNvPicPr>
+            <a:picLocks noChangeAspect="1" noChangeArrowheads="1"/>
+          </p:cNvPicPr>
+          <p:nvPr/>
+        </p:nvPicPr>
+        <p:blipFill>
+          <a:blip r:embed="rId2"/>
+          <a:srcRect/>
+          <a:stretch>
+            <a:fillRect/>
+          </a:stretch>
+        </p:blipFill>
+        <p:spPr bwMode="auto">
+          <a:xfrm>
+            <a:off x="8305800" y="6122988"/>
+            <a:ext cx="882650" cy="735012"/>
+          </a:xfrm>
+          <a:prstGeom prst="rect">
+            <a:avLst/>
+          </a:prstGeom>
+          <a:noFill/>
+          <a:ln w="9525">
+            <a:noFill/>
+            <a:miter lim="800000"/>
+            <a:headEnd/>
+            <a:tailEnd/>
+          </a:ln>
+        </p:spPr>
+      </p:pic>
+      <p:grpSp>
+        <p:nvGrpSpPr>
+          <p:cNvPr id="2" name="Group 8"/>
+          <p:cNvGrpSpPr>
+            <a:grpSpLocks/>
+          </p:cNvGrpSpPr>
+          <p:nvPr/>
+        </p:nvGrpSpPr>
+        <p:grpSpPr bwMode="auto">
+          <a:xfrm>
+            <a:off x="115888" y="6183313"/>
+            <a:ext cx="2011362" cy="649287"/>
+            <a:chOff x="696913" y="6069621"/>
+            <a:chExt cx="2011616" cy="649602"/>
+          </a:xfrm>
+        </p:grpSpPr>
+        <p:sp>
+          <p:nvSpPr>
+            <p:cNvPr id="7" name="TextBox 4"/>
+            <p:cNvSpPr txBox="1">
+              <a:spLocks noChangeArrowheads="1"/>
+            </p:cNvSpPr>
+            <p:nvPr/>
+          </p:nvSpPr>
+          <p:spPr bwMode="auto">
+            <a:xfrm>
+              <a:off x="1470916" y="6473002"/>
+              <a:ext cx="1237613" cy="246221"/>
+            </a:xfrm>
+            <a:prstGeom prst="rect">
+              <a:avLst/>
+            </a:prstGeom>
+            <a:noFill/>
+            <a:ln w="9525">
+              <a:noFill/>
+              <a:miter lim="800000"/>
+              <a:headEnd/>
+              <a:tailEnd/>
+            </a:ln>
+          </p:spPr>
+          <p:txBody>
+            <a:bodyPr>
+              <a:prstTxWarp prst="textNoShape">
+                <a:avLst/>
+              </a:prstTxWarp>
+              <a:spAutoFit/>
+            </a:bodyPr>
+            <a:lstStyle/>
+            <a:p>
+              <a:r>
+                <a:rPr lang="en-US" sz="1000" b="1">
+                  <a:latin typeface="Corbel" charset="0"/>
+                </a:rPr>
+                <a:t>c o n s o r t i u m</a:t>
+              </a:r>
+            </a:p>
+          </p:txBody>
+        </p:sp>
+        <p:pic>
+          <p:nvPicPr>
+            <p:cNvPr id="8" name="Picture 6" descr="C:\Documents and Settings\rgg9\Desktop\eagle-i\Images\U24_Logos\EI_Logo_Final_BW.png"/>
+            <p:cNvPicPr>
+              <a:picLocks noChangeAspect="1" noChangeArrowheads="1"/>
+            </p:cNvPicPr>
+            <p:nvPr/>
+          </p:nvPicPr>
+          <p:blipFill>
+            <a:blip r:embed="rId3"/>
+            <a:srcRect/>
+            <a:stretch>
+              <a:fillRect/>
+            </a:stretch>
+          </p:blipFill>
+          <p:spPr bwMode="auto">
+            <a:xfrm>
+              <a:off x="696913" y="6069621"/>
+              <a:ext cx="1747395" cy="605925"/>
+            </a:xfrm>
+            <a:prstGeom prst="rect">
+              <a:avLst/>
+            </a:prstGeom>
+            <a:noFill/>
+            <a:ln w="9525">
+              <a:noFill/>
+              <a:miter lim="800000"/>
+              <a:headEnd/>
+              <a:tailEnd/>
+            </a:ln>
+          </p:spPr>
+        </p:pic>
+      </p:grpSp>
+      <p:sp>
+        <p:nvSpPr>
+          <p:cNvPr id="9" name="TextBox 8"/>
+          <p:cNvSpPr txBox="1"/>
+          <p:nvPr/>
+        </p:nvSpPr>
+        <p:spPr>
+          <a:xfrm>
+            <a:off x="343697" y="821855"/>
+            <a:ext cx="8547100" cy="1107996"/>
+          </a:xfrm>
+          <a:prstGeom prst="rect">
+            <a:avLst/>
+          </a:prstGeom>
+          <a:noFill/>
+        </p:spPr>
+        <p:txBody>
+          <a:bodyPr>
+            <a:spAutoFit/>
+          </a:bodyPr>
+          <a:lstStyle/>
+          <a:p>
+            <a:pPr fontAlgn="auto">
+              <a:spcBef>
+                <a:spcPts val="0"/>
+              </a:spcBef>
+              <a:spcAft>
+                <a:spcPts val="0"/>
+              </a:spcAft>
+              <a:buSzPct val="125000"/>
+              <a:defRPr/>
+            </a:pPr>
+            <a:r>
+              <a:rPr lang="en-US" sz="2200" b="1" dirty="0" smtClean="0">
+                <a:solidFill>
+                  <a:srgbClr val="000000"/>
+                </a:solidFill>
+                <a:latin typeface="Trebuchet MS" pitchFamily="34" charset="0"/>
+                <a:cs typeface="Arial" charset="0"/>
+              </a:rPr>
+              <a:t>NIH </a:t>
+            </a:r>
+            <a:r>
+              <a:rPr lang="en-US" sz="2200" b="1" dirty="0">
+                <a:solidFill>
+                  <a:srgbClr val="000000"/>
+                </a:solidFill>
+                <a:latin typeface="Trebuchet MS" pitchFamily="34" charset="0"/>
+                <a:cs typeface="Arial" charset="0"/>
+              </a:rPr>
+              <a:t>funded 2-year pilot project working to make scientific research resources more visible via a federated network of nine institutional repositories</a:t>
+            </a:r>
+            <a:endParaRPr lang="en-US" sz="2200" b="1" dirty="0">
+              <a:solidFill>
+                <a:srgbClr val="000000"/>
+              </a:solidFill>
+              <a:latin typeface="Trebuchet MS" pitchFamily="34" charset="0"/>
+              <a:ea typeface="+mn-ea"/>
+              <a:cs typeface="Arial" charset="0"/>
+            </a:endParaRPr>
+          </a:p>
+        </p:txBody>
+      </p:sp>
+      <p:pic>
+        <p:nvPicPr>
+          <p:cNvPr id="10" name="Picture 9" descr="U24_USAmap"/>
+          <p:cNvPicPr>
+            <a:picLocks noChangeAspect="1" noChangeArrowheads="1"/>
+          </p:cNvPicPr>
+          <p:nvPr/>
+        </p:nvPicPr>
+        <p:blipFill>
+          <a:blip r:embed="rId4"/>
+          <a:srcRect/>
+          <a:stretch>
+            <a:fillRect/>
+          </a:stretch>
+        </p:blipFill>
+        <p:spPr bwMode="auto">
+          <a:xfrm>
+            <a:off x="4763916" y="2415823"/>
+            <a:ext cx="4267193" cy="2825994"/>
+          </a:xfrm>
+          <a:prstGeom prst="rect">
+            <a:avLst/>
+          </a:prstGeom>
+          <a:noFill/>
+          <a:ln w="9525">
+            <a:noFill/>
+            <a:miter lim="800000"/>
+            <a:headEnd/>
+            <a:tailEnd/>
+          </a:ln>
+        </p:spPr>
+      </p:pic>
+      <p:sp>
+        <p:nvSpPr>
+          <p:cNvPr id="11" name="TextBox 10"/>
+          <p:cNvSpPr txBox="1"/>
+          <p:nvPr/>
+        </p:nvSpPr>
+        <p:spPr>
+          <a:xfrm>
+            <a:off x="582552" y="1605390"/>
+            <a:ext cx="4630095" cy="5601533"/>
+          </a:xfrm>
+          <a:prstGeom prst="rect">
+            <a:avLst/>
+          </a:prstGeom>
+          <a:noFill/>
+        </p:spPr>
+        <p:txBody>
+          <a:bodyPr wrap="square" rtlCol="0">
+            <a:spAutoFit/>
+          </a:bodyPr>
+          <a:lstStyle/>
+          <a:p>
+            <a:pPr marL="120650" indent="-120650" fontAlgn="auto">
+              <a:spcBef>
+                <a:spcPts val="0"/>
+              </a:spcBef>
+              <a:spcAft>
+                <a:spcPts val="0"/>
+              </a:spcAft>
+              <a:buSzPct val="125000"/>
+              <a:defRPr/>
+            </a:pPr>
+            <a:endParaRPr lang="en-US" sz="2000" b="1" dirty="0">
+              <a:solidFill>
+                <a:schemeClr val="tx1">
+                  <a:lumMod val="75000"/>
+                  <a:lumOff val="25000"/>
+                </a:schemeClr>
+              </a:solidFill>
+              <a:latin typeface="Trebuchet MS" pitchFamily="34" charset="0"/>
+              <a:ea typeface="ＭＳ Ｐゴシック" pitchFamily="34" charset="-128"/>
+              <a:cs typeface="Arial" charset="0"/>
+            </a:endParaRPr>
+          </a:p>
+          <a:p>
+            <a:pPr marL="120650" indent="-120650" fontAlgn="auto">
+              <a:spcBef>
+                <a:spcPts val="0"/>
+              </a:spcBef>
+              <a:spcAft>
+                <a:spcPts val="0"/>
+              </a:spcAft>
+              <a:buSzPct val="125000"/>
+              <a:buFont typeface="Wingdings" charset="2"/>
+              <a:buChar char="§"/>
+              <a:defRPr/>
+            </a:pPr>
+            <a:r>
+              <a:rPr lang="en-US" sz="2000" b="1" dirty="0">
+                <a:solidFill>
+                  <a:schemeClr val="tx1">
+                    <a:lumMod val="75000"/>
+                    <a:lumOff val="25000"/>
+                  </a:schemeClr>
+                </a:solidFill>
+                <a:latin typeface="Trebuchet MS" pitchFamily="34" charset="0"/>
+                <a:ea typeface="ＭＳ Ｐゴシック" pitchFamily="34" charset="-128"/>
+                <a:cs typeface="Arial" charset="0"/>
+              </a:rPr>
+              <a:t> </a:t>
+            </a:r>
+            <a:r>
+              <a:rPr lang="en-US" sz="1900" b="1" dirty="0">
+                <a:solidFill>
+                  <a:srgbClr val="000000"/>
+                </a:solidFill>
+                <a:latin typeface="Trebuchet MS" pitchFamily="34" charset="0"/>
+                <a:ea typeface="ＭＳ Ｐゴシック" pitchFamily="34" charset="-128"/>
+                <a:cs typeface="Arial" charset="0"/>
+              </a:rPr>
+              <a:t>Helping researchers find</a:t>
+            </a:r>
+            <a:r>
+              <a:rPr lang="en-US" sz="1900" b="1" dirty="0" smtClean="0">
+                <a:solidFill>
+                  <a:srgbClr val="000000"/>
+                </a:solidFill>
+                <a:latin typeface="Trebuchet MS" pitchFamily="34" charset="0"/>
+                <a:ea typeface="ＭＳ Ｐゴシック" pitchFamily="34" charset="-128"/>
+                <a:cs typeface="Arial" charset="0"/>
+              </a:rPr>
+              <a:t> invisible     </a:t>
+            </a:r>
+          </a:p>
+          <a:p>
+            <a:pPr marL="120650" indent="-120650" fontAlgn="auto">
+              <a:spcBef>
+                <a:spcPts val="0"/>
+              </a:spcBef>
+              <a:spcAft>
+                <a:spcPts val="0"/>
+              </a:spcAft>
+              <a:buSzPct val="125000"/>
+              <a:defRPr/>
+            </a:pPr>
+            <a:r>
+              <a:rPr lang="en-US" sz="1900" b="1" dirty="0" smtClean="0">
+                <a:solidFill>
+                  <a:srgbClr val="000000"/>
+                </a:solidFill>
+                <a:latin typeface="Trebuchet MS" pitchFamily="34" charset="0"/>
+                <a:ea typeface="ＭＳ Ｐゴシック" pitchFamily="34" charset="-128"/>
+                <a:cs typeface="Arial" charset="0"/>
+              </a:rPr>
+              <a:t>   resources</a:t>
+            </a:r>
+          </a:p>
+          <a:p>
+            <a:pPr marL="633413" lvl="1" indent="-120650">
+              <a:buSzPct val="125000"/>
+              <a:buFont typeface="Arial" pitchFamily="34" charset="0"/>
+              <a:buChar char="•"/>
+              <a:defRPr/>
+            </a:pPr>
+            <a:r>
+              <a:rPr lang="en-US" sz="1600" i="1" dirty="0" smtClean="0">
+                <a:latin typeface="Trebuchet MS"/>
+                <a:ea typeface="ＭＳ Ｐゴシック" pitchFamily="34" charset="-128"/>
+                <a:cs typeface="Trebuchet MS"/>
+              </a:rPr>
+              <a:t>reagents, protocols, techniques, instruments, expertise, organisms, software, training, human studies, biological specimens, etc.</a:t>
+            </a:r>
+          </a:p>
+          <a:p>
+            <a:pPr marL="339725" lvl="1" indent="-120650">
+              <a:buSzPct val="125000"/>
+              <a:defRPr/>
+            </a:pPr>
+            <a:r>
+              <a:rPr lang="en-US" sz="500" i="1" dirty="0" smtClean="0">
+                <a:latin typeface="Trebuchet MS"/>
+                <a:ea typeface="ＭＳ Ｐゴシック" pitchFamily="34" charset="-128"/>
+                <a:cs typeface="Trebuchet MS"/>
+              </a:rPr>
+              <a:t> </a:t>
+            </a:r>
+          </a:p>
+          <a:p>
+            <a:pPr marL="120650" indent="-120650" fontAlgn="auto">
+              <a:spcBef>
+                <a:spcPts val="0"/>
+              </a:spcBef>
+              <a:spcAft>
+                <a:spcPts val="0"/>
+              </a:spcAft>
+              <a:buSzPct val="125000"/>
+              <a:defRPr/>
+            </a:pPr>
+            <a:endParaRPr lang="en-US" sz="900" b="1" dirty="0" smtClean="0">
+              <a:solidFill>
+                <a:schemeClr val="tx1">
+                  <a:lumMod val="75000"/>
+                  <a:lumOff val="25000"/>
+                </a:schemeClr>
+              </a:solidFill>
+              <a:latin typeface="Trebuchet MS" pitchFamily="34" charset="0"/>
+              <a:ea typeface="ＭＳ Ｐゴシック" pitchFamily="34" charset="-128"/>
+              <a:cs typeface="Arial" charset="0"/>
+            </a:endParaRPr>
+          </a:p>
+          <a:p>
+            <a:pPr marL="120650" indent="-120650" fontAlgn="auto">
+              <a:spcBef>
+                <a:spcPts val="0"/>
+              </a:spcBef>
+              <a:spcAft>
+                <a:spcPts val="0"/>
+              </a:spcAft>
+              <a:buSzPct val="125000"/>
+              <a:buFont typeface="Wingdings" charset="2"/>
+              <a:buChar char="§"/>
+              <a:defRPr/>
+            </a:pPr>
+            <a:r>
+              <a:rPr lang="en-US" sz="2000" b="1" dirty="0">
+                <a:solidFill>
+                  <a:schemeClr val="tx1">
+                    <a:lumMod val="75000"/>
+                    <a:lumOff val="25000"/>
+                  </a:schemeClr>
+                </a:solidFill>
+                <a:latin typeface="Trebuchet MS" pitchFamily="34" charset="0"/>
+                <a:ea typeface="ＭＳ Ｐゴシック" pitchFamily="34" charset="-128"/>
+                <a:cs typeface="Arial" charset="0"/>
+              </a:rPr>
+              <a:t> </a:t>
+            </a:r>
+            <a:r>
+              <a:rPr lang="en-US" sz="1900" b="1" dirty="0" smtClean="0">
+                <a:solidFill>
+                  <a:srgbClr val="000000"/>
+                </a:solidFill>
+                <a:latin typeface="Trebuchet MS" pitchFamily="34" charset="0"/>
+                <a:ea typeface="ＭＳ Ｐゴシック" pitchFamily="34" charset="-128"/>
+                <a:cs typeface="Arial" charset="0"/>
+              </a:rPr>
+              <a:t>Adding meaningful </a:t>
+            </a:r>
+            <a:r>
+              <a:rPr lang="en-US" sz="1900" b="1" dirty="0">
+                <a:solidFill>
+                  <a:srgbClr val="000000"/>
+                </a:solidFill>
+                <a:latin typeface="Trebuchet MS" pitchFamily="34" charset="0"/>
+                <a:ea typeface="ＭＳ Ｐゴシック" pitchFamily="34" charset="-128"/>
+                <a:cs typeface="Arial" charset="0"/>
+              </a:rPr>
+              <a:t>semantic relationships between</a:t>
+            </a:r>
+            <a:r>
+              <a:rPr lang="en-US" sz="1900" b="1" dirty="0" smtClean="0">
+                <a:solidFill>
+                  <a:srgbClr val="000000"/>
+                </a:solidFill>
+                <a:latin typeface="Trebuchet MS" pitchFamily="34" charset="0"/>
+                <a:ea typeface="ＭＳ Ｐゴシック" pitchFamily="34" charset="-128"/>
+                <a:cs typeface="Arial" charset="0"/>
+              </a:rPr>
+              <a:t> resources</a:t>
+            </a:r>
+          </a:p>
+          <a:p>
+            <a:pPr marL="120650" indent="-120650" fontAlgn="auto">
+              <a:spcBef>
+                <a:spcPts val="0"/>
+              </a:spcBef>
+              <a:spcAft>
+                <a:spcPts val="0"/>
+              </a:spcAft>
+              <a:buSzPct val="125000"/>
+              <a:buFont typeface="Wingdings" charset="2"/>
+              <a:buChar char="§"/>
+              <a:defRPr/>
+            </a:pPr>
+            <a:endParaRPr lang="en-US" sz="900" b="1" dirty="0">
+              <a:solidFill>
+                <a:schemeClr val="tx1">
+                  <a:lumMod val="75000"/>
+                  <a:lumOff val="25000"/>
+                </a:schemeClr>
+              </a:solidFill>
+              <a:latin typeface="Trebuchet MS" pitchFamily="34" charset="0"/>
+              <a:ea typeface="ＭＳ Ｐゴシック" pitchFamily="34" charset="-128"/>
+              <a:cs typeface="Arial" charset="0"/>
+            </a:endParaRPr>
+          </a:p>
+          <a:p>
+            <a:pPr marL="120650" indent="-120650" fontAlgn="auto">
+              <a:spcBef>
+                <a:spcPts val="0"/>
+              </a:spcBef>
+              <a:spcAft>
+                <a:spcPts val="0"/>
+              </a:spcAft>
+              <a:buSzPct val="125000"/>
+              <a:buFont typeface="Wingdings" charset="2"/>
+              <a:buChar char="§"/>
+              <a:defRPr/>
+            </a:pPr>
+            <a:r>
+              <a:rPr lang="en-US" sz="1900" b="1" dirty="0">
+                <a:solidFill>
+                  <a:schemeClr val="tx1">
+                    <a:lumMod val="75000"/>
+                    <a:lumOff val="25000"/>
+                  </a:schemeClr>
+                </a:solidFill>
+                <a:latin typeface="Trebuchet MS" pitchFamily="34" charset="0"/>
+                <a:ea typeface="ＭＳ Ｐゴシック" pitchFamily="34" charset="-128"/>
+                <a:cs typeface="Arial" charset="0"/>
+              </a:rPr>
+              <a:t> </a:t>
+            </a:r>
+            <a:r>
+              <a:rPr lang="en-US" sz="1900" b="1" dirty="0" smtClean="0">
+                <a:solidFill>
+                  <a:srgbClr val="000000"/>
+                </a:solidFill>
+                <a:latin typeface="Trebuchet MS" pitchFamily="34" charset="0"/>
+                <a:ea typeface="ＭＳ Ｐゴシック" pitchFamily="34" charset="-128"/>
+                <a:cs typeface="Arial" charset="0"/>
+              </a:rPr>
+              <a:t>Making </a:t>
+            </a:r>
+            <a:r>
+              <a:rPr lang="en-US" sz="1900" b="1" dirty="0">
+                <a:solidFill>
+                  <a:srgbClr val="000000"/>
+                </a:solidFill>
+                <a:latin typeface="Trebuchet MS" pitchFamily="34" charset="0"/>
+                <a:ea typeface="ＭＳ Ｐゴシック" pitchFamily="34" charset="-128"/>
+                <a:cs typeface="Arial" charset="0"/>
+              </a:rPr>
+              <a:t>this data available</a:t>
+            </a:r>
+            <a:r>
+              <a:rPr lang="en-US" sz="1900" b="1" dirty="0" smtClean="0">
+                <a:solidFill>
+                  <a:srgbClr val="000000"/>
+                </a:solidFill>
+                <a:latin typeface="Trebuchet MS" pitchFamily="34" charset="0"/>
+                <a:ea typeface="ＭＳ Ｐゴシック" pitchFamily="34" charset="-128"/>
+                <a:cs typeface="Arial" charset="0"/>
+              </a:rPr>
+              <a:t> using </a:t>
+            </a:r>
+            <a:r>
+              <a:rPr lang="en-US" sz="1900" b="1" dirty="0">
+                <a:solidFill>
+                  <a:srgbClr val="000000"/>
+                </a:solidFill>
+                <a:latin typeface="Trebuchet MS" pitchFamily="34" charset="0"/>
+                <a:ea typeface="ＭＳ Ｐゴシック" pitchFamily="34" charset="-128"/>
+                <a:cs typeface="Arial" charset="0"/>
+              </a:rPr>
+              <a:t>ontology-driven approach </a:t>
+            </a:r>
+            <a:r>
+              <a:rPr lang="en-US" sz="1900" b="1" dirty="0" smtClean="0">
+                <a:solidFill>
+                  <a:srgbClr val="000000"/>
+                </a:solidFill>
+                <a:latin typeface="Trebuchet MS" pitchFamily="34" charset="0"/>
+                <a:ea typeface="ＭＳ Ｐゴシック" pitchFamily="34" charset="-128"/>
+                <a:cs typeface="Arial" charset="0"/>
+              </a:rPr>
+              <a:t>to research resource </a:t>
+            </a:r>
+            <a:r>
+              <a:rPr lang="en-US" sz="1900" b="1" dirty="0">
+                <a:solidFill>
+                  <a:srgbClr val="000000"/>
+                </a:solidFill>
+                <a:latin typeface="Trebuchet MS" pitchFamily="34" charset="0"/>
+                <a:ea typeface="ＭＳ Ｐゴシック" pitchFamily="34" charset="-128"/>
+                <a:cs typeface="Arial" charset="0"/>
+              </a:rPr>
+              <a:t>annotation and </a:t>
+            </a:r>
+            <a:r>
+              <a:rPr lang="en-US" sz="1900" b="1" dirty="0" smtClean="0">
+                <a:solidFill>
+                  <a:srgbClr val="000000"/>
+                </a:solidFill>
+                <a:latin typeface="Trebuchet MS" pitchFamily="34" charset="0"/>
+                <a:ea typeface="ＭＳ Ｐゴシック" pitchFamily="34" charset="-128"/>
+                <a:cs typeface="Arial" charset="0"/>
+              </a:rPr>
+              <a:t>discovery</a:t>
+            </a:r>
+          </a:p>
+          <a:p>
+            <a:pPr marL="120650" indent="-120650" fontAlgn="auto">
+              <a:spcBef>
+                <a:spcPts val="0"/>
+              </a:spcBef>
+              <a:spcAft>
+                <a:spcPts val="0"/>
+              </a:spcAft>
+              <a:buSzPct val="125000"/>
+              <a:buFont typeface="Wingdings" charset="2"/>
+              <a:buChar char="§"/>
+              <a:defRPr/>
+            </a:pPr>
+            <a:endParaRPr lang="en-US" sz="1900" b="1" dirty="0" smtClean="0">
+              <a:solidFill>
+                <a:srgbClr val="000000"/>
+              </a:solidFill>
+              <a:latin typeface="Trebuchet MS" pitchFamily="34" charset="0"/>
+              <a:ea typeface="ＭＳ Ｐゴシック" pitchFamily="34" charset="-128"/>
+              <a:cs typeface="Arial" charset="0"/>
+            </a:endParaRPr>
+          </a:p>
+          <a:p>
+            <a:pPr marL="120650" indent="-120650">
+              <a:buSzPct val="125000"/>
+              <a:buFont typeface="Wingdings" charset="2"/>
+              <a:buChar char="§"/>
+              <a:defRPr/>
+            </a:pPr>
+            <a:r>
+              <a:rPr lang="en-US" sz="1900" b="1" dirty="0" smtClean="0">
+                <a:solidFill>
+                  <a:schemeClr val="tx1">
+                    <a:lumMod val="75000"/>
+                    <a:lumOff val="25000"/>
+                  </a:schemeClr>
+                </a:solidFill>
+                <a:latin typeface="Trebuchet MS" pitchFamily="34" charset="0"/>
+                <a:ea typeface="ＭＳ Ｐゴシック" pitchFamily="34" charset="-128"/>
+                <a:cs typeface="Arial" charset="0"/>
+              </a:rPr>
+              <a:t> </a:t>
+            </a:r>
+            <a:r>
+              <a:rPr lang="en-US" sz="1900" b="1" dirty="0" smtClean="0">
+                <a:solidFill>
+                  <a:srgbClr val="000000"/>
+                </a:solidFill>
+                <a:latin typeface="Trebuchet MS" pitchFamily="34" charset="0"/>
+                <a:ea typeface="ＭＳ Ｐゴシック" pitchFamily="34" charset="-128"/>
+                <a:cs typeface="Arial" charset="0"/>
+              </a:rPr>
+              <a:t>Reducing time-consuming and expensive duplication of resources</a:t>
+            </a:r>
+          </a:p>
+          <a:p>
+            <a:pPr marL="120650" indent="-120650" fontAlgn="auto">
+              <a:spcBef>
+                <a:spcPts val="0"/>
+              </a:spcBef>
+              <a:spcAft>
+                <a:spcPts val="0"/>
+              </a:spcAft>
+              <a:buSzPct val="125000"/>
+              <a:buFont typeface="Wingdings" charset="2"/>
+              <a:buChar char="§"/>
+              <a:defRPr/>
+            </a:pPr>
+            <a:endParaRPr lang="en-US" sz="1900" b="1" dirty="0" smtClean="0">
+              <a:solidFill>
+                <a:srgbClr val="000000"/>
+              </a:solidFill>
+              <a:latin typeface="Trebuchet MS" pitchFamily="34" charset="0"/>
+              <a:ea typeface="ＭＳ Ｐゴシック" pitchFamily="34" charset="-128"/>
+              <a:cs typeface="Arial" charset="0"/>
+            </a:endParaRPr>
+          </a:p>
+          <a:p>
+            <a:pPr marL="120650" indent="-120650" fontAlgn="auto">
+              <a:spcBef>
+                <a:spcPts val="0"/>
+              </a:spcBef>
+              <a:spcAft>
+                <a:spcPts val="0"/>
+              </a:spcAft>
+              <a:buSzPct val="125000"/>
+              <a:buFont typeface="Wingdings" charset="2"/>
+              <a:buChar char="§"/>
+              <a:defRPr/>
+            </a:pPr>
+            <a:endParaRPr lang="en-US" sz="2000" b="1" dirty="0" smtClean="0">
+              <a:solidFill>
+                <a:schemeClr val="tx1">
+                  <a:lumMod val="75000"/>
+                  <a:lumOff val="25000"/>
+                </a:schemeClr>
+              </a:solidFill>
+              <a:latin typeface="Trebuchet MS" pitchFamily="34" charset="0"/>
+              <a:ea typeface="ＭＳ Ｐゴシック" pitchFamily="34" charset="-128"/>
+              <a:cs typeface="Arial" charset="0"/>
+            </a:endParaRPr>
+          </a:p>
+          <a:p>
+            <a:endParaRPr lang="en-US" sz="2000" b="1" dirty="0"/>
+          </a:p>
+        </p:txBody>
+      </p:sp>
+      <p:sp>
+        <p:nvSpPr>
+          <p:cNvPr id="12" name="TextBox 11"/>
+          <p:cNvSpPr txBox="1"/>
+          <p:nvPr/>
+        </p:nvSpPr>
+        <p:spPr>
+          <a:xfrm>
+            <a:off x="5911189" y="6183313"/>
+            <a:ext cx="2181657" cy="400110"/>
+          </a:xfrm>
+          <a:prstGeom prst="rect">
+            <a:avLst/>
+          </a:prstGeom>
+          <a:noFill/>
+        </p:spPr>
+        <p:txBody>
+          <a:bodyPr wrap="none" rtlCol="0">
+            <a:spAutoFit/>
+          </a:bodyPr>
+          <a:lstStyle/>
+          <a:p>
+            <a:r>
+              <a:rPr lang="en-US" sz="2000" u="sng" dirty="0" err="1" smtClean="0"/>
+              <a:t>www.eagle-i/home</a:t>
+            </a:r>
+            <a:endParaRPr lang="en-US" sz="2000" u="sng" dirty="0"/>
+          </a:p>
+        </p:txBody>
+      </p:sp>
+    </p:spTree>
+  </p:cSld>
+  <p:clrMapOvr>
+    <a:masterClrMapping/>
+  </p:clrMapOvr>
+</p:sld>
+</file>
+
+<file path=ppt/slides/slide20.xml><?xml version="1.0" encoding="utf-8"?>
 <p:sld xmlns:a="http://schemas.openxmlformats.org/drawingml/2006/main" xmlns:r="http://schemas.openxmlformats.org/officeDocument/2006/relationships" xmlns:mc="http://schemas.openxmlformats.org/markup-compatibility/2006" xmlns:mv="urn:schemas-microsoft-com:mac:vml" xmlns:p="http://schemas.openxmlformats.org/presentationml/2006/main" mc:Ignorable="mv" mc:PreserveAttributes="mv:*">
   <p:cSld>
     <p:spTree>
@@ -9933,7 +12710,7 @@
 </p:sld>
 </file>
 
-<file path=ppt/slides/slide19.xml><?xml version="1.0" encoding="utf-8"?>
+<file path=ppt/slides/slide21.xml><?xml version="1.0" encoding="utf-8"?>
 <p:sld xmlns:a="http://schemas.openxmlformats.org/drawingml/2006/main" xmlns:r="http://schemas.openxmlformats.org/officeDocument/2006/relationships" xmlns:mc="http://schemas.openxmlformats.org/markup-compatibility/2006" xmlns:mv="urn:schemas-microsoft-com:mac:vml" xmlns:p="http://schemas.openxmlformats.org/presentationml/2006/main" mc:Ignorable="mv" mc:PreserveAttributes="mv:*">
   <p:cSld>
     <p:spTree>
@@ -10469,805 +13246,6 @@
           </a:graphicData>
         </a:graphic>
       </p:graphicFrame>
-    </p:spTree>
-  </p:cSld>
-  <p:clrMapOvr>
-    <a:masterClrMapping/>
-  </p:clrMapOvr>
-</p:sld>
-</file>
-
-<file path=ppt/slides/slide2.xml><?xml version="1.0" encoding="utf-8"?>
-<p:sld xmlns:a="http://schemas.openxmlformats.org/drawingml/2006/main" xmlns:r="http://schemas.openxmlformats.org/officeDocument/2006/relationships" xmlns:mc="http://schemas.openxmlformats.org/markup-compatibility/2006" xmlns:mv="urn:schemas-microsoft-com:mac:vml" xmlns:p="http://schemas.openxmlformats.org/presentationml/2006/main" mc:Ignorable="mv" mc:PreserveAttributes="mv:*">
-  <p:cSld>
-    <p:spTree>
-      <p:nvGrpSpPr>
-        <p:cNvPr id="1" name=""/>
-        <p:cNvGrpSpPr/>
-        <p:nvPr/>
-      </p:nvGrpSpPr>
-      <p:grpSpPr>
-        <a:xfrm>
-          <a:off x="0" y="0"/>
-          <a:ext cx="0" cy="0"/>
-          <a:chOff x="0" y="0"/>
-          <a:chExt cx="0" cy="0"/>
-        </a:xfrm>
-      </p:grpSpPr>
-      <p:sp>
-        <p:nvSpPr>
-          <p:cNvPr id="4" name="Title 1"/>
-          <p:cNvSpPr>
-            <a:spLocks noGrp="1"/>
-          </p:cNvSpPr>
-          <p:nvPr>
-            <p:ph type="title" idx="4294967295"/>
-          </p:nvPr>
-        </p:nvSpPr>
-        <p:spPr>
-          <a:xfrm>
-            <a:off x="0" y="-147506"/>
-            <a:ext cx="9144000" cy="1143000"/>
-          </a:xfrm>
-        </p:spPr>
-        <p:txBody>
-          <a:bodyPr>
-            <a:normAutofit/>
-          </a:bodyPr>
-          <a:lstStyle/>
-          <a:p>
-            <a:pPr fontAlgn="auto">
-              <a:spcAft>
-                <a:spcPts val="0"/>
-              </a:spcAft>
-              <a:defRPr/>
-            </a:pPr>
-            <a:r>
-              <a:rPr lang="en-US" b="1" dirty="0" smtClean="0">
-                <a:solidFill>
-                  <a:srgbClr val="800000"/>
-                </a:solidFill>
-                <a:ea typeface="ＭＳ Ｐゴシック" pitchFamily="34" charset="-128"/>
-                <a:cs typeface="Arial Bold" pitchFamily="-106" charset="0"/>
-              </a:rPr>
-              <a:t>eagle-</a:t>
-            </a:r>
-            <a:r>
-              <a:rPr lang="en-US" b="1" dirty="0" err="1" smtClean="0">
-                <a:solidFill>
-                  <a:srgbClr val="800000"/>
-                </a:solidFill>
-                <a:ea typeface="ＭＳ Ｐゴシック" pitchFamily="34" charset="-128"/>
-                <a:cs typeface="Arial Bold" pitchFamily="-106" charset="0"/>
-              </a:rPr>
-              <a:t>i</a:t>
-            </a:r>
-            <a:endParaRPr lang="en-US" sz="4400" b="1" dirty="0" smtClean="0">
-              <a:solidFill>
-                <a:srgbClr val="800000"/>
-              </a:solidFill>
-              <a:ea typeface="ＭＳ Ｐゴシック" pitchFamily="34" charset="-128"/>
-              <a:cs typeface="Arial Bold" pitchFamily="-106" charset="0"/>
-            </a:endParaRPr>
-          </a:p>
-        </p:txBody>
-      </p:sp>
-      <p:pic>
-        <p:nvPicPr>
-          <p:cNvPr id="5" name="Picture 2" descr="H:\Eagle-i\Office\OHSU Library Logo.transparent.tif"/>
-          <p:cNvPicPr>
-            <a:picLocks noChangeAspect="1" noChangeArrowheads="1"/>
-          </p:cNvPicPr>
-          <p:nvPr/>
-        </p:nvPicPr>
-        <p:blipFill>
-          <a:blip r:embed="rId2"/>
-          <a:srcRect/>
-          <a:stretch>
-            <a:fillRect/>
-          </a:stretch>
-        </p:blipFill>
-        <p:spPr bwMode="auto">
-          <a:xfrm>
-            <a:off x="8305800" y="6122988"/>
-            <a:ext cx="882650" cy="735012"/>
-          </a:xfrm>
-          <a:prstGeom prst="rect">
-            <a:avLst/>
-          </a:prstGeom>
-          <a:noFill/>
-          <a:ln w="9525">
-            <a:noFill/>
-            <a:miter lim="800000"/>
-            <a:headEnd/>
-            <a:tailEnd/>
-          </a:ln>
-        </p:spPr>
-      </p:pic>
-      <p:grpSp>
-        <p:nvGrpSpPr>
-          <p:cNvPr id="2" name="Group 8"/>
-          <p:cNvGrpSpPr>
-            <a:grpSpLocks/>
-          </p:cNvGrpSpPr>
-          <p:nvPr/>
-        </p:nvGrpSpPr>
-        <p:grpSpPr bwMode="auto">
-          <a:xfrm>
-            <a:off x="115888" y="6183313"/>
-            <a:ext cx="2011362" cy="649287"/>
-            <a:chOff x="696913" y="6069621"/>
-            <a:chExt cx="2011616" cy="649602"/>
-          </a:xfrm>
-        </p:grpSpPr>
-        <p:sp>
-          <p:nvSpPr>
-            <p:cNvPr id="7" name="TextBox 4"/>
-            <p:cNvSpPr txBox="1">
-              <a:spLocks noChangeArrowheads="1"/>
-            </p:cNvSpPr>
-            <p:nvPr/>
-          </p:nvSpPr>
-          <p:spPr bwMode="auto">
-            <a:xfrm>
-              <a:off x="1470916" y="6473002"/>
-              <a:ext cx="1237613" cy="246221"/>
-            </a:xfrm>
-            <a:prstGeom prst="rect">
-              <a:avLst/>
-            </a:prstGeom>
-            <a:noFill/>
-            <a:ln w="9525">
-              <a:noFill/>
-              <a:miter lim="800000"/>
-              <a:headEnd/>
-              <a:tailEnd/>
-            </a:ln>
-          </p:spPr>
-          <p:txBody>
-            <a:bodyPr>
-              <a:prstTxWarp prst="textNoShape">
-                <a:avLst/>
-              </a:prstTxWarp>
-              <a:spAutoFit/>
-            </a:bodyPr>
-            <a:lstStyle/>
-            <a:p>
-              <a:r>
-                <a:rPr lang="en-US" sz="1000" b="1">
-                  <a:latin typeface="Corbel" charset="0"/>
-                </a:rPr>
-                <a:t>c o n s o r t i u m</a:t>
-              </a:r>
-            </a:p>
-          </p:txBody>
-        </p:sp>
-        <p:pic>
-          <p:nvPicPr>
-            <p:cNvPr id="8" name="Picture 6" descr="C:\Documents and Settings\rgg9\Desktop\eagle-i\Images\U24_Logos\EI_Logo_Final_BW.png"/>
-            <p:cNvPicPr>
-              <a:picLocks noChangeAspect="1" noChangeArrowheads="1"/>
-            </p:cNvPicPr>
-            <p:nvPr/>
-          </p:nvPicPr>
-          <p:blipFill>
-            <a:blip r:embed="rId3"/>
-            <a:srcRect/>
-            <a:stretch>
-              <a:fillRect/>
-            </a:stretch>
-          </p:blipFill>
-          <p:spPr bwMode="auto">
-            <a:xfrm>
-              <a:off x="696913" y="6069621"/>
-              <a:ext cx="1747395" cy="605925"/>
-            </a:xfrm>
-            <a:prstGeom prst="rect">
-              <a:avLst/>
-            </a:prstGeom>
-            <a:noFill/>
-            <a:ln w="9525">
-              <a:noFill/>
-              <a:miter lim="800000"/>
-              <a:headEnd/>
-              <a:tailEnd/>
-            </a:ln>
-          </p:spPr>
-        </p:pic>
-      </p:grpSp>
-      <p:sp>
-        <p:nvSpPr>
-          <p:cNvPr id="9" name="TextBox 8"/>
-          <p:cNvSpPr txBox="1"/>
-          <p:nvPr/>
-        </p:nvSpPr>
-        <p:spPr>
-          <a:xfrm>
-            <a:off x="343697" y="821855"/>
-            <a:ext cx="8547100" cy="1107996"/>
-          </a:xfrm>
-          <a:prstGeom prst="rect">
-            <a:avLst/>
-          </a:prstGeom>
-          <a:noFill/>
-        </p:spPr>
-        <p:txBody>
-          <a:bodyPr>
-            <a:spAutoFit/>
-          </a:bodyPr>
-          <a:lstStyle/>
-          <a:p>
-            <a:pPr fontAlgn="auto">
-              <a:spcBef>
-                <a:spcPts val="0"/>
-              </a:spcBef>
-              <a:spcAft>
-                <a:spcPts val="0"/>
-              </a:spcAft>
-              <a:buSzPct val="125000"/>
-              <a:defRPr/>
-            </a:pPr>
-            <a:r>
-              <a:rPr lang="en-US" sz="2200" b="1" dirty="0" smtClean="0">
-                <a:solidFill>
-                  <a:srgbClr val="000000"/>
-                </a:solidFill>
-                <a:latin typeface="Trebuchet MS" pitchFamily="34" charset="0"/>
-                <a:cs typeface="Arial" charset="0"/>
-              </a:rPr>
-              <a:t>NIH </a:t>
-            </a:r>
-            <a:r>
-              <a:rPr lang="en-US" sz="2200" b="1" dirty="0">
-                <a:solidFill>
-                  <a:srgbClr val="000000"/>
-                </a:solidFill>
-                <a:latin typeface="Trebuchet MS" pitchFamily="34" charset="0"/>
-                <a:cs typeface="Arial" charset="0"/>
-              </a:rPr>
-              <a:t>funded 2-year pilot project working to make scientific research resources more visible via a federated network of nine institutional repositories</a:t>
-            </a:r>
-            <a:endParaRPr lang="en-US" sz="2200" b="1" dirty="0">
-              <a:solidFill>
-                <a:srgbClr val="000000"/>
-              </a:solidFill>
-              <a:latin typeface="Trebuchet MS" pitchFamily="34" charset="0"/>
-              <a:ea typeface="+mn-ea"/>
-              <a:cs typeface="Arial" charset="0"/>
-            </a:endParaRPr>
-          </a:p>
-        </p:txBody>
-      </p:sp>
-      <p:pic>
-        <p:nvPicPr>
-          <p:cNvPr id="10" name="Picture 9" descr="U24_USAmap"/>
-          <p:cNvPicPr>
-            <a:picLocks noChangeAspect="1" noChangeArrowheads="1"/>
-          </p:cNvPicPr>
-          <p:nvPr/>
-        </p:nvPicPr>
-        <p:blipFill>
-          <a:blip r:embed="rId4"/>
-          <a:srcRect/>
-          <a:stretch>
-            <a:fillRect/>
-          </a:stretch>
-        </p:blipFill>
-        <p:spPr bwMode="auto">
-          <a:xfrm>
-            <a:off x="4763916" y="2415823"/>
-            <a:ext cx="4267193" cy="2825994"/>
-          </a:xfrm>
-          <a:prstGeom prst="rect">
-            <a:avLst/>
-          </a:prstGeom>
-          <a:noFill/>
-          <a:ln w="9525">
-            <a:noFill/>
-            <a:miter lim="800000"/>
-            <a:headEnd/>
-            <a:tailEnd/>
-          </a:ln>
-        </p:spPr>
-      </p:pic>
-      <p:sp>
-        <p:nvSpPr>
-          <p:cNvPr id="11" name="TextBox 10"/>
-          <p:cNvSpPr txBox="1"/>
-          <p:nvPr/>
-        </p:nvSpPr>
-        <p:spPr>
-          <a:xfrm>
-            <a:off x="582552" y="1605390"/>
-            <a:ext cx="4630095" cy="5601533"/>
-          </a:xfrm>
-          <a:prstGeom prst="rect">
-            <a:avLst/>
-          </a:prstGeom>
-          <a:noFill/>
-        </p:spPr>
-        <p:txBody>
-          <a:bodyPr wrap="square" rtlCol="0">
-            <a:spAutoFit/>
-          </a:bodyPr>
-          <a:lstStyle/>
-          <a:p>
-            <a:pPr marL="120650" indent="-120650" fontAlgn="auto">
-              <a:spcBef>
-                <a:spcPts val="0"/>
-              </a:spcBef>
-              <a:spcAft>
-                <a:spcPts val="0"/>
-              </a:spcAft>
-              <a:buSzPct val="125000"/>
-              <a:defRPr/>
-            </a:pPr>
-            <a:endParaRPr lang="en-US" sz="2000" b="1" dirty="0">
-              <a:solidFill>
-                <a:schemeClr val="tx1">
-                  <a:lumMod val="75000"/>
-                  <a:lumOff val="25000"/>
-                </a:schemeClr>
-              </a:solidFill>
-              <a:latin typeface="Trebuchet MS" pitchFamily="34" charset="0"/>
-              <a:ea typeface="ＭＳ Ｐゴシック" pitchFamily="34" charset="-128"/>
-              <a:cs typeface="Arial" charset="0"/>
-            </a:endParaRPr>
-          </a:p>
-          <a:p>
-            <a:pPr marL="120650" indent="-120650" fontAlgn="auto">
-              <a:spcBef>
-                <a:spcPts val="0"/>
-              </a:spcBef>
-              <a:spcAft>
-                <a:spcPts val="0"/>
-              </a:spcAft>
-              <a:buSzPct val="125000"/>
-              <a:buFont typeface="Wingdings" charset="2"/>
-              <a:buChar char="§"/>
-              <a:defRPr/>
-            </a:pPr>
-            <a:r>
-              <a:rPr lang="en-US" sz="2000" b="1" dirty="0">
-                <a:solidFill>
-                  <a:schemeClr val="tx1">
-                    <a:lumMod val="75000"/>
-                    <a:lumOff val="25000"/>
-                  </a:schemeClr>
-                </a:solidFill>
-                <a:latin typeface="Trebuchet MS" pitchFamily="34" charset="0"/>
-                <a:ea typeface="ＭＳ Ｐゴシック" pitchFamily="34" charset="-128"/>
-                <a:cs typeface="Arial" charset="0"/>
-              </a:rPr>
-              <a:t> </a:t>
-            </a:r>
-            <a:r>
-              <a:rPr lang="en-US" sz="1900" b="1" dirty="0">
-                <a:solidFill>
-                  <a:srgbClr val="000000"/>
-                </a:solidFill>
-                <a:latin typeface="Trebuchet MS" pitchFamily="34" charset="0"/>
-                <a:ea typeface="ＭＳ Ｐゴシック" pitchFamily="34" charset="-128"/>
-                <a:cs typeface="Arial" charset="0"/>
-              </a:rPr>
-              <a:t>Helping researchers find</a:t>
-            </a:r>
-            <a:r>
-              <a:rPr lang="en-US" sz="1900" b="1" dirty="0" smtClean="0">
-                <a:solidFill>
-                  <a:srgbClr val="000000"/>
-                </a:solidFill>
-                <a:latin typeface="Trebuchet MS" pitchFamily="34" charset="0"/>
-                <a:ea typeface="ＭＳ Ｐゴシック" pitchFamily="34" charset="-128"/>
-                <a:cs typeface="Arial" charset="0"/>
-              </a:rPr>
-              <a:t> invisible     </a:t>
-            </a:r>
-          </a:p>
-          <a:p>
-            <a:pPr marL="120650" indent="-120650" fontAlgn="auto">
-              <a:spcBef>
-                <a:spcPts val="0"/>
-              </a:spcBef>
-              <a:spcAft>
-                <a:spcPts val="0"/>
-              </a:spcAft>
-              <a:buSzPct val="125000"/>
-              <a:defRPr/>
-            </a:pPr>
-            <a:r>
-              <a:rPr lang="en-US" sz="1900" b="1" dirty="0" smtClean="0">
-                <a:solidFill>
-                  <a:srgbClr val="000000"/>
-                </a:solidFill>
-                <a:latin typeface="Trebuchet MS" pitchFamily="34" charset="0"/>
-                <a:ea typeface="ＭＳ Ｐゴシック" pitchFamily="34" charset="-128"/>
-                <a:cs typeface="Arial" charset="0"/>
-              </a:rPr>
-              <a:t>   resources</a:t>
-            </a:r>
-          </a:p>
-          <a:p>
-            <a:pPr marL="633413" lvl="1" indent="-120650">
-              <a:buSzPct val="125000"/>
-              <a:buFont typeface="Arial" pitchFamily="34" charset="0"/>
-              <a:buChar char="•"/>
-              <a:defRPr/>
-            </a:pPr>
-            <a:r>
-              <a:rPr lang="en-US" sz="1600" i="1" dirty="0" smtClean="0">
-                <a:latin typeface="Trebuchet MS"/>
-                <a:ea typeface="ＭＳ Ｐゴシック" pitchFamily="34" charset="-128"/>
-                <a:cs typeface="Trebuchet MS"/>
-              </a:rPr>
-              <a:t>reagents, protocols, techniques, instruments, expertise, organisms, software, training, human studies, biological specimens, etc.</a:t>
-            </a:r>
-          </a:p>
-          <a:p>
-            <a:pPr marL="339725" lvl="1" indent="-120650">
-              <a:buSzPct val="125000"/>
-              <a:defRPr/>
-            </a:pPr>
-            <a:r>
-              <a:rPr lang="en-US" sz="500" i="1" dirty="0" smtClean="0">
-                <a:latin typeface="Trebuchet MS"/>
-                <a:ea typeface="ＭＳ Ｐゴシック" pitchFamily="34" charset="-128"/>
-                <a:cs typeface="Trebuchet MS"/>
-              </a:rPr>
-              <a:t> </a:t>
-            </a:r>
-          </a:p>
-          <a:p>
-            <a:pPr marL="120650" indent="-120650" fontAlgn="auto">
-              <a:spcBef>
-                <a:spcPts val="0"/>
-              </a:spcBef>
-              <a:spcAft>
-                <a:spcPts val="0"/>
-              </a:spcAft>
-              <a:buSzPct val="125000"/>
-              <a:defRPr/>
-            </a:pPr>
-            <a:endParaRPr lang="en-US" sz="900" b="1" dirty="0" smtClean="0">
-              <a:solidFill>
-                <a:schemeClr val="tx1">
-                  <a:lumMod val="75000"/>
-                  <a:lumOff val="25000"/>
-                </a:schemeClr>
-              </a:solidFill>
-              <a:latin typeface="Trebuchet MS" pitchFamily="34" charset="0"/>
-              <a:ea typeface="ＭＳ Ｐゴシック" pitchFamily="34" charset="-128"/>
-              <a:cs typeface="Arial" charset="0"/>
-            </a:endParaRPr>
-          </a:p>
-          <a:p>
-            <a:pPr marL="120650" indent="-120650" fontAlgn="auto">
-              <a:spcBef>
-                <a:spcPts val="0"/>
-              </a:spcBef>
-              <a:spcAft>
-                <a:spcPts val="0"/>
-              </a:spcAft>
-              <a:buSzPct val="125000"/>
-              <a:buFont typeface="Wingdings" charset="2"/>
-              <a:buChar char="§"/>
-              <a:defRPr/>
-            </a:pPr>
-            <a:r>
-              <a:rPr lang="en-US" sz="2000" b="1" dirty="0">
-                <a:solidFill>
-                  <a:schemeClr val="tx1">
-                    <a:lumMod val="75000"/>
-                    <a:lumOff val="25000"/>
-                  </a:schemeClr>
-                </a:solidFill>
-                <a:latin typeface="Trebuchet MS" pitchFamily="34" charset="0"/>
-                <a:ea typeface="ＭＳ Ｐゴシック" pitchFamily="34" charset="-128"/>
-                <a:cs typeface="Arial" charset="0"/>
-              </a:rPr>
-              <a:t> </a:t>
-            </a:r>
-            <a:r>
-              <a:rPr lang="en-US" sz="1900" b="1" dirty="0" smtClean="0">
-                <a:solidFill>
-                  <a:srgbClr val="000000"/>
-                </a:solidFill>
-                <a:latin typeface="Trebuchet MS" pitchFamily="34" charset="0"/>
-                <a:ea typeface="ＭＳ Ｐゴシック" pitchFamily="34" charset="-128"/>
-                <a:cs typeface="Arial" charset="0"/>
-              </a:rPr>
-              <a:t>Adding meaningful </a:t>
-            </a:r>
-            <a:r>
-              <a:rPr lang="en-US" sz="1900" b="1" dirty="0">
-                <a:solidFill>
-                  <a:srgbClr val="000000"/>
-                </a:solidFill>
-                <a:latin typeface="Trebuchet MS" pitchFamily="34" charset="0"/>
-                <a:ea typeface="ＭＳ Ｐゴシック" pitchFamily="34" charset="-128"/>
-                <a:cs typeface="Arial" charset="0"/>
-              </a:rPr>
-              <a:t>semantic relationships between</a:t>
-            </a:r>
-            <a:r>
-              <a:rPr lang="en-US" sz="1900" b="1" dirty="0" smtClean="0">
-                <a:solidFill>
-                  <a:srgbClr val="000000"/>
-                </a:solidFill>
-                <a:latin typeface="Trebuchet MS" pitchFamily="34" charset="0"/>
-                <a:ea typeface="ＭＳ Ｐゴシック" pitchFamily="34" charset="-128"/>
-                <a:cs typeface="Arial" charset="0"/>
-              </a:rPr>
-              <a:t> resources</a:t>
-            </a:r>
-          </a:p>
-          <a:p>
-            <a:pPr marL="120650" indent="-120650" fontAlgn="auto">
-              <a:spcBef>
-                <a:spcPts val="0"/>
-              </a:spcBef>
-              <a:spcAft>
-                <a:spcPts val="0"/>
-              </a:spcAft>
-              <a:buSzPct val="125000"/>
-              <a:buFont typeface="Wingdings" charset="2"/>
-              <a:buChar char="§"/>
-              <a:defRPr/>
-            </a:pPr>
-            <a:endParaRPr lang="en-US" sz="900" b="1" dirty="0">
-              <a:solidFill>
-                <a:schemeClr val="tx1">
-                  <a:lumMod val="75000"/>
-                  <a:lumOff val="25000"/>
-                </a:schemeClr>
-              </a:solidFill>
-              <a:latin typeface="Trebuchet MS" pitchFamily="34" charset="0"/>
-              <a:ea typeface="ＭＳ Ｐゴシック" pitchFamily="34" charset="-128"/>
-              <a:cs typeface="Arial" charset="0"/>
-            </a:endParaRPr>
-          </a:p>
-          <a:p>
-            <a:pPr marL="120650" indent="-120650" fontAlgn="auto">
-              <a:spcBef>
-                <a:spcPts val="0"/>
-              </a:spcBef>
-              <a:spcAft>
-                <a:spcPts val="0"/>
-              </a:spcAft>
-              <a:buSzPct val="125000"/>
-              <a:buFont typeface="Wingdings" charset="2"/>
-              <a:buChar char="§"/>
-              <a:defRPr/>
-            </a:pPr>
-            <a:r>
-              <a:rPr lang="en-US" sz="1900" b="1" dirty="0">
-                <a:solidFill>
-                  <a:schemeClr val="tx1">
-                    <a:lumMod val="75000"/>
-                    <a:lumOff val="25000"/>
-                  </a:schemeClr>
-                </a:solidFill>
-                <a:latin typeface="Trebuchet MS" pitchFamily="34" charset="0"/>
-                <a:ea typeface="ＭＳ Ｐゴシック" pitchFamily="34" charset="-128"/>
-                <a:cs typeface="Arial" charset="0"/>
-              </a:rPr>
-              <a:t> </a:t>
-            </a:r>
-            <a:r>
-              <a:rPr lang="en-US" sz="1900" b="1" dirty="0" smtClean="0">
-                <a:solidFill>
-                  <a:srgbClr val="000000"/>
-                </a:solidFill>
-                <a:latin typeface="Trebuchet MS" pitchFamily="34" charset="0"/>
-                <a:ea typeface="ＭＳ Ｐゴシック" pitchFamily="34" charset="-128"/>
-                <a:cs typeface="Arial" charset="0"/>
-              </a:rPr>
-              <a:t>Making </a:t>
-            </a:r>
-            <a:r>
-              <a:rPr lang="en-US" sz="1900" b="1" dirty="0">
-                <a:solidFill>
-                  <a:srgbClr val="000000"/>
-                </a:solidFill>
-                <a:latin typeface="Trebuchet MS" pitchFamily="34" charset="0"/>
-                <a:ea typeface="ＭＳ Ｐゴシック" pitchFamily="34" charset="-128"/>
-                <a:cs typeface="Arial" charset="0"/>
-              </a:rPr>
-              <a:t>this data available</a:t>
-            </a:r>
-            <a:r>
-              <a:rPr lang="en-US" sz="1900" b="1" dirty="0" smtClean="0">
-                <a:solidFill>
-                  <a:srgbClr val="000000"/>
-                </a:solidFill>
-                <a:latin typeface="Trebuchet MS" pitchFamily="34" charset="0"/>
-                <a:ea typeface="ＭＳ Ｐゴシック" pitchFamily="34" charset="-128"/>
-                <a:cs typeface="Arial" charset="0"/>
-              </a:rPr>
-              <a:t> using </a:t>
-            </a:r>
-            <a:r>
-              <a:rPr lang="en-US" sz="1900" b="1" dirty="0">
-                <a:solidFill>
-                  <a:srgbClr val="000000"/>
-                </a:solidFill>
-                <a:latin typeface="Trebuchet MS" pitchFamily="34" charset="0"/>
-                <a:ea typeface="ＭＳ Ｐゴシック" pitchFamily="34" charset="-128"/>
-                <a:cs typeface="Arial" charset="0"/>
-              </a:rPr>
-              <a:t>ontology-driven approach </a:t>
-            </a:r>
-            <a:r>
-              <a:rPr lang="en-US" sz="1900" b="1" dirty="0" smtClean="0">
-                <a:solidFill>
-                  <a:srgbClr val="000000"/>
-                </a:solidFill>
-                <a:latin typeface="Trebuchet MS" pitchFamily="34" charset="0"/>
-                <a:ea typeface="ＭＳ Ｐゴシック" pitchFamily="34" charset="-128"/>
-                <a:cs typeface="Arial" charset="0"/>
-              </a:rPr>
-              <a:t>to research resource </a:t>
-            </a:r>
-            <a:r>
-              <a:rPr lang="en-US" sz="1900" b="1" dirty="0">
-                <a:solidFill>
-                  <a:srgbClr val="000000"/>
-                </a:solidFill>
-                <a:latin typeface="Trebuchet MS" pitchFamily="34" charset="0"/>
-                <a:ea typeface="ＭＳ Ｐゴシック" pitchFamily="34" charset="-128"/>
-                <a:cs typeface="Arial" charset="0"/>
-              </a:rPr>
-              <a:t>annotation and </a:t>
-            </a:r>
-            <a:r>
-              <a:rPr lang="en-US" sz="1900" b="1" dirty="0" smtClean="0">
-                <a:solidFill>
-                  <a:srgbClr val="000000"/>
-                </a:solidFill>
-                <a:latin typeface="Trebuchet MS" pitchFamily="34" charset="0"/>
-                <a:ea typeface="ＭＳ Ｐゴシック" pitchFamily="34" charset="-128"/>
-                <a:cs typeface="Arial" charset="0"/>
-              </a:rPr>
-              <a:t>discovery</a:t>
-            </a:r>
-          </a:p>
-          <a:p>
-            <a:pPr marL="120650" indent="-120650" fontAlgn="auto">
-              <a:spcBef>
-                <a:spcPts val="0"/>
-              </a:spcBef>
-              <a:spcAft>
-                <a:spcPts val="0"/>
-              </a:spcAft>
-              <a:buSzPct val="125000"/>
-              <a:buFont typeface="Wingdings" charset="2"/>
-              <a:buChar char="§"/>
-              <a:defRPr/>
-            </a:pPr>
-            <a:endParaRPr lang="en-US" sz="1900" b="1" dirty="0" smtClean="0">
-              <a:solidFill>
-                <a:srgbClr val="000000"/>
-              </a:solidFill>
-              <a:latin typeface="Trebuchet MS" pitchFamily="34" charset="0"/>
-              <a:ea typeface="ＭＳ Ｐゴシック" pitchFamily="34" charset="-128"/>
-              <a:cs typeface="Arial" charset="0"/>
-            </a:endParaRPr>
-          </a:p>
-          <a:p>
-            <a:pPr marL="120650" indent="-120650">
-              <a:buSzPct val="125000"/>
-              <a:buFont typeface="Wingdings" charset="2"/>
-              <a:buChar char="§"/>
-              <a:defRPr/>
-            </a:pPr>
-            <a:r>
-              <a:rPr lang="en-US" sz="1900" b="1" dirty="0" smtClean="0">
-                <a:solidFill>
-                  <a:schemeClr val="tx1">
-                    <a:lumMod val="75000"/>
-                    <a:lumOff val="25000"/>
-                  </a:schemeClr>
-                </a:solidFill>
-                <a:latin typeface="Trebuchet MS" pitchFamily="34" charset="0"/>
-                <a:ea typeface="ＭＳ Ｐゴシック" pitchFamily="34" charset="-128"/>
-                <a:cs typeface="Arial" charset="0"/>
-              </a:rPr>
-              <a:t> </a:t>
-            </a:r>
-            <a:r>
-              <a:rPr lang="en-US" sz="1900" b="1" dirty="0" smtClean="0">
-                <a:solidFill>
-                  <a:srgbClr val="000000"/>
-                </a:solidFill>
-                <a:latin typeface="Trebuchet MS" pitchFamily="34" charset="0"/>
-                <a:ea typeface="ＭＳ Ｐゴシック" pitchFamily="34" charset="-128"/>
-                <a:cs typeface="Arial" charset="0"/>
-              </a:rPr>
-              <a:t>Reducing time-consuming and expensive duplication of resources</a:t>
-            </a:r>
-          </a:p>
-          <a:p>
-            <a:pPr marL="120650" indent="-120650" fontAlgn="auto">
-              <a:spcBef>
-                <a:spcPts val="0"/>
-              </a:spcBef>
-              <a:spcAft>
-                <a:spcPts val="0"/>
-              </a:spcAft>
-              <a:buSzPct val="125000"/>
-              <a:buFont typeface="Wingdings" charset="2"/>
-              <a:buChar char="§"/>
-              <a:defRPr/>
-            </a:pPr>
-            <a:endParaRPr lang="en-US" sz="1900" b="1" dirty="0" smtClean="0">
-              <a:solidFill>
-                <a:srgbClr val="000000"/>
-              </a:solidFill>
-              <a:latin typeface="Trebuchet MS" pitchFamily="34" charset="0"/>
-              <a:ea typeface="ＭＳ Ｐゴシック" pitchFamily="34" charset="-128"/>
-              <a:cs typeface="Arial" charset="0"/>
-            </a:endParaRPr>
-          </a:p>
-          <a:p>
-            <a:pPr marL="120650" indent="-120650" fontAlgn="auto">
-              <a:spcBef>
-                <a:spcPts val="0"/>
-              </a:spcBef>
-              <a:spcAft>
-                <a:spcPts val="0"/>
-              </a:spcAft>
-              <a:buSzPct val="125000"/>
-              <a:buFont typeface="Wingdings" charset="2"/>
-              <a:buChar char="§"/>
-              <a:defRPr/>
-            </a:pPr>
-            <a:endParaRPr lang="en-US" sz="2000" b="1" dirty="0" smtClean="0">
-              <a:solidFill>
-                <a:schemeClr val="tx1">
-                  <a:lumMod val="75000"/>
-                  <a:lumOff val="25000"/>
-                </a:schemeClr>
-              </a:solidFill>
-              <a:latin typeface="Trebuchet MS" pitchFamily="34" charset="0"/>
-              <a:ea typeface="ＭＳ Ｐゴシック" pitchFamily="34" charset="-128"/>
-              <a:cs typeface="Arial" charset="0"/>
-            </a:endParaRPr>
-          </a:p>
-          <a:p>
-            <a:endParaRPr lang="en-US" sz="2000" b="1" dirty="0"/>
-          </a:p>
-        </p:txBody>
-      </p:sp>
-      <p:sp>
-        <p:nvSpPr>
-          <p:cNvPr id="12" name="TextBox 11"/>
-          <p:cNvSpPr txBox="1"/>
-          <p:nvPr/>
-        </p:nvSpPr>
-        <p:spPr>
-          <a:xfrm>
-            <a:off x="5911189" y="6183313"/>
-            <a:ext cx="2181657" cy="400110"/>
-          </a:xfrm>
-          <a:prstGeom prst="rect">
-            <a:avLst/>
-          </a:prstGeom>
-          <a:noFill/>
-        </p:spPr>
-        <p:txBody>
-          <a:bodyPr wrap="none" rtlCol="0">
-            <a:spAutoFit/>
-          </a:bodyPr>
-          <a:lstStyle/>
-          <a:p>
-            <a:r>
-              <a:rPr lang="en-US" sz="2000" u="sng" dirty="0" err="1" smtClean="0"/>
-              <a:t>www.eagle-i/home</a:t>
-            </a:r>
-            <a:endParaRPr lang="en-US" sz="2000" u="sng" dirty="0"/>
-          </a:p>
-        </p:txBody>
-      </p:sp>
     </p:spTree>
   </p:cSld>
   <p:clrMapOvr>
@@ -12529,6 +14507,26 @@
           <a:chExt cx="0" cy="0"/>
         </a:xfrm>
       </p:grpSpPr>
+      <p:graphicFrame>
+        <p:nvGraphicFramePr>
+          <p:cNvPr id="25602" name="Object 2"/>
+          <p:cNvGraphicFramePr>
+            <a:graphicFrameLocks noChangeAspect="1"/>
+          </p:cNvGraphicFramePr>
+          <p:nvPr/>
+        </p:nvGraphicFramePr>
+        <p:xfrm>
+          <a:off x="115888" y="1298955"/>
+          <a:ext cx="8804025" cy="1760805"/>
+        </p:xfrm>
+        <a:graphic>
+          <a:graphicData uri="http://schemas.openxmlformats.org/presentationml/2006/ole">
+            <p:oleObj spid="_x0000_s83970" name="Document" r:id="rId4" imgW="4508500" imgH="901700" progId="Word.Document.12">
+              <p:link updateAutomatic="1"/>
+            </p:oleObj>
+          </a:graphicData>
+        </a:graphic>
+      </p:graphicFrame>
       <p:pic>
         <p:nvPicPr>
           <p:cNvPr id="5" name="Picture 2" descr="H:\Eagle-i\Office\OHSU Library Logo.transparent.tif"/>
@@ -12538,7 +14536,7 @@
           <p:nvPr/>
         </p:nvPicPr>
         <p:blipFill>
-          <a:blip r:embed="rId2"/>
+          <a:blip r:embed="rId5"/>
           <a:srcRect/>
           <a:stretch>
             <a:fillRect/>
@@ -12628,7 +14626,7 @@
             <p:nvPr/>
           </p:nvPicPr>
           <p:blipFill>
-            <a:blip r:embed="rId3"/>
+            <a:blip r:embed="rId6"/>
             <a:srcRect/>
             <a:stretch>
               <a:fillRect/>
@@ -12954,8 +14952,8 @@
         </p:nvSpPr>
         <p:spPr>
           <a:xfrm>
-            <a:off x="457200" y="995494"/>
-            <a:ext cx="8229600" cy="5130669"/>
+            <a:off x="457200" y="1600200"/>
+            <a:ext cx="8229600" cy="4525963"/>
           </a:xfrm>
         </p:spPr>
         <p:txBody>
@@ -12964,51 +14962,79 @@
           </a:bodyPr>
           <a:lstStyle/>
           <a:p>
+            <a:pPr lvl="1">
+              <a:buNone/>
+            </a:pPr>
+            <a:endParaRPr lang="en-US" dirty="0" smtClean="0"/>
+          </a:p>
+          <a:p>
+            <a:pPr lvl="1">
+              <a:buNone/>
+            </a:pPr>
+            <a:endParaRPr lang="en-US" dirty="0" smtClean="0"/>
+          </a:p>
+          <a:p>
+            <a:pPr lvl="1">
+              <a:buNone/>
+            </a:pPr>
+            <a:endParaRPr lang="en-US" dirty="0" smtClean="0"/>
+          </a:p>
+          <a:p>
+            <a:pPr>
+              <a:buFontTx/>
+              <a:buChar char="-"/>
+            </a:pPr>
             <a:r>
               <a:rPr lang="en-US" dirty="0" smtClean="0"/>
-              <a:t>Ontology that follows OBO Foundry principles (easy to integrate and import stuff , same upper onto, and designing principles)</a:t>
-            </a:r>
-          </a:p>
-          <a:p>
+              <a:t>Application specific modules</a:t>
+            </a:r>
+          </a:p>
+          <a:p>
+            <a:pPr lvl="1">
+              <a:buFontTx/>
+              <a:buChar char="-"/>
+            </a:pPr>
             <a:r>
               <a:rPr lang="en-US" dirty="0" smtClean="0"/>
-              <a:t>be interoperable as much as possible with other efforts (reuse an ontology that will be used in other efforts) </a:t>
-            </a:r>
-          </a:p>
-          <a:p>
+              <a:t>Used to create application specific annotation</a:t>
+            </a:r>
+          </a:p>
+          <a:p>
+            <a:pPr lvl="2">
+              <a:buFontTx/>
+              <a:buChar char="-"/>
+            </a:pPr>
             <a:r>
               <a:rPr lang="en-US" dirty="0" smtClean="0"/>
-              <a:t>Have support form the community of </a:t>
-            </a:r>
-            <a:r>
-              <a:rPr lang="en-US" dirty="0" err="1" smtClean="0"/>
-              <a:t>devs</a:t>
-            </a:r>
-            <a:endParaRPr lang="en-US" dirty="0" smtClean="0"/>
-          </a:p>
-          <a:p>
+              <a:t>Preferred labels</a:t>
+            </a:r>
+          </a:p>
+          <a:p>
+            <a:pPr lvl="2">
+              <a:buFontTx/>
+              <a:buChar char="-"/>
+            </a:pPr>
             <a:r>
               <a:rPr lang="en-US" dirty="0" smtClean="0"/>
-              <a:t>	Don’t’ reinvent the wheel</a:t>
-            </a:r>
-          </a:p>
-          <a:p>
-            <a:pPr lvl="1">
-              <a:buNone/>
-            </a:pPr>
-            <a:endParaRPr lang="en-US" dirty="0" smtClean="0"/>
-          </a:p>
-          <a:p>
-            <a:pPr lvl="1">
-              <a:buNone/>
-            </a:pPr>
+              <a:t> restrictions on domain and range</a:t>
+            </a:r>
+          </a:p>
+          <a:p>
+            <a:pPr lvl="2">
+              <a:buFontTx/>
+              <a:buChar char="-"/>
+            </a:pPr>
+            <a:r>
+              <a:rPr lang="en-US" dirty="0" smtClean="0"/>
+              <a:t>Annotation to exclude upper level classes form displaying</a:t>
+            </a:r>
             <a:endParaRPr lang="en-US" dirty="0" smtClean="0"/>
           </a:p>
         </p:txBody>
       </p:sp>
       <p:sp>
         <p:nvSpPr>
-          <p:cNvPr id="10" name="Title 1"/>
+          <p:cNvPr id="11" name="Title 1"/>
           <p:cNvSpPr>
             <a:spLocks noGrp="1"/>
           </p:cNvSpPr>
@@ -13042,7 +15068,27 @@
                 <a:ea typeface="ＭＳ Ｐゴシック" pitchFamily="34" charset="-128"/>
                 <a:cs typeface="Arial Bold" pitchFamily="-106" charset="0"/>
               </a:rPr>
-              <a:t>Why OBI?</a:t>
+              <a:t>eagle-</a:t>
+            </a:r>
+            <a:r>
+              <a:rPr lang="en-US" b="1" dirty="0" err="1" smtClean="0">
+                <a:solidFill>
+                  <a:srgbClr val="800000"/>
+                </a:solidFill>
+                <a:ea typeface="ＭＳ Ｐゴシック" pitchFamily="34" charset="-128"/>
+                <a:cs typeface="Arial Bold" pitchFamily="-106" charset="0"/>
+              </a:rPr>
+              <a:t>i</a:t>
+            </a:r>
+            <a:r>
+              <a:rPr lang="en-US" b="1" dirty="0" smtClean="0">
+                <a:solidFill>
+                  <a:srgbClr val="800000"/>
+                </a:solidFill>
+                <a:ea typeface="ＭＳ Ｐゴシック" pitchFamily="34" charset="-128"/>
+                <a:cs typeface="Arial Bold" pitchFamily="-106" charset="0"/>
+              </a:rPr>
+              <a:t> ontology </a:t>
             </a:r>
             <a:endParaRPr lang="en-US" sz="4400" b="1" dirty="0" smtClean="0">
               <a:solidFill>
@@ -13504,8 +15550,8 @@
         </p:nvSpPr>
         <p:spPr>
           <a:xfrm>
-            <a:off x="457200" y="1164248"/>
-            <a:ext cx="8229600" cy="4961915"/>
+            <a:off x="457200" y="995494"/>
+            <a:ext cx="8229600" cy="5130669"/>
           </a:xfrm>
         </p:spPr>
         <p:txBody>
@@ -13516,34 +15562,30 @@
           <a:p>
             <a:r>
               <a:rPr lang="en-US" dirty="0" smtClean="0"/>
-              <a:t>A set of terms and property imported </a:t>
-            </a:r>
-          </a:p>
-          <a:p>
-            <a:pPr lvl="1"/>
+              <a:t>Ontology that follows OBO Foundry principles (easy to integrate and import stuff , same upper onto, and designing principles)</a:t>
+            </a:r>
+          </a:p>
+          <a:p>
             <a:r>
               <a:rPr lang="en-US" dirty="0" smtClean="0"/>
-              <a:t>Techniques, </a:t>
+              <a:t>be interoperable as much as possible with other efforts (reuse an ontology that will be used in other efforts) </a:t>
             </a:r>
           </a:p>
           <a:p>
             <a:r>
               <a:rPr lang="en-US" dirty="0" smtClean="0"/>
-              <a:t>Two use cases:</a:t>
-            </a:r>
-          </a:p>
-          <a:p>
-            <a:pPr lvl="1"/>
+              <a:t>Have support form the community of </a:t>
+            </a:r>
+            <a:r>
+              <a:rPr lang="en-US" dirty="0" err="1" smtClean="0"/>
+              <a:t>devs</a:t>
+            </a:r>
+            <a:endParaRPr lang="en-US" dirty="0" smtClean="0"/>
+          </a:p>
+          <a:p>
             <a:r>
               <a:rPr lang="en-US" dirty="0" smtClean="0"/>
-              <a:t>Instruments</a:t>
-            </a:r>
-          </a:p>
-          <a:p>
-            <a:pPr lvl="1"/>
-            <a:r>
-              <a:rPr lang="en-US" dirty="0" smtClean="0"/>
-              <a:t>Services</a:t>
+              <a:t>	Don’t’ reinvent the wheel</a:t>
             </a:r>
           </a:p>
           <a:p>
@@ -13596,7 +15638,7 @@
                 <a:ea typeface="ＭＳ Ｐゴシック" pitchFamily="34" charset="-128"/>
                 <a:cs typeface="Arial Bold" pitchFamily="-106" charset="0"/>
               </a:rPr>
-              <a:t>Use cases</a:t>
+              <a:t>Why OBI?</a:t>
             </a:r>
             <a:endParaRPr lang="en-US" sz="4400" b="1" dirty="0" smtClean="0">
               <a:solidFill>
@@ -14058,129 +16100,47 @@
         </p:nvSpPr>
         <p:spPr>
           <a:xfrm>
-            <a:off x="457200" y="981430"/>
+            <a:off x="457200" y="1164248"/>
             <a:ext cx="8229600" cy="4961915"/>
           </a:xfrm>
         </p:spPr>
         <p:txBody>
           <a:bodyPr>
-            <a:normAutofit fontScale="92500" lnSpcReduction="10000"/>
+            <a:normAutofit/>
           </a:bodyPr>
           <a:lstStyle/>
           <a:p>
-            <a:pPr>
-              <a:buNone/>
-            </a:pPr>
             <a:r>
               <a:rPr lang="en-US" dirty="0" smtClean="0"/>
-              <a:t>Goals</a:t>
-            </a:r>
-          </a:p>
-          <a:p>
+              <a:t>A set of terms and property imported </a:t>
+            </a:r>
+          </a:p>
+          <a:p>
+            <a:pPr lvl="1"/>
             <a:r>
               <a:rPr lang="en-US" dirty="0" smtClean="0"/>
-              <a:t>Reuse classes had already been defined in OBI</a:t>
+              <a:t>Techniques, </a:t>
             </a:r>
           </a:p>
           <a:p>
             <a:r>
               <a:rPr lang="en-US" dirty="0" smtClean="0"/>
-              <a:t>Use the same OBI design pattern for eagle-</a:t>
-            </a:r>
-            <a:r>
-              <a:rPr lang="en-US" dirty="0" err="1" smtClean="0"/>
-              <a:t>i</a:t>
-            </a:r>
+              <a:t>Two use cases:</a:t>
+            </a:r>
+          </a:p>
+          <a:p>
+            <a:pPr lvl="1"/>
             <a:r>
               <a:rPr lang="en-US" dirty="0" smtClean="0"/>
-              <a:t> instrument classes</a:t>
+              <a:t>Instruments</a:t>
             </a:r>
           </a:p>
           <a:p>
             <a:pPr lvl="1"/>
             <a:r>
               <a:rPr lang="en-US" dirty="0" smtClean="0"/>
-              <a:t>Define equivalent classes based on device functions</a:t>
-            </a:r>
-          </a:p>
-          <a:p>
-            <a:pPr lvl="2"/>
-            <a:r>
-              <a:rPr lang="en-US" dirty="0" err="1" smtClean="0"/>
-              <a:t>Eg</a:t>
-            </a:r>
-            <a:r>
-              <a:rPr lang="en-US" dirty="0" smtClean="0"/>
-              <a:t>: measurement device </a:t>
-            </a:r>
-          </a:p>
-          <a:p>
-            <a:pPr lvl="2">
-              <a:buNone/>
-            </a:pPr>
-            <a:r>
-              <a:rPr lang="en-US" dirty="0" smtClean="0"/>
-              <a:t>	Equivalent to:</a:t>
-            </a:r>
-          </a:p>
-          <a:p>
-            <a:pPr lvl="3">
-              <a:buNone/>
-            </a:pPr>
-            <a:r>
-              <a:rPr lang="en-US" dirty="0" smtClean="0"/>
-              <a:t>	device</a:t>
-            </a:r>
-          </a:p>
-          <a:p>
-            <a:pPr lvl="3">
-              <a:buNone/>
-            </a:pPr>
-            <a:r>
-              <a:rPr lang="en-US" dirty="0" smtClean="0"/>
-              <a:t>    and (</a:t>
-            </a:r>
-            <a:r>
-              <a:rPr lang="en-US" dirty="0" err="1" smtClean="0"/>
-              <a:t>has_function</a:t>
-            </a:r>
-            <a:r>
-              <a:rPr lang="en-US" dirty="0" smtClean="0"/>
-              <a:t> some 'measure function')</a:t>
-            </a:r>
-          </a:p>
-          <a:p>
-            <a:pPr marL="342900" lvl="1" indent="-342900">
-              <a:buFont typeface="Arial"/>
-              <a:buChar char="•"/>
-            </a:pPr>
-            <a:r>
-              <a:rPr lang="en-US" sz="3200" dirty="0" smtClean="0"/>
-              <a:t>Align instrument representation with NIF</a:t>
-            </a:r>
-          </a:p>
-          <a:p>
-            <a:pPr marL="342900" lvl="1" indent="-342900">
-              <a:buFont typeface="Arial"/>
-              <a:buChar char="•"/>
-            </a:pPr>
-            <a:r>
-              <a:rPr lang="en-US" sz="3200" dirty="0" smtClean="0"/>
-              <a:t>Contribute back enriching OBI devices</a:t>
-            </a:r>
-          </a:p>
-          <a:p>
-            <a:pPr marL="742950" lvl="2" indent="-342900">
-              <a:buNone/>
-            </a:pPr>
-            <a:endParaRPr lang="en-US" dirty="0" smtClean="0"/>
-          </a:p>
-          <a:p>
-            <a:pPr marL="342900" lvl="1" indent="-342900">
-              <a:buFont typeface="Arial"/>
-              <a:buChar char="•"/>
-            </a:pPr>
-            <a:endParaRPr lang="en-US" sz="3200" dirty="0" smtClean="0"/>
+              <a:t>Services</a:t>
+            </a:r>
           </a:p>
           <a:p>
             <a:pPr lvl="1">
@@ -14232,7 +16192,7 @@
                 <a:ea typeface="ＭＳ Ｐゴシック" pitchFamily="34" charset="-128"/>
                 <a:cs typeface="Arial Bold" pitchFamily="-106" charset="0"/>
               </a:rPr>
-              <a:t>Use case: Instrument</a:t>
+              <a:t>Use cases</a:t>
             </a:r>
             <a:endParaRPr lang="en-US" sz="4400" b="1" dirty="0" smtClean="0">
               <a:solidFill>
@@ -14278,7 +16238,7 @@
           <p:nvPr/>
         </p:nvPicPr>
         <p:blipFill>
-          <a:blip r:embed="rId3"/>
+          <a:blip r:embed="rId2"/>
           <a:srcRect/>
           <a:stretch>
             <a:fillRect/>
@@ -14368,7 +16328,7 @@
             <p:nvPr/>
           </p:nvPicPr>
           <p:blipFill>
-            <a:blip r:embed="rId4"/>
+            <a:blip r:embed="rId3"/>
             <a:srcRect/>
             <a:stretch>
               <a:fillRect/>
@@ -14694,13 +16654,13 @@
         </p:nvSpPr>
         <p:spPr>
           <a:xfrm>
-            <a:off x="457200" y="1164248"/>
+            <a:off x="457200" y="981430"/>
             <a:ext cx="8229600" cy="4961915"/>
           </a:xfrm>
         </p:spPr>
         <p:txBody>
           <a:bodyPr>
-            <a:normAutofit/>
+            <a:normAutofit fontScale="92500" lnSpcReduction="10000"/>
           </a:bodyPr>
           <a:lstStyle/>
           <a:p>
@@ -14709,54 +16669,114 @@
             </a:pPr>
             <a:r>
               <a:rPr lang="en-US" dirty="0" smtClean="0"/>
-              <a:t>1) Align eagle-I and NIF instrument with OBI devices</a:t>
-            </a:r>
-          </a:p>
-          <a:p>
-            <a:pPr>
-              <a:buNone/>
-            </a:pPr>
+              <a:t>Goals</a:t>
+            </a:r>
+          </a:p>
+          <a:p>
             <a:r>
               <a:rPr lang="en-US" dirty="0" smtClean="0"/>
-              <a:t>2) MIREOT the device classes already present OBI (</a:t>
-            </a:r>
-            <a:r>
-              <a:rPr lang="en-US" dirty="0" err="1" smtClean="0"/>
-              <a:t>eg</a:t>
-            </a:r>
+              <a:t>Reuse classes had already been defined in OBI</a:t>
+            </a:r>
+          </a:p>
+          <a:p>
             <a:r>
               <a:rPr lang="en-US" dirty="0" smtClean="0"/>
-              <a:t>. DNA sequencer, centrifuge)</a:t>
-            </a:r>
-          </a:p>
-          <a:p>
-            <a:pPr>
-              <a:buNone/>
-            </a:pPr>
-            <a:r>
-              <a:rPr lang="en-US" dirty="0" smtClean="0"/>
-              <a:t>3) Generate request for new terms using Quick Term Template (QTT)</a:t>
-            </a:r>
-          </a:p>
-          <a:p>
-            <a:pPr>
-              <a:buNone/>
-            </a:pPr>
-            <a:r>
-              <a:rPr lang="en-US" dirty="0" smtClean="0"/>
-              <a:t>4) MIREOT back from OBI the new instrument classes into eagle-</a:t>
+              <a:t>Use the same OBI design pattern for eagle-</a:t>
             </a:r>
             <a:r>
               <a:rPr lang="en-US" dirty="0" err="1" smtClean="0"/>
               <a:t>i</a:t>
             </a:r>
+            <a:r>
+              <a:rPr lang="en-US" dirty="0" smtClean="0"/>
+              <a:t> instrument classes</a:t>
+            </a:r>
+          </a:p>
+          <a:p>
+            <a:pPr lvl="1"/>
+            <a:r>
+              <a:rPr lang="en-US" dirty="0" smtClean="0"/>
+              <a:t>Define equivalent classes based on device functions</a:t>
+            </a:r>
+          </a:p>
+          <a:p>
+            <a:pPr lvl="2"/>
+            <a:r>
+              <a:rPr lang="en-US" dirty="0" err="1" smtClean="0"/>
+              <a:t>Eg</a:t>
+            </a:r>
+            <a:r>
+              <a:rPr lang="en-US" dirty="0" smtClean="0"/>
+              <a:t>: measurement device </a:t>
+            </a:r>
+          </a:p>
+          <a:p>
+            <a:pPr lvl="2">
+              <a:buNone/>
+            </a:pPr>
+            <a:r>
+              <a:rPr lang="en-US" dirty="0" smtClean="0"/>
+              <a:t>	Equivalent to:</a:t>
+            </a:r>
+          </a:p>
+          <a:p>
+            <a:pPr lvl="3">
+              <a:buNone/>
+            </a:pPr>
+            <a:r>
+              <a:rPr lang="en-US" dirty="0" smtClean="0"/>
+              <a:t>	device</a:t>
+            </a:r>
+          </a:p>
+          <a:p>
+            <a:pPr lvl="3">
+              <a:buNone/>
+            </a:pPr>
+            <a:r>
+              <a:rPr lang="en-US" dirty="0" smtClean="0"/>
+              <a:t>    and (</a:t>
+            </a:r>
+            <a:r>
+              <a:rPr lang="en-US" dirty="0" err="1" smtClean="0"/>
+              <a:t>has_function</a:t>
+            </a:r>
+            <a:r>
+              <a:rPr lang="en-US" dirty="0" smtClean="0"/>
+              <a:t> some 'measure function')</a:t>
+            </a:r>
+          </a:p>
+          <a:p>
+            <a:pPr marL="342900" lvl="1" indent="-342900">
+              <a:buFont typeface="Arial"/>
+              <a:buChar char="•"/>
+            </a:pPr>
+            <a:r>
+              <a:rPr lang="en-US" sz="3200" dirty="0" smtClean="0"/>
+              <a:t>Align instrument representation with NIF</a:t>
+            </a:r>
+          </a:p>
+          <a:p>
+            <a:pPr marL="342900" lvl="1" indent="-342900">
+              <a:buFont typeface="Arial"/>
+              <a:buChar char="•"/>
+            </a:pPr>
+            <a:r>
+              <a:rPr lang="en-US" sz="3200" dirty="0" smtClean="0"/>
+              <a:t>Contribute back enriching OBI devices</a:t>
+            </a:r>
+          </a:p>
+          <a:p>
+            <a:pPr marL="742950" lvl="2" indent="-342900">
+              <a:buNone/>
+            </a:pPr>
             <a:endParaRPr lang="en-US" dirty="0" smtClean="0"/>
           </a:p>
           <a:p>
-            <a:pPr lvl="3">
-              <a:buNone/>
-            </a:pPr>
-            <a:endParaRPr lang="en-US" dirty="0" smtClean="0"/>
+            <a:pPr marL="342900" lvl="1" indent="-342900">
+              <a:buFont typeface="Arial"/>
+              <a:buChar char="•"/>
+            </a:pPr>
+            <a:endParaRPr lang="en-US" sz="3200" dirty="0" smtClean="0"/>
           </a:p>
           <a:p>
             <a:pPr lvl="1">
@@ -14808,7 +16828,7 @@
                 <a:ea typeface="ＭＳ Ｐゴシック" pitchFamily="34" charset="-128"/>
                 <a:cs typeface="Arial Bold" pitchFamily="-106" charset="0"/>
               </a:rPr>
-              <a:t>Instrument implementation</a:t>
+              <a:t>Use case: Instrument</a:t>
             </a:r>
             <a:endParaRPr lang="en-US" sz="4400" b="1" dirty="0" smtClean="0">
               <a:solidFill>
@@ -15270,8 +17290,8 @@
         </p:nvSpPr>
         <p:spPr>
           <a:xfrm>
-            <a:off x="457200" y="1058406"/>
-            <a:ext cx="8229600" cy="1160829"/>
+            <a:off x="457200" y="1164248"/>
+            <a:ext cx="8229600" cy="4961915"/>
           </a:xfrm>
         </p:spPr>
         <p:txBody>
@@ -15280,103 +17300,53 @@
           </a:bodyPr>
           <a:lstStyle/>
           <a:p>
-            <a:pPr marL="514350" indent="-514350">
-              <a:buAutoNum type="arabicParenR"/>
+            <a:pPr>
+              <a:buNone/>
             </a:pPr>
             <a:r>
               <a:rPr lang="en-US" dirty="0" smtClean="0"/>
-              <a:t>Align eagle-i instruments with OBI devices and NIF instruments</a:t>
-            </a:r>
-          </a:p>
-          <a:p>
-            <a:pPr marL="514350" indent="-514350">
-              <a:buAutoNum type="arabicParenR"/>
-            </a:pPr>
+              <a:t>1) Align eagle-I and NIF instrument with OBI devices</a:t>
+            </a:r>
+          </a:p>
+          <a:p>
+            <a:pPr>
+              <a:buNone/>
+            </a:pPr>
+            <a:r>
+              <a:rPr lang="en-US" dirty="0" smtClean="0"/>
+              <a:t>2) MIREOT the device classes already present OBI (</a:t>
+            </a:r>
+            <a:r>
+              <a:rPr lang="en-US" dirty="0" err="1" smtClean="0"/>
+              <a:t>eg</a:t>
+            </a:r>
+            <a:r>
+              <a:rPr lang="en-US" dirty="0" smtClean="0"/>
+              <a:t>. DNA sequencer, centrifuge)</a:t>
+            </a:r>
+          </a:p>
+          <a:p>
+            <a:pPr>
+              <a:buNone/>
+            </a:pPr>
+            <a:r>
+              <a:rPr lang="en-US" dirty="0" smtClean="0"/>
+              <a:t>3) Generate request for new terms using Quick Term Template (QTT)</a:t>
+            </a:r>
+          </a:p>
+          <a:p>
+            <a:pPr>
+              <a:buNone/>
+            </a:pPr>
+            <a:r>
+              <a:rPr lang="en-US" dirty="0" smtClean="0"/>
+              <a:t>4) MIREOT back from OBI the new instrument classes into eagle-</a:t>
+            </a:r>
+            <a:r>
+              <a:rPr lang="en-US" dirty="0" err="1" smtClean="0"/>
+              <a:t>i</a:t>
+            </a:r>
             <a:endParaRPr lang="en-US" dirty="0" smtClean="0"/>
-          </a:p>
-          <a:p>
-            <a:pPr marL="514350" indent="-514350">
-              <a:buAutoNum type="arabicParenR"/>
-            </a:pPr>
-            <a:endParaRPr lang="en-US" dirty="0" smtClean="0"/>
-          </a:p>
-          <a:p>
-            <a:pPr marL="514350" indent="-514350">
-              <a:buAutoNum type="arabicParenR"/>
-            </a:pPr>
-            <a:endParaRPr lang="en-US" dirty="0" smtClean="0"/>
-          </a:p>
-          <a:p>
-            <a:pPr marL="514350" indent="-514350">
-              <a:buNone/>
-            </a:pPr>
-            <a:endParaRPr lang="en-US" dirty="0" smtClean="0"/>
-          </a:p>
-          <a:p>
-            <a:pPr marL="514350" indent="-514350">
-              <a:buNone/>
-            </a:pPr>
-            <a:endParaRPr lang="en-US" dirty="0" smtClean="0"/>
-          </a:p>
-          <a:p>
-            <a:pPr marL="514350" indent="-514350">
-              <a:buNone/>
-            </a:pPr>
-            <a:endParaRPr lang="en-US" dirty="0" smtClean="0"/>
-          </a:p>
-          <a:p>
-            <a:pPr marL="514350" indent="-514350">
-              <a:buNone/>
-            </a:pPr>
-            <a:endParaRPr lang="en-US" dirty="0" smtClean="0"/>
-          </a:p>
-          <a:p>
-            <a:pPr marL="514350" indent="-514350">
-              <a:buNone/>
-            </a:pPr>
-            <a:endParaRPr lang="en-US" dirty="0" smtClean="0"/>
-          </a:p>
-          <a:p>
-            <a:pPr marL="514350" indent="-514350">
-              <a:buNone/>
-            </a:pPr>
-            <a:endParaRPr lang="en-US" dirty="0" smtClean="0"/>
-          </a:p>
-          <a:p>
-            <a:pPr marL="514350" indent="-514350">
-              <a:buAutoNum type="arabicParenR"/>
-            </a:pPr>
-            <a:endParaRPr lang="en-US" dirty="0" smtClean="0"/>
-          </a:p>
-          <a:p>
-            <a:pPr marL="514350" indent="-514350">
-              <a:buAutoNum type="arabicParenR"/>
-            </a:pPr>
-            <a:endParaRPr lang="en-US" dirty="0" smtClean="0"/>
-          </a:p>
-          <a:p>
-            <a:pPr marL="514350" indent="-514350">
-              <a:buAutoNum type="arabicParenR"/>
-            </a:pPr>
-            <a:endParaRPr lang="en-US" dirty="0" smtClean="0"/>
-          </a:p>
-          <a:p>
-            <a:pPr marL="514350" indent="-514350">
-              <a:buAutoNum type="arabicParenR"/>
-            </a:pPr>
-            <a:endParaRPr lang="en-US" dirty="0" smtClean="0"/>
-          </a:p>
-          <a:p>
-            <a:pPr marL="514350" indent="-514350">
-              <a:buAutoNum type="arabicParenR"/>
-            </a:pPr>
-            <a:endParaRPr lang="en-US" dirty="0" smtClean="0"/>
-          </a:p>
-          <a:p>
-            <a:pPr marL="514350" indent="-514350">
-              <a:buAutoNum type="arabicParenR"/>
-            </a:pPr>
-            <a:endParaRPr lang="en-US" b="1" dirty="0" smtClean="0"/>
           </a:p>
           <a:p>
             <a:pPr lvl="3">
@@ -15442,665 +17412,6 @@
               </a:solidFill>
               <a:ea typeface="ＭＳ Ｐゴシック" pitchFamily="34" charset="-128"/>
               <a:cs typeface="Arial Bold" pitchFamily="-106" charset="0"/>
-            </a:endParaRPr>
-          </a:p>
-        </p:txBody>
-      </p:sp>
-      <p:pic>
-        <p:nvPicPr>
-          <p:cNvPr id="11" name="Picture 10"/>
-          <p:cNvPicPr>
-            <a:picLocks noChangeAspect="1"/>
-          </p:cNvPicPr>
-          <p:nvPr/>
-        </p:nvPicPr>
-        <p:blipFill>
-          <a:blip r:embed="rId5"/>
-          <a:stretch>
-            <a:fillRect/>
-          </a:stretch>
-        </p:blipFill>
-        <p:spPr>
-          <a:xfrm>
-            <a:off x="1358708" y="2174562"/>
-            <a:ext cx="6036592" cy="3114704"/>
-          </a:xfrm>
-          <a:prstGeom prst="rect">
-            <a:avLst/>
-          </a:prstGeom>
-        </p:spPr>
-      </p:pic>
-      <p:sp>
-        <p:nvSpPr>
-          <p:cNvPr id="12" name="Content Placeholder 2"/>
-          <p:cNvSpPr txBox="1">
-            <a:spLocks/>
-          </p:cNvSpPr>
-          <p:nvPr/>
-        </p:nvSpPr>
-        <p:spPr>
-          <a:xfrm>
-            <a:off x="609600" y="5255854"/>
-            <a:ext cx="8229600" cy="1260231"/>
-          </a:xfrm>
-          <a:prstGeom prst="rect">
-            <a:avLst/>
-          </a:prstGeom>
-        </p:spPr>
-        <p:txBody>
-          <a:bodyPr vert="horz" lIns="91440" tIns="45720" rIns="91440" bIns="45720" rtlCol="0">
-            <a:normAutofit/>
-          </a:bodyPr>
-          <a:lstStyle/>
-          <a:p>
-            <a:pPr marL="514350" lvl="0" indent="-514350">
-              <a:spcBef>
-                <a:spcPct val="20000"/>
-              </a:spcBef>
-            </a:pPr>
-            <a:r>
-              <a:rPr lang="en-US" sz="3200" dirty="0" smtClean="0"/>
-              <a:t>2) MIREOT the device classes already present OBI (</a:t>
-            </a:r>
-            <a:r>
-              <a:rPr lang="en-US" sz="3200" dirty="0" err="1" smtClean="0"/>
-              <a:t>eg</a:t>
-            </a:r>
-            <a:r>
-              <a:rPr lang="en-US" sz="3200" dirty="0" smtClean="0"/>
-              <a:t>. DNA sequencer, centrifuge)</a:t>
-            </a:r>
-          </a:p>
-          <a:p>
-            <a:pPr marL="514350" marR="0" lvl="0" indent="-514350" algn="l" defTabSz="457200" rtl="0" eaLnBrk="1" fontAlgn="auto" latinLnBrk="0" hangingPunct="1">
-              <a:lnSpc>
-                <a:spcPct val="100000"/>
-              </a:lnSpc>
-              <a:spcBef>
-                <a:spcPct val="20000"/>
-              </a:spcBef>
-              <a:spcAft>
-                <a:spcPts val="0"/>
-              </a:spcAft>
-              <a:buClrTx/>
-              <a:buSzTx/>
-              <a:tabLst/>
-              <a:defRPr/>
-            </a:pPr>
-            <a:endParaRPr kumimoji="0" lang="en-US" sz="3200" b="0" i="0" u="none" strike="noStrike" kern="1200" cap="none" spc="0" normalizeH="0" baseline="0" noProof="0" dirty="0" smtClean="0">
-              <a:ln>
-                <a:noFill/>
-              </a:ln>
-              <a:solidFill>
-                <a:schemeClr val="tx1"/>
-              </a:solidFill>
-              <a:effectLst/>
-              <a:uLnTx/>
-              <a:uFillTx/>
-              <a:latin typeface="+mn-lt"/>
-              <a:ea typeface="+mn-ea"/>
-              <a:cs typeface="+mn-cs"/>
-            </a:endParaRPr>
-          </a:p>
-          <a:p>
-            <a:pPr marL="514350" marR="0" lvl="0" indent="-514350" algn="l" defTabSz="457200" rtl="0" eaLnBrk="1" fontAlgn="auto" latinLnBrk="0" hangingPunct="1">
-              <a:lnSpc>
-                <a:spcPct val="100000"/>
-              </a:lnSpc>
-              <a:spcBef>
-                <a:spcPct val="20000"/>
-              </a:spcBef>
-              <a:spcAft>
-                <a:spcPts val="0"/>
-              </a:spcAft>
-              <a:buClrTx/>
-              <a:buSzTx/>
-              <a:buFont typeface="Arial"/>
-              <a:buAutoNum type="arabicParenR"/>
-              <a:tabLst/>
-              <a:defRPr/>
-            </a:pPr>
-            <a:endParaRPr kumimoji="0" lang="en-US" sz="3200" b="0" i="0" u="none" strike="noStrike" kern="1200" cap="none" spc="0" normalizeH="0" baseline="0" noProof="0" dirty="0" smtClean="0">
-              <a:ln>
-                <a:noFill/>
-              </a:ln>
-              <a:solidFill>
-                <a:schemeClr val="tx1"/>
-              </a:solidFill>
-              <a:effectLst/>
-              <a:uLnTx/>
-              <a:uFillTx/>
-              <a:latin typeface="+mn-lt"/>
-              <a:ea typeface="+mn-ea"/>
-              <a:cs typeface="+mn-cs"/>
-            </a:endParaRPr>
-          </a:p>
-          <a:p>
-            <a:pPr marL="514350" marR="0" lvl="0" indent="-514350" algn="l" defTabSz="457200" rtl="0" eaLnBrk="1" fontAlgn="auto" latinLnBrk="0" hangingPunct="1">
-              <a:lnSpc>
-                <a:spcPct val="100000"/>
-              </a:lnSpc>
-              <a:spcBef>
-                <a:spcPct val="20000"/>
-              </a:spcBef>
-              <a:spcAft>
-                <a:spcPts val="0"/>
-              </a:spcAft>
-              <a:buClrTx/>
-              <a:buSzTx/>
-              <a:buFont typeface="Arial"/>
-              <a:buAutoNum type="arabicParenR"/>
-              <a:tabLst/>
-              <a:defRPr/>
-            </a:pPr>
-            <a:endParaRPr kumimoji="0" lang="en-US" sz="3200" b="0" i="0" u="none" strike="noStrike" kern="1200" cap="none" spc="0" normalizeH="0" baseline="0" noProof="0" dirty="0" smtClean="0">
-              <a:ln>
-                <a:noFill/>
-              </a:ln>
-              <a:solidFill>
-                <a:schemeClr val="tx1"/>
-              </a:solidFill>
-              <a:effectLst/>
-              <a:uLnTx/>
-              <a:uFillTx/>
-              <a:latin typeface="+mn-lt"/>
-              <a:ea typeface="+mn-ea"/>
-              <a:cs typeface="+mn-cs"/>
-            </a:endParaRPr>
-          </a:p>
-          <a:p>
-            <a:pPr marL="514350" marR="0" lvl="0" indent="-514350" algn="l" defTabSz="457200" rtl="0" eaLnBrk="1" fontAlgn="auto" latinLnBrk="0" hangingPunct="1">
-              <a:lnSpc>
-                <a:spcPct val="100000"/>
-              </a:lnSpc>
-              <a:spcBef>
-                <a:spcPct val="20000"/>
-              </a:spcBef>
-              <a:spcAft>
-                <a:spcPts val="0"/>
-              </a:spcAft>
-              <a:buClrTx/>
-              <a:buSzTx/>
-              <a:buFont typeface="Arial"/>
-              <a:buNone/>
-              <a:tabLst/>
-              <a:defRPr/>
-            </a:pPr>
-            <a:endParaRPr kumimoji="0" lang="en-US" sz="3200" b="0" i="0" u="none" strike="noStrike" kern="1200" cap="none" spc="0" normalizeH="0" baseline="0" noProof="0" dirty="0" smtClean="0">
-              <a:ln>
-                <a:noFill/>
-              </a:ln>
-              <a:solidFill>
-                <a:schemeClr val="tx1"/>
-              </a:solidFill>
-              <a:effectLst/>
-              <a:uLnTx/>
-              <a:uFillTx/>
-              <a:latin typeface="+mn-lt"/>
-              <a:ea typeface="+mn-ea"/>
-              <a:cs typeface="+mn-cs"/>
-            </a:endParaRPr>
-          </a:p>
-          <a:p>
-            <a:pPr marL="514350" marR="0" lvl="0" indent="-514350" algn="l" defTabSz="457200" rtl="0" eaLnBrk="1" fontAlgn="auto" latinLnBrk="0" hangingPunct="1">
-              <a:lnSpc>
-                <a:spcPct val="100000"/>
-              </a:lnSpc>
-              <a:spcBef>
-                <a:spcPct val="20000"/>
-              </a:spcBef>
-              <a:spcAft>
-                <a:spcPts val="0"/>
-              </a:spcAft>
-              <a:buClrTx/>
-              <a:buSzTx/>
-              <a:buFont typeface="Arial"/>
-              <a:buNone/>
-              <a:tabLst/>
-              <a:defRPr/>
-            </a:pPr>
-            <a:endParaRPr kumimoji="0" lang="en-US" sz="3200" b="0" i="0" u="none" strike="noStrike" kern="1200" cap="none" spc="0" normalizeH="0" baseline="0" noProof="0" dirty="0" smtClean="0">
-              <a:ln>
-                <a:noFill/>
-              </a:ln>
-              <a:solidFill>
-                <a:schemeClr val="tx1"/>
-              </a:solidFill>
-              <a:effectLst/>
-              <a:uLnTx/>
-              <a:uFillTx/>
-              <a:latin typeface="+mn-lt"/>
-              <a:ea typeface="+mn-ea"/>
-              <a:cs typeface="+mn-cs"/>
-            </a:endParaRPr>
-          </a:p>
-          <a:p>
-            <a:pPr marL="514350" marR="0" lvl="0" indent="-514350" algn="l" defTabSz="457200" rtl="0" eaLnBrk="1" fontAlgn="auto" latinLnBrk="0" hangingPunct="1">
-              <a:lnSpc>
-                <a:spcPct val="100000"/>
-              </a:lnSpc>
-              <a:spcBef>
-                <a:spcPct val="20000"/>
-              </a:spcBef>
-              <a:spcAft>
-                <a:spcPts val="0"/>
-              </a:spcAft>
-              <a:buClrTx/>
-              <a:buSzTx/>
-              <a:buFont typeface="Arial"/>
-              <a:buNone/>
-              <a:tabLst/>
-              <a:defRPr/>
-            </a:pPr>
-            <a:endParaRPr kumimoji="0" lang="en-US" sz="3200" b="0" i="0" u="none" strike="noStrike" kern="1200" cap="none" spc="0" normalizeH="0" baseline="0" noProof="0" dirty="0" smtClean="0">
-              <a:ln>
-                <a:noFill/>
-              </a:ln>
-              <a:solidFill>
-                <a:schemeClr val="tx1"/>
-              </a:solidFill>
-              <a:effectLst/>
-              <a:uLnTx/>
-              <a:uFillTx/>
-              <a:latin typeface="+mn-lt"/>
-              <a:ea typeface="+mn-ea"/>
-              <a:cs typeface="+mn-cs"/>
-            </a:endParaRPr>
-          </a:p>
-          <a:p>
-            <a:pPr marL="514350" marR="0" lvl="0" indent="-514350" algn="l" defTabSz="457200" rtl="0" eaLnBrk="1" fontAlgn="auto" latinLnBrk="0" hangingPunct="1">
-              <a:lnSpc>
-                <a:spcPct val="100000"/>
-              </a:lnSpc>
-              <a:spcBef>
-                <a:spcPct val="20000"/>
-              </a:spcBef>
-              <a:spcAft>
-                <a:spcPts val="0"/>
-              </a:spcAft>
-              <a:buClrTx/>
-              <a:buSzTx/>
-              <a:buFont typeface="Arial"/>
-              <a:buNone/>
-              <a:tabLst/>
-              <a:defRPr/>
-            </a:pPr>
-            <a:endParaRPr kumimoji="0" lang="en-US" sz="3200" b="0" i="0" u="none" strike="noStrike" kern="1200" cap="none" spc="0" normalizeH="0" baseline="0" noProof="0" dirty="0" smtClean="0">
-              <a:ln>
-                <a:noFill/>
-              </a:ln>
-              <a:solidFill>
-                <a:schemeClr val="tx1"/>
-              </a:solidFill>
-              <a:effectLst/>
-              <a:uLnTx/>
-              <a:uFillTx/>
-              <a:latin typeface="+mn-lt"/>
-              <a:ea typeface="+mn-ea"/>
-              <a:cs typeface="+mn-cs"/>
-            </a:endParaRPr>
-          </a:p>
-          <a:p>
-            <a:pPr marL="514350" marR="0" lvl="0" indent="-514350" algn="l" defTabSz="457200" rtl="0" eaLnBrk="1" fontAlgn="auto" latinLnBrk="0" hangingPunct="1">
-              <a:lnSpc>
-                <a:spcPct val="100000"/>
-              </a:lnSpc>
-              <a:spcBef>
-                <a:spcPct val="20000"/>
-              </a:spcBef>
-              <a:spcAft>
-                <a:spcPts val="0"/>
-              </a:spcAft>
-              <a:buClrTx/>
-              <a:buSzTx/>
-              <a:buFont typeface="Arial"/>
-              <a:buNone/>
-              <a:tabLst/>
-              <a:defRPr/>
-            </a:pPr>
-            <a:endParaRPr kumimoji="0" lang="en-US" sz="3200" b="0" i="0" u="none" strike="noStrike" kern="1200" cap="none" spc="0" normalizeH="0" baseline="0" noProof="0" dirty="0" smtClean="0">
-              <a:ln>
-                <a:noFill/>
-              </a:ln>
-              <a:solidFill>
-                <a:schemeClr val="tx1"/>
-              </a:solidFill>
-              <a:effectLst/>
-              <a:uLnTx/>
-              <a:uFillTx/>
-              <a:latin typeface="+mn-lt"/>
-              <a:ea typeface="+mn-ea"/>
-              <a:cs typeface="+mn-cs"/>
-            </a:endParaRPr>
-          </a:p>
-          <a:p>
-            <a:pPr marL="514350" marR="0" lvl="0" indent="-514350" algn="l" defTabSz="457200" rtl="0" eaLnBrk="1" fontAlgn="auto" latinLnBrk="0" hangingPunct="1">
-              <a:lnSpc>
-                <a:spcPct val="100000"/>
-              </a:lnSpc>
-              <a:spcBef>
-                <a:spcPct val="20000"/>
-              </a:spcBef>
-              <a:spcAft>
-                <a:spcPts val="0"/>
-              </a:spcAft>
-              <a:buClrTx/>
-              <a:buSzTx/>
-              <a:buFont typeface="Arial"/>
-              <a:buNone/>
-              <a:tabLst/>
-              <a:defRPr/>
-            </a:pPr>
-            <a:endParaRPr kumimoji="0" lang="en-US" sz="3200" b="0" i="0" u="none" strike="noStrike" kern="1200" cap="none" spc="0" normalizeH="0" baseline="0" noProof="0" dirty="0" smtClean="0">
-              <a:ln>
-                <a:noFill/>
-              </a:ln>
-              <a:solidFill>
-                <a:schemeClr val="tx1"/>
-              </a:solidFill>
-              <a:effectLst/>
-              <a:uLnTx/>
-              <a:uFillTx/>
-              <a:latin typeface="+mn-lt"/>
-              <a:ea typeface="+mn-ea"/>
-              <a:cs typeface="+mn-cs"/>
-            </a:endParaRPr>
-          </a:p>
-          <a:p>
-            <a:pPr marL="514350" marR="0" lvl="0" indent="-514350" algn="l" defTabSz="457200" rtl="0" eaLnBrk="1" fontAlgn="auto" latinLnBrk="0" hangingPunct="1">
-              <a:lnSpc>
-                <a:spcPct val="100000"/>
-              </a:lnSpc>
-              <a:spcBef>
-                <a:spcPct val="20000"/>
-              </a:spcBef>
-              <a:spcAft>
-                <a:spcPts val="0"/>
-              </a:spcAft>
-              <a:buClrTx/>
-              <a:buSzTx/>
-              <a:buFont typeface="Arial"/>
-              <a:buAutoNum type="arabicParenR"/>
-              <a:tabLst/>
-              <a:defRPr/>
-            </a:pPr>
-            <a:endParaRPr kumimoji="0" lang="en-US" sz="3200" b="0" i="0" u="none" strike="noStrike" kern="1200" cap="none" spc="0" normalizeH="0" baseline="0" noProof="0" dirty="0" smtClean="0">
-              <a:ln>
-                <a:noFill/>
-              </a:ln>
-              <a:solidFill>
-                <a:schemeClr val="tx1"/>
-              </a:solidFill>
-              <a:effectLst/>
-              <a:uLnTx/>
-              <a:uFillTx/>
-              <a:latin typeface="+mn-lt"/>
-              <a:ea typeface="+mn-ea"/>
-              <a:cs typeface="+mn-cs"/>
-            </a:endParaRPr>
-          </a:p>
-          <a:p>
-            <a:pPr marL="514350" marR="0" lvl="0" indent="-514350" algn="l" defTabSz="457200" rtl="0" eaLnBrk="1" fontAlgn="auto" latinLnBrk="0" hangingPunct="1">
-              <a:lnSpc>
-                <a:spcPct val="100000"/>
-              </a:lnSpc>
-              <a:spcBef>
-                <a:spcPct val="20000"/>
-              </a:spcBef>
-              <a:spcAft>
-                <a:spcPts val="0"/>
-              </a:spcAft>
-              <a:buClrTx/>
-              <a:buSzTx/>
-              <a:buFont typeface="Arial"/>
-              <a:buAutoNum type="arabicParenR"/>
-              <a:tabLst/>
-              <a:defRPr/>
-            </a:pPr>
-            <a:endParaRPr kumimoji="0" lang="en-US" sz="3200" b="0" i="0" u="none" strike="noStrike" kern="1200" cap="none" spc="0" normalizeH="0" baseline="0" noProof="0" dirty="0" smtClean="0">
-              <a:ln>
-                <a:noFill/>
-              </a:ln>
-              <a:solidFill>
-                <a:schemeClr val="tx1"/>
-              </a:solidFill>
-              <a:effectLst/>
-              <a:uLnTx/>
-              <a:uFillTx/>
-              <a:latin typeface="+mn-lt"/>
-              <a:ea typeface="+mn-ea"/>
-              <a:cs typeface="+mn-cs"/>
-            </a:endParaRPr>
-          </a:p>
-          <a:p>
-            <a:pPr marL="514350" marR="0" lvl="0" indent="-514350" algn="l" defTabSz="457200" rtl="0" eaLnBrk="1" fontAlgn="auto" latinLnBrk="0" hangingPunct="1">
-              <a:lnSpc>
-                <a:spcPct val="100000"/>
-              </a:lnSpc>
-              <a:spcBef>
-                <a:spcPct val="20000"/>
-              </a:spcBef>
-              <a:spcAft>
-                <a:spcPts val="0"/>
-              </a:spcAft>
-              <a:buClrTx/>
-              <a:buSzTx/>
-              <a:buFont typeface="Arial"/>
-              <a:buAutoNum type="arabicParenR"/>
-              <a:tabLst/>
-              <a:defRPr/>
-            </a:pPr>
-            <a:endParaRPr kumimoji="0" lang="en-US" sz="3200" b="0" i="0" u="none" strike="noStrike" kern="1200" cap="none" spc="0" normalizeH="0" baseline="0" noProof="0" dirty="0" smtClean="0">
-              <a:ln>
-                <a:noFill/>
-              </a:ln>
-              <a:solidFill>
-                <a:schemeClr val="tx1"/>
-              </a:solidFill>
-              <a:effectLst/>
-              <a:uLnTx/>
-              <a:uFillTx/>
-              <a:latin typeface="+mn-lt"/>
-              <a:ea typeface="+mn-ea"/>
-              <a:cs typeface="+mn-cs"/>
-            </a:endParaRPr>
-          </a:p>
-          <a:p>
-            <a:pPr marL="514350" marR="0" lvl="0" indent="-514350" algn="l" defTabSz="457200" rtl="0" eaLnBrk="1" fontAlgn="auto" latinLnBrk="0" hangingPunct="1">
-              <a:lnSpc>
-                <a:spcPct val="100000"/>
-              </a:lnSpc>
-              <a:spcBef>
-                <a:spcPct val="20000"/>
-              </a:spcBef>
-              <a:spcAft>
-                <a:spcPts val="0"/>
-              </a:spcAft>
-              <a:buClrTx/>
-              <a:buSzTx/>
-              <a:buFont typeface="Arial"/>
-              <a:buAutoNum type="arabicParenR"/>
-              <a:tabLst/>
-              <a:defRPr/>
-            </a:pPr>
-            <a:endParaRPr kumimoji="0" lang="en-US" sz="3200" b="0" i="0" u="none" strike="noStrike" kern="1200" cap="none" spc="0" normalizeH="0" baseline="0" noProof="0" dirty="0" smtClean="0">
-              <a:ln>
-                <a:noFill/>
-              </a:ln>
-              <a:solidFill>
-                <a:schemeClr val="tx1"/>
-              </a:solidFill>
-              <a:effectLst/>
-              <a:uLnTx/>
-              <a:uFillTx/>
-              <a:latin typeface="+mn-lt"/>
-              <a:ea typeface="+mn-ea"/>
-              <a:cs typeface="+mn-cs"/>
-            </a:endParaRPr>
-          </a:p>
-          <a:p>
-            <a:pPr marL="514350" marR="0" lvl="0" indent="-514350" algn="l" defTabSz="457200" rtl="0" eaLnBrk="1" fontAlgn="auto" latinLnBrk="0" hangingPunct="1">
-              <a:lnSpc>
-                <a:spcPct val="100000"/>
-              </a:lnSpc>
-              <a:spcBef>
-                <a:spcPct val="20000"/>
-              </a:spcBef>
-              <a:spcAft>
-                <a:spcPts val="0"/>
-              </a:spcAft>
-              <a:buClrTx/>
-              <a:buSzTx/>
-              <a:buFont typeface="Arial"/>
-              <a:buAutoNum type="arabicParenR"/>
-              <a:tabLst/>
-              <a:defRPr/>
-            </a:pPr>
-            <a:endParaRPr kumimoji="0" lang="en-US" sz="3200" b="0" i="0" u="none" strike="noStrike" kern="1200" cap="none" spc="0" normalizeH="0" baseline="0" noProof="0" dirty="0" smtClean="0">
-              <a:ln>
-                <a:noFill/>
-              </a:ln>
-              <a:solidFill>
-                <a:schemeClr val="tx1"/>
-              </a:solidFill>
-              <a:effectLst/>
-              <a:uLnTx/>
-              <a:uFillTx/>
-              <a:latin typeface="+mn-lt"/>
-              <a:ea typeface="+mn-ea"/>
-              <a:cs typeface="+mn-cs"/>
-            </a:endParaRPr>
-          </a:p>
-          <a:p>
-            <a:pPr marL="514350" marR="0" lvl="0" indent="-514350" algn="l" defTabSz="457200" rtl="0" eaLnBrk="1" fontAlgn="auto" latinLnBrk="0" hangingPunct="1">
-              <a:lnSpc>
-                <a:spcPct val="100000"/>
-              </a:lnSpc>
-              <a:spcBef>
-                <a:spcPct val="20000"/>
-              </a:spcBef>
-              <a:spcAft>
-                <a:spcPts val="0"/>
-              </a:spcAft>
-              <a:buClrTx/>
-              <a:buSzTx/>
-              <a:buFont typeface="Arial"/>
-              <a:buAutoNum type="arabicParenR"/>
-              <a:tabLst/>
-              <a:defRPr/>
-            </a:pPr>
-            <a:endParaRPr kumimoji="0" lang="en-US" sz="3200" b="1" i="0" u="none" strike="noStrike" kern="1200" cap="none" spc="0" normalizeH="0" baseline="0" noProof="0" dirty="0" smtClean="0">
-              <a:ln>
-                <a:noFill/>
-              </a:ln>
-              <a:solidFill>
-                <a:schemeClr val="tx1"/>
-              </a:solidFill>
-              <a:effectLst/>
-              <a:uLnTx/>
-              <a:uFillTx/>
-              <a:latin typeface="+mn-lt"/>
-              <a:ea typeface="+mn-ea"/>
-              <a:cs typeface="+mn-cs"/>
-            </a:endParaRPr>
-          </a:p>
-          <a:p>
-            <a:pPr marL="1600200" marR="0" lvl="3" indent="-228600" algn="l" defTabSz="457200" rtl="0" eaLnBrk="1" fontAlgn="auto" latinLnBrk="0" hangingPunct="1">
-              <a:lnSpc>
-                <a:spcPct val="100000"/>
-              </a:lnSpc>
-              <a:spcBef>
-                <a:spcPct val="20000"/>
-              </a:spcBef>
-              <a:spcAft>
-                <a:spcPts val="0"/>
-              </a:spcAft>
-              <a:buClrTx/>
-              <a:buSzTx/>
-              <a:buFont typeface="Arial"/>
-              <a:buNone/>
-              <a:tabLst/>
-              <a:defRPr/>
-            </a:pPr>
-            <a:endParaRPr kumimoji="0" lang="en-US" sz="2000" b="0" i="0" u="none" strike="noStrike" kern="1200" cap="none" spc="0" normalizeH="0" baseline="0" noProof="0" dirty="0" smtClean="0">
-              <a:ln>
-                <a:noFill/>
-              </a:ln>
-              <a:solidFill>
-                <a:schemeClr val="tx1"/>
-              </a:solidFill>
-              <a:effectLst/>
-              <a:uLnTx/>
-              <a:uFillTx/>
-              <a:latin typeface="+mn-lt"/>
-              <a:ea typeface="+mn-ea"/>
-              <a:cs typeface="+mn-cs"/>
-            </a:endParaRPr>
-          </a:p>
-          <a:p>
-            <a:pPr marL="742950" marR="0" lvl="1" indent="-285750" algn="l" defTabSz="457200" rtl="0" eaLnBrk="1" fontAlgn="auto" latinLnBrk="0" hangingPunct="1">
-              <a:lnSpc>
-                <a:spcPct val="100000"/>
-              </a:lnSpc>
-              <a:spcBef>
-                <a:spcPct val="20000"/>
-              </a:spcBef>
-              <a:spcAft>
-                <a:spcPts val="0"/>
-              </a:spcAft>
-              <a:buClrTx/>
-              <a:buSzTx/>
-              <a:buFont typeface="Arial"/>
-              <a:buNone/>
-              <a:tabLst/>
-              <a:defRPr/>
-            </a:pPr>
-            <a:endParaRPr kumimoji="0" lang="en-US" sz="2800" b="0" i="0" u="none" strike="noStrike" kern="1200" cap="none" spc="0" normalizeH="0" baseline="0" noProof="0" dirty="0" smtClean="0">
-              <a:ln>
-                <a:noFill/>
-              </a:ln>
-              <a:solidFill>
-                <a:schemeClr val="tx1"/>
-              </a:solidFill>
-              <a:effectLst/>
-              <a:uLnTx/>
-              <a:uFillTx/>
-              <a:latin typeface="+mn-lt"/>
-              <a:ea typeface="+mn-ea"/>
-              <a:cs typeface="+mn-cs"/>
-            </a:endParaRPr>
-          </a:p>
-          <a:p>
-            <a:pPr marL="742950" marR="0" lvl="1" indent="-285750" algn="l" defTabSz="457200" rtl="0" eaLnBrk="1" fontAlgn="auto" latinLnBrk="0" hangingPunct="1">
-              <a:lnSpc>
-                <a:spcPct val="100000"/>
-              </a:lnSpc>
-              <a:spcBef>
-                <a:spcPct val="20000"/>
-              </a:spcBef>
-              <a:spcAft>
-                <a:spcPts val="0"/>
-              </a:spcAft>
-              <a:buClrTx/>
-              <a:buSzTx/>
-              <a:buFont typeface="Arial"/>
-              <a:buNone/>
-              <a:tabLst/>
-              <a:defRPr/>
-            </a:pPr>
-            <a:endParaRPr kumimoji="0" lang="en-US" sz="2800" b="0" i="0" u="none" strike="noStrike" kern="1200" cap="none" spc="0" normalizeH="0" baseline="0" noProof="0" dirty="0" smtClean="0">
-              <a:ln>
-                <a:noFill/>
-              </a:ln>
-              <a:solidFill>
-                <a:schemeClr val="tx1"/>
-              </a:solidFill>
-              <a:effectLst/>
-              <a:uLnTx/>
-              <a:uFillTx/>
-              <a:latin typeface="+mn-lt"/>
-              <a:ea typeface="+mn-ea"/>
-              <a:cs typeface="+mn-cs"/>
             </a:endParaRPr>
           </a:p>
         </p:txBody>
